--- a/summary-slide.pptx
+++ b/summary-slide.pptx
@@ -104,6 +104,11 @@
       </a:defRPr>
     </a:lvl9pPr>
   </p:defaultTextStyle>
+  <p:extLst>
+    <p:ext uri="{EFAFB233-063F-42B5-8137-9DF3F51BA10A}">
+      <p15:sldGuideLst xmlns:p15="http://schemas.microsoft.com/office/powerpoint/2012/main"/>
+    </p:ext>
+  </p:extLst>
 </p:presentation>
 </file>
 
@@ -3321,6 +3326,1966 @@
           <a:chExt cx="0" cy="0"/>
         </a:xfrm>
       </p:grpSpPr>
+      <p:sp>
+        <p:nvSpPr>
+          <p:cNvPr id="2" name="TextBox 1">
+            <a:extLst>
+              <a:ext uri="{FF2B5EF4-FFF2-40B4-BE49-F238E27FC236}">
+                <a16:creationId xmlns:a16="http://schemas.microsoft.com/office/drawing/2014/main" id="{471ACCE8-DD58-4070-A682-51EE9F2B47FC}"/>
+              </a:ext>
+            </a:extLst>
+          </p:cNvPr>
+          <p:cNvSpPr txBox="1"/>
+          <p:nvPr/>
+        </p:nvSpPr>
+        <p:spPr>
+          <a:xfrm>
+            <a:off x="184955" y="196871"/>
+            <a:ext cx="6894094" cy="707886"/>
+          </a:xfrm>
+          <a:prstGeom prst="rect">
+            <a:avLst/>
+          </a:prstGeom>
+          <a:noFill/>
+        </p:spPr>
+        <p:txBody>
+          <a:bodyPr wrap="square" rtlCol="0">
+            <a:spAutoFit/>
+          </a:bodyPr>
+          <a:lstStyle/>
+          <a:p>
+            <a:r>
+              <a:rPr lang="en-US" sz="4000" b="1" dirty="0">
+                <a:latin typeface="Roboto" pitchFamily="2" charset="0"/>
+                <a:ea typeface="Roboto" pitchFamily="2" charset="0"/>
+              </a:rPr>
+              <a:t>PROJECT SUMMARY</a:t>
+            </a:r>
+          </a:p>
+        </p:txBody>
+      </p:sp>
+      <p:sp>
+        <p:nvSpPr>
+          <p:cNvPr id="3" name="TextBox 2">
+            <a:extLst>
+              <a:ext uri="{FF2B5EF4-FFF2-40B4-BE49-F238E27FC236}">
+                <a16:creationId xmlns:a16="http://schemas.microsoft.com/office/drawing/2014/main" id="{DC7826B1-2E9F-45D1-A8BB-762BB970D5CB}"/>
+              </a:ext>
+            </a:extLst>
+          </p:cNvPr>
+          <p:cNvSpPr txBox="1"/>
+          <p:nvPr/>
+        </p:nvSpPr>
+        <p:spPr>
+          <a:xfrm>
+            <a:off x="-4972398" y="1913555"/>
+            <a:ext cx="3224463" cy="2031325"/>
+          </a:xfrm>
+          <a:prstGeom prst="rect">
+            <a:avLst/>
+          </a:prstGeom>
+          <a:noFill/>
+        </p:spPr>
+        <p:txBody>
+          <a:bodyPr wrap="square" rtlCol="0">
+            <a:spAutoFit/>
+          </a:bodyPr>
+          <a:lstStyle/>
+          <a:p>
+            <a:r>
+              <a:rPr lang="en-US" dirty="0"/>
+              <a:t>A single summary slide of your project that can be used next semester as an example for other students. We might also use this for presentations with employers to talk about what our students do.</a:t>
+            </a:r>
+          </a:p>
+        </p:txBody>
+      </p:sp>
+      <p:sp>
+        <p:nvSpPr>
+          <p:cNvPr id="6" name="TextBox 5">
+            <a:extLst>
+              <a:ext uri="{FF2B5EF4-FFF2-40B4-BE49-F238E27FC236}">
+                <a16:creationId xmlns:a16="http://schemas.microsoft.com/office/drawing/2014/main" id="{764FCEDE-1479-4785-8FFB-C27145335B90}"/>
+              </a:ext>
+            </a:extLst>
+          </p:cNvPr>
+          <p:cNvSpPr txBox="1"/>
+          <p:nvPr/>
+        </p:nvSpPr>
+        <p:spPr>
+          <a:xfrm>
+            <a:off x="5250853" y="365745"/>
+            <a:ext cx="3666332" cy="369332"/>
+          </a:xfrm>
+          <a:prstGeom prst="rect">
+            <a:avLst/>
+          </a:prstGeom>
+          <a:noFill/>
+        </p:spPr>
+        <p:txBody>
+          <a:bodyPr wrap="square" rtlCol="0">
+            <a:spAutoFit/>
+          </a:bodyPr>
+          <a:lstStyle/>
+          <a:p>
+            <a:r>
+              <a:rPr lang="en-US" dirty="0"/>
+              <a:t>IS590 Open Data Mashups, Fall 2019</a:t>
+            </a:r>
+          </a:p>
+        </p:txBody>
+      </p:sp>
+      <p:sp>
+        <p:nvSpPr>
+          <p:cNvPr id="8" name="TextBox 7">
+            <a:extLst>
+              <a:ext uri="{FF2B5EF4-FFF2-40B4-BE49-F238E27FC236}">
+                <a16:creationId xmlns:a16="http://schemas.microsoft.com/office/drawing/2014/main" id="{9F16AC41-D001-4D21-B2CA-9BB71A005AB7}"/>
+              </a:ext>
+            </a:extLst>
+          </p:cNvPr>
+          <p:cNvSpPr txBox="1"/>
+          <p:nvPr/>
+        </p:nvSpPr>
+        <p:spPr>
+          <a:xfrm>
+            <a:off x="9247607" y="438164"/>
+            <a:ext cx="2675326" cy="477054"/>
+          </a:xfrm>
+          <a:prstGeom prst="rect">
+            <a:avLst/>
+          </a:prstGeom>
+          <a:noFill/>
+        </p:spPr>
+        <p:txBody>
+          <a:bodyPr wrap="square" rtlCol="0">
+            <a:spAutoFit/>
+          </a:bodyPr>
+          <a:lstStyle/>
+          <a:p>
+            <a:pPr algn="ctr"/>
+            <a:r>
+              <a:rPr lang="en-US" sz="2500" b="1" dirty="0">
+                <a:latin typeface="Roboto" pitchFamily="2" charset="0"/>
+                <a:ea typeface="Roboto" pitchFamily="2" charset="0"/>
+              </a:rPr>
+              <a:t>TIMELINE</a:t>
+            </a:r>
+          </a:p>
+        </p:txBody>
+      </p:sp>
+      <p:sp>
+        <p:nvSpPr>
+          <p:cNvPr id="4" name="Rectangle 3">
+            <a:extLst>
+              <a:ext uri="{FF2B5EF4-FFF2-40B4-BE49-F238E27FC236}">
+                <a16:creationId xmlns:a16="http://schemas.microsoft.com/office/drawing/2014/main" id="{129358CA-03F8-4F82-8EE5-17F054D0FAEB}"/>
+              </a:ext>
+            </a:extLst>
+          </p:cNvPr>
+          <p:cNvSpPr/>
+          <p:nvPr/>
+        </p:nvSpPr>
+        <p:spPr>
+          <a:xfrm>
+            <a:off x="1000366" y="1291512"/>
+            <a:ext cx="2584688" cy="553997"/>
+          </a:xfrm>
+          <a:prstGeom prst="rect">
+            <a:avLst/>
+          </a:prstGeom>
+          <a:noFill/>
+          <a:ln w="28575">
+            <a:solidFill>
+              <a:schemeClr val="accent1">
+                <a:lumMod val="60000"/>
+                <a:lumOff val="40000"/>
+              </a:schemeClr>
+            </a:solidFill>
+          </a:ln>
+        </p:spPr>
+        <p:style>
+          <a:lnRef idx="2">
+            <a:schemeClr val="accent1">
+              <a:shade val="50000"/>
+            </a:schemeClr>
+          </a:lnRef>
+          <a:fillRef idx="1">
+            <a:schemeClr val="accent1"/>
+          </a:fillRef>
+          <a:effectRef idx="0">
+            <a:schemeClr val="accent1"/>
+          </a:effectRef>
+          <a:fontRef idx="minor">
+            <a:schemeClr val="lt1"/>
+          </a:fontRef>
+        </p:style>
+        <p:txBody>
+          <a:bodyPr rtlCol="0" anchor="ctr"/>
+          <a:lstStyle/>
+          <a:p>
+            <a:pPr algn="ctr"/>
+            <a:endParaRPr lang="en-US"/>
+          </a:p>
+        </p:txBody>
+      </p:sp>
+      <p:sp>
+        <p:nvSpPr>
+          <p:cNvPr id="9" name="TextBox 8">
+            <a:extLst>
+              <a:ext uri="{FF2B5EF4-FFF2-40B4-BE49-F238E27FC236}">
+                <a16:creationId xmlns:a16="http://schemas.microsoft.com/office/drawing/2014/main" id="{AA0639A8-1C23-4757-89A9-0E64F9F59FE2}"/>
+              </a:ext>
+            </a:extLst>
+          </p:cNvPr>
+          <p:cNvSpPr txBox="1"/>
+          <p:nvPr/>
+        </p:nvSpPr>
+        <p:spPr>
+          <a:xfrm>
+            <a:off x="1065006" y="1335542"/>
+            <a:ext cx="2455407" cy="477054"/>
+          </a:xfrm>
+          <a:prstGeom prst="rect">
+            <a:avLst/>
+          </a:prstGeom>
+          <a:noFill/>
+        </p:spPr>
+        <p:txBody>
+          <a:bodyPr wrap="square" rtlCol="0">
+            <a:spAutoFit/>
+          </a:bodyPr>
+          <a:lstStyle/>
+          <a:p>
+            <a:pPr algn="ctr"/>
+            <a:r>
+              <a:rPr lang="en-US" sz="2500" b="1" dirty="0">
+                <a:latin typeface="Roboto" pitchFamily="2" charset="0"/>
+                <a:ea typeface="Roboto" pitchFamily="2" charset="0"/>
+              </a:rPr>
+              <a:t>OBJECTIVES</a:t>
+            </a:r>
+          </a:p>
+        </p:txBody>
+      </p:sp>
+      <p:sp>
+        <p:nvSpPr>
+          <p:cNvPr id="22" name="Rectangle 21">
+            <a:extLst>
+              <a:ext uri="{FF2B5EF4-FFF2-40B4-BE49-F238E27FC236}">
+                <a16:creationId xmlns:a16="http://schemas.microsoft.com/office/drawing/2014/main" id="{20B6E7E1-D11E-4A33-A3A3-B743C99606DD}"/>
+              </a:ext>
+            </a:extLst>
+          </p:cNvPr>
+          <p:cNvSpPr/>
+          <p:nvPr/>
+        </p:nvSpPr>
+        <p:spPr>
+          <a:xfrm>
+            <a:off x="184955" y="1151476"/>
+            <a:ext cx="4275744" cy="2671735"/>
+          </a:xfrm>
+          <a:prstGeom prst="rect">
+            <a:avLst/>
+          </a:prstGeom>
+          <a:noFill/>
+          <a:ln w="28575">
+            <a:solidFill>
+              <a:schemeClr val="accent1">
+                <a:lumMod val="75000"/>
+              </a:schemeClr>
+            </a:solidFill>
+          </a:ln>
+        </p:spPr>
+        <p:style>
+          <a:lnRef idx="2">
+            <a:schemeClr val="accent1">
+              <a:shade val="50000"/>
+            </a:schemeClr>
+          </a:lnRef>
+          <a:fillRef idx="1">
+            <a:schemeClr val="accent1"/>
+          </a:fillRef>
+          <a:effectRef idx="0">
+            <a:schemeClr val="accent1"/>
+          </a:effectRef>
+          <a:fontRef idx="minor">
+            <a:schemeClr val="lt1"/>
+          </a:fontRef>
+        </p:style>
+        <p:txBody>
+          <a:bodyPr rtlCol="0" anchor="ctr"/>
+          <a:lstStyle/>
+          <a:p>
+            <a:pPr algn="ctr"/>
+            <a:endParaRPr lang="en-US" dirty="0"/>
+          </a:p>
+        </p:txBody>
+      </p:sp>
+      <p:sp>
+        <p:nvSpPr>
+          <p:cNvPr id="59" name="Rectangle 58">
+            <a:extLst>
+              <a:ext uri="{FF2B5EF4-FFF2-40B4-BE49-F238E27FC236}">
+                <a16:creationId xmlns:a16="http://schemas.microsoft.com/office/drawing/2014/main" id="{AC758952-FBC6-4341-A25F-78AF972296E8}"/>
+              </a:ext>
+            </a:extLst>
+          </p:cNvPr>
+          <p:cNvSpPr/>
+          <p:nvPr/>
+        </p:nvSpPr>
+        <p:spPr>
+          <a:xfrm>
+            <a:off x="9062596" y="209320"/>
+            <a:ext cx="2975075" cy="6470998"/>
+          </a:xfrm>
+          <a:prstGeom prst="rect">
+            <a:avLst/>
+          </a:prstGeom>
+          <a:noFill/>
+          <a:ln w="28575">
+            <a:solidFill>
+              <a:schemeClr val="accent1">
+                <a:lumMod val="75000"/>
+              </a:schemeClr>
+            </a:solidFill>
+          </a:ln>
+        </p:spPr>
+        <p:style>
+          <a:lnRef idx="2">
+            <a:schemeClr val="accent1">
+              <a:shade val="50000"/>
+            </a:schemeClr>
+          </a:lnRef>
+          <a:fillRef idx="1">
+            <a:schemeClr val="accent1"/>
+          </a:fillRef>
+          <a:effectRef idx="0">
+            <a:schemeClr val="accent1"/>
+          </a:effectRef>
+          <a:fontRef idx="minor">
+            <a:schemeClr val="lt1"/>
+          </a:fontRef>
+        </p:style>
+        <p:txBody>
+          <a:bodyPr rtlCol="0" anchor="ctr"/>
+          <a:lstStyle/>
+          <a:p>
+            <a:pPr algn="ctr"/>
+            <a:endParaRPr lang="en-US" dirty="0"/>
+          </a:p>
+        </p:txBody>
+      </p:sp>
+      <p:sp>
+        <p:nvSpPr>
+          <p:cNvPr id="61" name="Rectangle 60">
+            <a:extLst>
+              <a:ext uri="{FF2B5EF4-FFF2-40B4-BE49-F238E27FC236}">
+                <a16:creationId xmlns:a16="http://schemas.microsoft.com/office/drawing/2014/main" id="{2BFB38AF-109D-49DA-A40A-DB892F263D76}"/>
+              </a:ext>
+            </a:extLst>
+          </p:cNvPr>
+          <p:cNvSpPr/>
+          <p:nvPr/>
+        </p:nvSpPr>
+        <p:spPr>
+          <a:xfrm>
+            <a:off x="9584979" y="378873"/>
+            <a:ext cx="2000583" cy="553997"/>
+          </a:xfrm>
+          <a:prstGeom prst="rect">
+            <a:avLst/>
+          </a:prstGeom>
+          <a:noFill/>
+          <a:ln w="28575">
+            <a:solidFill>
+              <a:schemeClr val="accent1">
+                <a:lumMod val="60000"/>
+                <a:lumOff val="40000"/>
+              </a:schemeClr>
+            </a:solidFill>
+          </a:ln>
+        </p:spPr>
+        <p:style>
+          <a:lnRef idx="2">
+            <a:schemeClr val="accent1">
+              <a:shade val="50000"/>
+            </a:schemeClr>
+          </a:lnRef>
+          <a:fillRef idx="1">
+            <a:schemeClr val="accent1"/>
+          </a:fillRef>
+          <a:effectRef idx="0">
+            <a:schemeClr val="accent1"/>
+          </a:effectRef>
+          <a:fontRef idx="minor">
+            <a:schemeClr val="lt1"/>
+          </a:fontRef>
+        </p:style>
+        <p:txBody>
+          <a:bodyPr rtlCol="0" anchor="ctr"/>
+          <a:lstStyle/>
+          <a:p>
+            <a:pPr algn="ctr"/>
+            <a:endParaRPr lang="en-US"/>
+          </a:p>
+        </p:txBody>
+      </p:sp>
+      <p:cxnSp>
+        <p:nvCxnSpPr>
+          <p:cNvPr id="62" name="Straight Connector 61">
+            <a:extLst>
+              <a:ext uri="{FF2B5EF4-FFF2-40B4-BE49-F238E27FC236}">
+                <a16:creationId xmlns:a16="http://schemas.microsoft.com/office/drawing/2014/main" id="{1B486E1F-E12D-4D05-9042-856BE12BBE1E}"/>
+              </a:ext>
+            </a:extLst>
+          </p:cNvPr>
+          <p:cNvCxnSpPr>
+            <a:cxnSpLocks/>
+          </p:cNvCxnSpPr>
+          <p:nvPr/>
+        </p:nvCxnSpPr>
+        <p:spPr>
+          <a:xfrm>
+            <a:off x="9456508" y="1208004"/>
+            <a:ext cx="0" cy="824177"/>
+          </a:xfrm>
+          <a:prstGeom prst="line">
+            <a:avLst/>
+          </a:prstGeom>
+          <a:ln w="57150">
+            <a:solidFill>
+              <a:srgbClr val="E68900"/>
+            </a:solidFill>
+          </a:ln>
+        </p:spPr>
+        <p:style>
+          <a:lnRef idx="1">
+            <a:schemeClr val="accent1"/>
+          </a:lnRef>
+          <a:fillRef idx="0">
+            <a:schemeClr val="accent1"/>
+          </a:fillRef>
+          <a:effectRef idx="0">
+            <a:schemeClr val="accent1"/>
+          </a:effectRef>
+          <a:fontRef idx="minor">
+            <a:schemeClr val="tx1"/>
+          </a:fontRef>
+        </p:style>
+      </p:cxnSp>
+      <p:sp>
+        <p:nvSpPr>
+          <p:cNvPr id="65" name="TextBox 64">
+            <a:extLst>
+              <a:ext uri="{FF2B5EF4-FFF2-40B4-BE49-F238E27FC236}">
+                <a16:creationId xmlns:a16="http://schemas.microsoft.com/office/drawing/2014/main" id="{38F33915-71AE-4F21-9D98-B866E4F2B513}"/>
+              </a:ext>
+            </a:extLst>
+          </p:cNvPr>
+          <p:cNvSpPr txBox="1"/>
+          <p:nvPr/>
+        </p:nvSpPr>
+        <p:spPr>
+          <a:xfrm>
+            <a:off x="13371896" y="1791886"/>
+            <a:ext cx="3224463" cy="2031325"/>
+          </a:xfrm>
+          <a:prstGeom prst="rect">
+            <a:avLst/>
+          </a:prstGeom>
+          <a:noFill/>
+        </p:spPr>
+        <p:txBody>
+          <a:bodyPr wrap="square" rtlCol="0">
+            <a:spAutoFit/>
+          </a:bodyPr>
+          <a:lstStyle/>
+          <a:p>
+            <a:r>
+              <a:rPr lang="en-US" dirty="0"/>
+              <a:t>A single summary slide of your project that can be used next semester as an example for other students. We might also use this for presentations with employers to talk about what our students do.</a:t>
+            </a:r>
+          </a:p>
+        </p:txBody>
+      </p:sp>
+      <p:sp>
+        <p:nvSpPr>
+          <p:cNvPr id="79" name="TextBox 78">
+            <a:extLst>
+              <a:ext uri="{FF2B5EF4-FFF2-40B4-BE49-F238E27FC236}">
+                <a16:creationId xmlns:a16="http://schemas.microsoft.com/office/drawing/2014/main" id="{DADABA61-C6FE-4BFD-9C77-AFD357208156}"/>
+              </a:ext>
+            </a:extLst>
+          </p:cNvPr>
+          <p:cNvSpPr txBox="1"/>
+          <p:nvPr/>
+        </p:nvSpPr>
+        <p:spPr>
+          <a:xfrm>
+            <a:off x="9674096" y="1162438"/>
+            <a:ext cx="1663901" cy="369332"/>
+          </a:xfrm>
+          <a:prstGeom prst="rect">
+            <a:avLst/>
+          </a:prstGeom>
+          <a:noFill/>
+        </p:spPr>
+        <p:txBody>
+          <a:bodyPr wrap="square" rtlCol="0">
+            <a:spAutoFit/>
+          </a:bodyPr>
+          <a:lstStyle/>
+          <a:p>
+            <a:r>
+              <a:rPr lang="en-US" b="1" dirty="0">
+                <a:latin typeface="Roboto" pitchFamily="2" charset="0"/>
+                <a:ea typeface="Roboto" pitchFamily="2" charset="0"/>
+              </a:rPr>
+              <a:t>August</a:t>
+            </a:r>
+          </a:p>
+        </p:txBody>
+      </p:sp>
+      <p:sp>
+        <p:nvSpPr>
+          <p:cNvPr id="81" name="TextBox 80">
+            <a:extLst>
+              <a:ext uri="{FF2B5EF4-FFF2-40B4-BE49-F238E27FC236}">
+                <a16:creationId xmlns:a16="http://schemas.microsoft.com/office/drawing/2014/main" id="{B3B115E4-7D50-4A68-A6D8-771E41EEB214}"/>
+              </a:ext>
+            </a:extLst>
+          </p:cNvPr>
+          <p:cNvSpPr txBox="1"/>
+          <p:nvPr/>
+        </p:nvSpPr>
+        <p:spPr>
+          <a:xfrm>
+            <a:off x="9674096" y="1495174"/>
+            <a:ext cx="2303123" cy="584775"/>
+          </a:xfrm>
+          <a:prstGeom prst="rect">
+            <a:avLst/>
+          </a:prstGeom>
+          <a:noFill/>
+        </p:spPr>
+        <p:txBody>
+          <a:bodyPr wrap="square" rtlCol="0">
+            <a:spAutoFit/>
+          </a:bodyPr>
+          <a:lstStyle/>
+          <a:p>
+            <a:r>
+              <a:rPr lang="en-US" sz="1600" dirty="0">
+                <a:latin typeface="Segoe UI Light" panose="020B0502040204020203" pitchFamily="34" charset="0"/>
+                <a:cs typeface="Segoe UI Light" panose="020B0502040204020203" pitchFamily="34" charset="0"/>
+              </a:rPr>
+              <a:t>Project development and dataset exploration</a:t>
+            </a:r>
+          </a:p>
+        </p:txBody>
+      </p:sp>
+      <p:sp>
+        <p:nvSpPr>
+          <p:cNvPr id="101" name="Rectangle 100">
+            <a:extLst>
+              <a:ext uri="{FF2B5EF4-FFF2-40B4-BE49-F238E27FC236}">
+                <a16:creationId xmlns:a16="http://schemas.microsoft.com/office/drawing/2014/main" id="{7841F684-5403-49E9-8E53-5B1A1AC35CE8}"/>
+              </a:ext>
+            </a:extLst>
+          </p:cNvPr>
+          <p:cNvSpPr/>
+          <p:nvPr/>
+        </p:nvSpPr>
+        <p:spPr>
+          <a:xfrm>
+            <a:off x="5448649" y="1296667"/>
+            <a:ext cx="2584688" cy="553997"/>
+          </a:xfrm>
+          <a:prstGeom prst="rect">
+            <a:avLst/>
+          </a:prstGeom>
+          <a:noFill/>
+          <a:ln w="28575">
+            <a:solidFill>
+              <a:schemeClr val="accent1">
+                <a:lumMod val="60000"/>
+                <a:lumOff val="40000"/>
+              </a:schemeClr>
+            </a:solidFill>
+          </a:ln>
+        </p:spPr>
+        <p:style>
+          <a:lnRef idx="2">
+            <a:schemeClr val="accent1">
+              <a:shade val="50000"/>
+            </a:schemeClr>
+          </a:lnRef>
+          <a:fillRef idx="1">
+            <a:schemeClr val="accent1"/>
+          </a:fillRef>
+          <a:effectRef idx="0">
+            <a:schemeClr val="accent1"/>
+          </a:effectRef>
+          <a:fontRef idx="minor">
+            <a:schemeClr val="lt1"/>
+          </a:fontRef>
+        </p:style>
+        <p:txBody>
+          <a:bodyPr rtlCol="0" anchor="ctr"/>
+          <a:lstStyle/>
+          <a:p>
+            <a:pPr algn="ctr"/>
+            <a:endParaRPr lang="en-US"/>
+          </a:p>
+        </p:txBody>
+      </p:sp>
+      <p:sp>
+        <p:nvSpPr>
+          <p:cNvPr id="102" name="TextBox 101">
+            <a:extLst>
+              <a:ext uri="{FF2B5EF4-FFF2-40B4-BE49-F238E27FC236}">
+                <a16:creationId xmlns:a16="http://schemas.microsoft.com/office/drawing/2014/main" id="{62A1919C-5ACC-4A3D-90D5-E62C69E4B346}"/>
+              </a:ext>
+            </a:extLst>
+          </p:cNvPr>
+          <p:cNvSpPr txBox="1"/>
+          <p:nvPr/>
+        </p:nvSpPr>
+        <p:spPr>
+          <a:xfrm>
+            <a:off x="5521492" y="1343639"/>
+            <a:ext cx="2455407" cy="477054"/>
+          </a:xfrm>
+          <a:prstGeom prst="rect">
+            <a:avLst/>
+          </a:prstGeom>
+          <a:noFill/>
+        </p:spPr>
+        <p:txBody>
+          <a:bodyPr wrap="square" rtlCol="0">
+            <a:spAutoFit/>
+          </a:bodyPr>
+          <a:lstStyle/>
+          <a:p>
+            <a:pPr algn="ctr"/>
+            <a:r>
+              <a:rPr lang="en-US" sz="2500" b="1" dirty="0">
+                <a:latin typeface="Roboto" pitchFamily="2" charset="0"/>
+                <a:ea typeface="Roboto" pitchFamily="2" charset="0"/>
+              </a:rPr>
+              <a:t>DATASETS</a:t>
+            </a:r>
+          </a:p>
+        </p:txBody>
+      </p:sp>
+      <p:sp>
+        <p:nvSpPr>
+          <p:cNvPr id="103" name="Rectangle 102">
+            <a:extLst>
+              <a:ext uri="{FF2B5EF4-FFF2-40B4-BE49-F238E27FC236}">
+                <a16:creationId xmlns:a16="http://schemas.microsoft.com/office/drawing/2014/main" id="{07846CCD-7144-485F-973A-2557B4D9B492}"/>
+              </a:ext>
+            </a:extLst>
+          </p:cNvPr>
+          <p:cNvSpPr/>
+          <p:nvPr/>
+        </p:nvSpPr>
+        <p:spPr>
+          <a:xfrm>
+            <a:off x="4631424" y="1146584"/>
+            <a:ext cx="4275744" cy="2671735"/>
+          </a:xfrm>
+          <a:prstGeom prst="rect">
+            <a:avLst/>
+          </a:prstGeom>
+          <a:noFill/>
+          <a:ln w="28575">
+            <a:solidFill>
+              <a:schemeClr val="accent1">
+                <a:lumMod val="75000"/>
+              </a:schemeClr>
+            </a:solidFill>
+          </a:ln>
+        </p:spPr>
+        <p:style>
+          <a:lnRef idx="2">
+            <a:schemeClr val="accent1">
+              <a:shade val="50000"/>
+            </a:schemeClr>
+          </a:lnRef>
+          <a:fillRef idx="1">
+            <a:schemeClr val="accent1"/>
+          </a:fillRef>
+          <a:effectRef idx="0">
+            <a:schemeClr val="accent1"/>
+          </a:effectRef>
+          <a:fontRef idx="minor">
+            <a:schemeClr val="lt1"/>
+          </a:fontRef>
+        </p:style>
+        <p:txBody>
+          <a:bodyPr rtlCol="0" anchor="ctr"/>
+          <a:lstStyle/>
+          <a:p>
+            <a:pPr algn="ctr"/>
+            <a:endParaRPr lang="en-US" dirty="0"/>
+          </a:p>
+        </p:txBody>
+      </p:sp>
+      <p:cxnSp>
+        <p:nvCxnSpPr>
+          <p:cNvPr id="121" name="Straight Connector 120">
+            <a:extLst>
+              <a:ext uri="{FF2B5EF4-FFF2-40B4-BE49-F238E27FC236}">
+                <a16:creationId xmlns:a16="http://schemas.microsoft.com/office/drawing/2014/main" id="{1C9D8D4F-AC52-4F6A-83A8-C5840D880C1D}"/>
+              </a:ext>
+            </a:extLst>
+          </p:cNvPr>
+          <p:cNvCxnSpPr>
+            <a:cxnSpLocks/>
+          </p:cNvCxnSpPr>
+          <p:nvPr/>
+        </p:nvCxnSpPr>
+        <p:spPr>
+          <a:xfrm>
+            <a:off x="9456508" y="2279265"/>
+            <a:ext cx="0" cy="824177"/>
+          </a:xfrm>
+          <a:prstGeom prst="line">
+            <a:avLst/>
+          </a:prstGeom>
+          <a:ln w="57150">
+            <a:solidFill>
+              <a:srgbClr val="E68900"/>
+            </a:solidFill>
+          </a:ln>
+        </p:spPr>
+        <p:style>
+          <a:lnRef idx="1">
+            <a:schemeClr val="accent1"/>
+          </a:lnRef>
+          <a:fillRef idx="0">
+            <a:schemeClr val="accent1"/>
+          </a:fillRef>
+          <a:effectRef idx="0">
+            <a:schemeClr val="accent1"/>
+          </a:effectRef>
+          <a:fontRef idx="minor">
+            <a:schemeClr val="tx1"/>
+          </a:fontRef>
+        </p:style>
+      </p:cxnSp>
+      <p:sp>
+        <p:nvSpPr>
+          <p:cNvPr id="122" name="TextBox 121">
+            <a:extLst>
+              <a:ext uri="{FF2B5EF4-FFF2-40B4-BE49-F238E27FC236}">
+                <a16:creationId xmlns:a16="http://schemas.microsoft.com/office/drawing/2014/main" id="{149B1FCC-FD3E-4B58-8928-94E68225E7A0}"/>
+              </a:ext>
+            </a:extLst>
+          </p:cNvPr>
+          <p:cNvSpPr txBox="1"/>
+          <p:nvPr/>
+        </p:nvSpPr>
+        <p:spPr>
+          <a:xfrm>
+            <a:off x="9674096" y="2228019"/>
+            <a:ext cx="1663901" cy="369332"/>
+          </a:xfrm>
+          <a:prstGeom prst="rect">
+            <a:avLst/>
+          </a:prstGeom>
+          <a:noFill/>
+        </p:spPr>
+        <p:txBody>
+          <a:bodyPr wrap="square" rtlCol="0">
+            <a:spAutoFit/>
+          </a:bodyPr>
+          <a:lstStyle/>
+          <a:p>
+            <a:r>
+              <a:rPr lang="en-US" b="1" dirty="0">
+                <a:latin typeface="Roboto" pitchFamily="2" charset="0"/>
+                <a:ea typeface="Roboto" pitchFamily="2" charset="0"/>
+              </a:rPr>
+              <a:t>September</a:t>
+            </a:r>
+          </a:p>
+        </p:txBody>
+      </p:sp>
+      <p:sp>
+        <p:nvSpPr>
+          <p:cNvPr id="123" name="TextBox 122">
+            <a:extLst>
+              <a:ext uri="{FF2B5EF4-FFF2-40B4-BE49-F238E27FC236}">
+                <a16:creationId xmlns:a16="http://schemas.microsoft.com/office/drawing/2014/main" id="{01E4A3D8-9C8A-4D5E-A7DF-465261873CCD}"/>
+              </a:ext>
+            </a:extLst>
+          </p:cNvPr>
+          <p:cNvSpPr txBox="1"/>
+          <p:nvPr/>
+        </p:nvSpPr>
+        <p:spPr>
+          <a:xfrm>
+            <a:off x="9674097" y="2560755"/>
+            <a:ext cx="2000580" cy="584775"/>
+          </a:xfrm>
+          <a:prstGeom prst="rect">
+            <a:avLst/>
+          </a:prstGeom>
+          <a:noFill/>
+        </p:spPr>
+        <p:txBody>
+          <a:bodyPr wrap="square" rtlCol="0">
+            <a:spAutoFit/>
+          </a:bodyPr>
+          <a:lstStyle/>
+          <a:p>
+            <a:r>
+              <a:rPr lang="en-US" sz="1600" dirty="0">
+                <a:latin typeface="Segoe UI Light" panose="020B0502040204020203" pitchFamily="34" charset="0"/>
+                <a:cs typeface="Segoe UI Light" panose="020B0502040204020203" pitchFamily="34" charset="0"/>
+              </a:rPr>
+              <a:t>Dataset selection and data extraction</a:t>
+            </a:r>
+          </a:p>
+        </p:txBody>
+      </p:sp>
+      <p:cxnSp>
+        <p:nvCxnSpPr>
+          <p:cNvPr id="124" name="Straight Connector 123">
+            <a:extLst>
+              <a:ext uri="{FF2B5EF4-FFF2-40B4-BE49-F238E27FC236}">
+                <a16:creationId xmlns:a16="http://schemas.microsoft.com/office/drawing/2014/main" id="{3BA15293-DB61-4D5E-946A-701CED6D3405}"/>
+              </a:ext>
+            </a:extLst>
+          </p:cNvPr>
+          <p:cNvCxnSpPr>
+            <a:cxnSpLocks/>
+          </p:cNvCxnSpPr>
+          <p:nvPr/>
+        </p:nvCxnSpPr>
+        <p:spPr>
+          <a:xfrm>
+            <a:off x="9456508" y="3382349"/>
+            <a:ext cx="0" cy="824177"/>
+          </a:xfrm>
+          <a:prstGeom prst="line">
+            <a:avLst/>
+          </a:prstGeom>
+          <a:ln w="57150">
+            <a:solidFill>
+              <a:srgbClr val="E68900"/>
+            </a:solidFill>
+          </a:ln>
+        </p:spPr>
+        <p:style>
+          <a:lnRef idx="1">
+            <a:schemeClr val="accent1"/>
+          </a:lnRef>
+          <a:fillRef idx="0">
+            <a:schemeClr val="accent1"/>
+          </a:fillRef>
+          <a:effectRef idx="0">
+            <a:schemeClr val="accent1"/>
+          </a:effectRef>
+          <a:fontRef idx="minor">
+            <a:schemeClr val="tx1"/>
+          </a:fontRef>
+        </p:style>
+      </p:cxnSp>
+      <p:sp>
+        <p:nvSpPr>
+          <p:cNvPr id="125" name="TextBox 124">
+            <a:extLst>
+              <a:ext uri="{FF2B5EF4-FFF2-40B4-BE49-F238E27FC236}">
+                <a16:creationId xmlns:a16="http://schemas.microsoft.com/office/drawing/2014/main" id="{9EBC804C-FE2B-4119-BE10-B4D6719F6806}"/>
+              </a:ext>
+            </a:extLst>
+          </p:cNvPr>
+          <p:cNvSpPr txBox="1"/>
+          <p:nvPr/>
+        </p:nvSpPr>
+        <p:spPr>
+          <a:xfrm>
+            <a:off x="9674096" y="3319745"/>
+            <a:ext cx="1663901" cy="369332"/>
+          </a:xfrm>
+          <a:prstGeom prst="rect">
+            <a:avLst/>
+          </a:prstGeom>
+          <a:noFill/>
+        </p:spPr>
+        <p:txBody>
+          <a:bodyPr wrap="square" rtlCol="0">
+            <a:spAutoFit/>
+          </a:bodyPr>
+          <a:lstStyle/>
+          <a:p>
+            <a:r>
+              <a:rPr lang="en-US" b="1" dirty="0">
+                <a:latin typeface="Roboto" pitchFamily="2" charset="0"/>
+                <a:ea typeface="Roboto" pitchFamily="2" charset="0"/>
+              </a:rPr>
+              <a:t>October</a:t>
+            </a:r>
+          </a:p>
+        </p:txBody>
+      </p:sp>
+      <p:sp>
+        <p:nvSpPr>
+          <p:cNvPr id="126" name="TextBox 125">
+            <a:extLst>
+              <a:ext uri="{FF2B5EF4-FFF2-40B4-BE49-F238E27FC236}">
+                <a16:creationId xmlns:a16="http://schemas.microsoft.com/office/drawing/2014/main" id="{C3B771DF-1405-427D-9F67-31EAF52C3198}"/>
+              </a:ext>
+            </a:extLst>
+          </p:cNvPr>
+          <p:cNvSpPr txBox="1"/>
+          <p:nvPr/>
+        </p:nvSpPr>
+        <p:spPr>
+          <a:xfrm>
+            <a:off x="9674097" y="3652481"/>
+            <a:ext cx="2000580" cy="584775"/>
+          </a:xfrm>
+          <a:prstGeom prst="rect">
+            <a:avLst/>
+          </a:prstGeom>
+          <a:noFill/>
+        </p:spPr>
+        <p:txBody>
+          <a:bodyPr wrap="square" rtlCol="0">
+            <a:spAutoFit/>
+          </a:bodyPr>
+          <a:lstStyle/>
+          <a:p>
+            <a:r>
+              <a:rPr lang="en-US" sz="1600" dirty="0">
+                <a:latin typeface="Segoe UI Light" panose="020B0502040204020203" pitchFamily="34" charset="0"/>
+                <a:cs typeface="Segoe UI Light" panose="020B0502040204020203" pitchFamily="34" charset="0"/>
+              </a:rPr>
+              <a:t>Dataset extraction and cleaning</a:t>
+            </a:r>
+          </a:p>
+        </p:txBody>
+      </p:sp>
+      <p:cxnSp>
+        <p:nvCxnSpPr>
+          <p:cNvPr id="127" name="Straight Connector 126">
+            <a:extLst>
+              <a:ext uri="{FF2B5EF4-FFF2-40B4-BE49-F238E27FC236}">
+                <a16:creationId xmlns:a16="http://schemas.microsoft.com/office/drawing/2014/main" id="{6D89ED7D-9D42-42B2-A9CA-DC1C83A3CF92}"/>
+              </a:ext>
+            </a:extLst>
+          </p:cNvPr>
+          <p:cNvCxnSpPr>
+            <a:cxnSpLocks/>
+          </p:cNvCxnSpPr>
+          <p:nvPr/>
+        </p:nvCxnSpPr>
+        <p:spPr>
+          <a:xfrm>
+            <a:off x="9456508" y="4508069"/>
+            <a:ext cx="0" cy="824177"/>
+          </a:xfrm>
+          <a:prstGeom prst="line">
+            <a:avLst/>
+          </a:prstGeom>
+          <a:ln w="57150">
+            <a:solidFill>
+              <a:srgbClr val="E68900"/>
+            </a:solidFill>
+          </a:ln>
+        </p:spPr>
+        <p:style>
+          <a:lnRef idx="1">
+            <a:schemeClr val="accent1"/>
+          </a:lnRef>
+          <a:fillRef idx="0">
+            <a:schemeClr val="accent1"/>
+          </a:fillRef>
+          <a:effectRef idx="0">
+            <a:schemeClr val="accent1"/>
+          </a:effectRef>
+          <a:fontRef idx="minor">
+            <a:schemeClr val="tx1"/>
+          </a:fontRef>
+        </p:style>
+      </p:cxnSp>
+      <p:sp>
+        <p:nvSpPr>
+          <p:cNvPr id="128" name="TextBox 127">
+            <a:extLst>
+              <a:ext uri="{FF2B5EF4-FFF2-40B4-BE49-F238E27FC236}">
+                <a16:creationId xmlns:a16="http://schemas.microsoft.com/office/drawing/2014/main" id="{DE02E68C-61F0-4D42-B16E-4E02DEC552D0}"/>
+              </a:ext>
+            </a:extLst>
+          </p:cNvPr>
+          <p:cNvSpPr txBox="1"/>
+          <p:nvPr/>
+        </p:nvSpPr>
+        <p:spPr>
+          <a:xfrm>
+            <a:off x="9674096" y="4439785"/>
+            <a:ext cx="1663901" cy="369332"/>
+          </a:xfrm>
+          <a:prstGeom prst="rect">
+            <a:avLst/>
+          </a:prstGeom>
+          <a:noFill/>
+        </p:spPr>
+        <p:txBody>
+          <a:bodyPr wrap="square" rtlCol="0">
+            <a:spAutoFit/>
+          </a:bodyPr>
+          <a:lstStyle/>
+          <a:p>
+            <a:r>
+              <a:rPr lang="en-US" b="1" dirty="0">
+                <a:latin typeface="Roboto" pitchFamily="2" charset="0"/>
+                <a:ea typeface="Roboto" pitchFamily="2" charset="0"/>
+              </a:rPr>
+              <a:t>November</a:t>
+            </a:r>
+          </a:p>
+        </p:txBody>
+      </p:sp>
+      <p:sp>
+        <p:nvSpPr>
+          <p:cNvPr id="129" name="TextBox 128">
+            <a:extLst>
+              <a:ext uri="{FF2B5EF4-FFF2-40B4-BE49-F238E27FC236}">
+                <a16:creationId xmlns:a16="http://schemas.microsoft.com/office/drawing/2014/main" id="{E7C7F7C4-9E5A-48BC-9EA4-AF80E77D6B44}"/>
+              </a:ext>
+            </a:extLst>
+          </p:cNvPr>
+          <p:cNvSpPr txBox="1"/>
+          <p:nvPr/>
+        </p:nvSpPr>
+        <p:spPr>
+          <a:xfrm>
+            <a:off x="9674097" y="4772521"/>
+            <a:ext cx="2000580" cy="584775"/>
+          </a:xfrm>
+          <a:prstGeom prst="rect">
+            <a:avLst/>
+          </a:prstGeom>
+          <a:noFill/>
+        </p:spPr>
+        <p:txBody>
+          <a:bodyPr wrap="square" rtlCol="0">
+            <a:spAutoFit/>
+          </a:bodyPr>
+          <a:lstStyle/>
+          <a:p>
+            <a:r>
+              <a:rPr lang="en-US" sz="1600" dirty="0">
+                <a:latin typeface="Segoe UI Light" panose="020B0502040204020203" pitchFamily="34" charset="0"/>
+                <a:cs typeface="Segoe UI Light" panose="020B0502040204020203" pitchFamily="34" charset="0"/>
+              </a:rPr>
+              <a:t>Data processing and analysis</a:t>
+            </a:r>
+          </a:p>
+        </p:txBody>
+      </p:sp>
+      <p:cxnSp>
+        <p:nvCxnSpPr>
+          <p:cNvPr id="130" name="Straight Connector 129">
+            <a:extLst>
+              <a:ext uri="{FF2B5EF4-FFF2-40B4-BE49-F238E27FC236}">
+                <a16:creationId xmlns:a16="http://schemas.microsoft.com/office/drawing/2014/main" id="{7A6A3ACE-75ED-4FB3-AD19-33ACDEB06F91}"/>
+              </a:ext>
+            </a:extLst>
+          </p:cNvPr>
+          <p:cNvCxnSpPr>
+            <a:cxnSpLocks/>
+          </p:cNvCxnSpPr>
+          <p:nvPr/>
+        </p:nvCxnSpPr>
+        <p:spPr>
+          <a:xfrm>
+            <a:off x="9456508" y="5588810"/>
+            <a:ext cx="0" cy="824177"/>
+          </a:xfrm>
+          <a:prstGeom prst="line">
+            <a:avLst/>
+          </a:prstGeom>
+          <a:ln w="57150">
+            <a:solidFill>
+              <a:srgbClr val="E68900"/>
+            </a:solidFill>
+          </a:ln>
+        </p:spPr>
+        <p:style>
+          <a:lnRef idx="1">
+            <a:schemeClr val="accent1"/>
+          </a:lnRef>
+          <a:fillRef idx="0">
+            <a:schemeClr val="accent1"/>
+          </a:fillRef>
+          <a:effectRef idx="0">
+            <a:schemeClr val="accent1"/>
+          </a:effectRef>
+          <a:fontRef idx="minor">
+            <a:schemeClr val="tx1"/>
+          </a:fontRef>
+        </p:style>
+      </p:cxnSp>
+      <p:sp>
+        <p:nvSpPr>
+          <p:cNvPr id="131" name="TextBox 130">
+            <a:extLst>
+              <a:ext uri="{FF2B5EF4-FFF2-40B4-BE49-F238E27FC236}">
+                <a16:creationId xmlns:a16="http://schemas.microsoft.com/office/drawing/2014/main" id="{1FE731A9-7A31-43F9-AA09-D079BD9FC67D}"/>
+              </a:ext>
+            </a:extLst>
+          </p:cNvPr>
+          <p:cNvSpPr txBox="1"/>
+          <p:nvPr/>
+        </p:nvSpPr>
+        <p:spPr>
+          <a:xfrm>
+            <a:off x="9674096" y="5526206"/>
+            <a:ext cx="1663901" cy="369332"/>
+          </a:xfrm>
+          <a:prstGeom prst="rect">
+            <a:avLst/>
+          </a:prstGeom>
+          <a:noFill/>
+        </p:spPr>
+        <p:txBody>
+          <a:bodyPr wrap="square" rtlCol="0">
+            <a:spAutoFit/>
+          </a:bodyPr>
+          <a:lstStyle/>
+          <a:p>
+            <a:r>
+              <a:rPr lang="en-US" b="1" dirty="0">
+                <a:latin typeface="Roboto" pitchFamily="2" charset="0"/>
+                <a:ea typeface="Roboto" pitchFamily="2" charset="0"/>
+              </a:rPr>
+              <a:t>December</a:t>
+            </a:r>
+          </a:p>
+        </p:txBody>
+      </p:sp>
+      <p:sp>
+        <p:nvSpPr>
+          <p:cNvPr id="132" name="TextBox 131">
+            <a:extLst>
+              <a:ext uri="{FF2B5EF4-FFF2-40B4-BE49-F238E27FC236}">
+                <a16:creationId xmlns:a16="http://schemas.microsoft.com/office/drawing/2014/main" id="{E203A156-CF94-4FB4-87D8-1CD983658513}"/>
+              </a:ext>
+            </a:extLst>
+          </p:cNvPr>
+          <p:cNvSpPr txBox="1"/>
+          <p:nvPr/>
+        </p:nvSpPr>
+        <p:spPr>
+          <a:xfrm>
+            <a:off x="9674097" y="5858942"/>
+            <a:ext cx="2000580" cy="584775"/>
+          </a:xfrm>
+          <a:prstGeom prst="rect">
+            <a:avLst/>
+          </a:prstGeom>
+          <a:noFill/>
+        </p:spPr>
+        <p:txBody>
+          <a:bodyPr wrap="square" rtlCol="0">
+            <a:spAutoFit/>
+          </a:bodyPr>
+          <a:lstStyle/>
+          <a:p>
+            <a:r>
+              <a:rPr lang="en-US" sz="1600" dirty="0">
+                <a:latin typeface="Segoe UI Light" panose="020B0502040204020203" pitchFamily="34" charset="0"/>
+                <a:cs typeface="Segoe UI Light" panose="020B0502040204020203" pitchFamily="34" charset="0"/>
+              </a:rPr>
+              <a:t>Final analysis and submission</a:t>
+            </a:r>
+          </a:p>
+        </p:txBody>
+      </p:sp>
+      <p:sp>
+        <p:nvSpPr>
+          <p:cNvPr id="120" name="TextBox 119">
+            <a:extLst>
+              <a:ext uri="{FF2B5EF4-FFF2-40B4-BE49-F238E27FC236}">
+                <a16:creationId xmlns:a16="http://schemas.microsoft.com/office/drawing/2014/main" id="{6D599FE6-630B-4942-BC17-8E5B98DC5DA1}"/>
+              </a:ext>
+            </a:extLst>
+          </p:cNvPr>
+          <p:cNvSpPr txBox="1"/>
+          <p:nvPr/>
+        </p:nvSpPr>
+        <p:spPr>
+          <a:xfrm>
+            <a:off x="504976" y="2047762"/>
+            <a:ext cx="3575465" cy="830997"/>
+          </a:xfrm>
+          <a:prstGeom prst="rect">
+            <a:avLst/>
+          </a:prstGeom>
+          <a:noFill/>
+        </p:spPr>
+        <p:txBody>
+          <a:bodyPr wrap="square" rtlCol="0">
+            <a:spAutoFit/>
+          </a:bodyPr>
+          <a:lstStyle/>
+          <a:p>
+            <a:r>
+              <a:rPr lang="en-US" sz="1600" dirty="0">
+                <a:latin typeface="Segoe UI Light" panose="020B0502040204020203" pitchFamily="34" charset="0"/>
+                <a:ea typeface="Roboto" pitchFamily="2" charset="0"/>
+                <a:cs typeface="Segoe UI Light" panose="020B0502040204020203" pitchFamily="34" charset="0"/>
+              </a:rPr>
+              <a:t>Aggregate bibliographic metadata from literary databases to explore patterns in author citation</a:t>
+            </a:r>
+          </a:p>
+        </p:txBody>
+      </p:sp>
+      <p:sp>
+        <p:nvSpPr>
+          <p:cNvPr id="137" name="TextBox 136">
+            <a:extLst>
+              <a:ext uri="{FF2B5EF4-FFF2-40B4-BE49-F238E27FC236}">
+                <a16:creationId xmlns:a16="http://schemas.microsoft.com/office/drawing/2014/main" id="{6057432F-3C75-42D7-9E66-BD95C2EE6D95}"/>
+              </a:ext>
+            </a:extLst>
+          </p:cNvPr>
+          <p:cNvSpPr txBox="1"/>
+          <p:nvPr/>
+        </p:nvSpPr>
+        <p:spPr>
+          <a:xfrm>
+            <a:off x="504977" y="3047955"/>
+            <a:ext cx="3679398" cy="584775"/>
+          </a:xfrm>
+          <a:prstGeom prst="rect">
+            <a:avLst/>
+          </a:prstGeom>
+          <a:noFill/>
+        </p:spPr>
+        <p:txBody>
+          <a:bodyPr wrap="square" rtlCol="0">
+            <a:spAutoFit/>
+          </a:bodyPr>
+          <a:lstStyle/>
+          <a:p>
+            <a:r>
+              <a:rPr lang="en-US" sz="1600" dirty="0">
+                <a:latin typeface="Segoe UI Light" panose="020B0502040204020203" pitchFamily="34" charset="0"/>
+                <a:ea typeface="Roboto" pitchFamily="2" charset="0"/>
+                <a:cs typeface="Segoe UI Light" panose="020B0502040204020203" pitchFamily="34" charset="0"/>
+              </a:rPr>
+              <a:t>Build a corpus of author citations for use in canon studies research</a:t>
+            </a:r>
+          </a:p>
+        </p:txBody>
+      </p:sp>
+      <p:sp>
+        <p:nvSpPr>
+          <p:cNvPr id="144" name="Rectangle 143">
+            <a:extLst>
+              <a:ext uri="{FF2B5EF4-FFF2-40B4-BE49-F238E27FC236}">
+                <a16:creationId xmlns:a16="http://schemas.microsoft.com/office/drawing/2014/main" id="{D38D9DC3-C3C3-4787-ACE4-9E707BAFA31D}"/>
+              </a:ext>
+            </a:extLst>
+          </p:cNvPr>
+          <p:cNvSpPr/>
+          <p:nvPr/>
+        </p:nvSpPr>
+        <p:spPr>
+          <a:xfrm>
+            <a:off x="1000366" y="4215958"/>
+            <a:ext cx="2584688" cy="553997"/>
+          </a:xfrm>
+          <a:prstGeom prst="rect">
+            <a:avLst/>
+          </a:prstGeom>
+          <a:noFill/>
+          <a:ln w="28575">
+            <a:solidFill>
+              <a:schemeClr val="accent1">
+                <a:lumMod val="60000"/>
+                <a:lumOff val="40000"/>
+              </a:schemeClr>
+            </a:solidFill>
+          </a:ln>
+        </p:spPr>
+        <p:style>
+          <a:lnRef idx="2">
+            <a:schemeClr val="accent1">
+              <a:shade val="50000"/>
+            </a:schemeClr>
+          </a:lnRef>
+          <a:fillRef idx="1">
+            <a:schemeClr val="accent1"/>
+          </a:fillRef>
+          <a:effectRef idx="0">
+            <a:schemeClr val="accent1"/>
+          </a:effectRef>
+          <a:fontRef idx="minor">
+            <a:schemeClr val="lt1"/>
+          </a:fontRef>
+        </p:style>
+        <p:txBody>
+          <a:bodyPr rtlCol="0" anchor="ctr"/>
+          <a:lstStyle/>
+          <a:p>
+            <a:pPr algn="ctr"/>
+            <a:endParaRPr lang="en-US"/>
+          </a:p>
+        </p:txBody>
+      </p:sp>
+      <p:sp>
+        <p:nvSpPr>
+          <p:cNvPr id="145" name="TextBox 144">
+            <a:extLst>
+              <a:ext uri="{FF2B5EF4-FFF2-40B4-BE49-F238E27FC236}">
+                <a16:creationId xmlns:a16="http://schemas.microsoft.com/office/drawing/2014/main" id="{D7DD3369-E1E5-4BE3-B810-8A11677894DE}"/>
+              </a:ext>
+            </a:extLst>
+          </p:cNvPr>
+          <p:cNvSpPr txBox="1"/>
+          <p:nvPr/>
+        </p:nvSpPr>
+        <p:spPr>
+          <a:xfrm>
+            <a:off x="1065006" y="4259988"/>
+            <a:ext cx="2455407" cy="477054"/>
+          </a:xfrm>
+          <a:prstGeom prst="rect">
+            <a:avLst/>
+          </a:prstGeom>
+          <a:noFill/>
+        </p:spPr>
+        <p:txBody>
+          <a:bodyPr wrap="square" rtlCol="0">
+            <a:spAutoFit/>
+          </a:bodyPr>
+          <a:lstStyle/>
+          <a:p>
+            <a:pPr algn="ctr"/>
+            <a:r>
+              <a:rPr lang="en-US" sz="2500" b="1" dirty="0">
+                <a:latin typeface="Roboto" pitchFamily="2" charset="0"/>
+                <a:ea typeface="Roboto" pitchFamily="2" charset="0"/>
+              </a:rPr>
+              <a:t>METHODS</a:t>
+            </a:r>
+          </a:p>
+        </p:txBody>
+      </p:sp>
+      <p:sp>
+        <p:nvSpPr>
+          <p:cNvPr id="146" name="Rectangle 145">
+            <a:extLst>
+              <a:ext uri="{FF2B5EF4-FFF2-40B4-BE49-F238E27FC236}">
+                <a16:creationId xmlns:a16="http://schemas.microsoft.com/office/drawing/2014/main" id="{DB9A439B-A4C4-43E3-86F7-B92750FF7A9A}"/>
+              </a:ext>
+            </a:extLst>
+          </p:cNvPr>
+          <p:cNvSpPr/>
+          <p:nvPr/>
+        </p:nvSpPr>
+        <p:spPr>
+          <a:xfrm>
+            <a:off x="184955" y="4008583"/>
+            <a:ext cx="4275744" cy="2671735"/>
+          </a:xfrm>
+          <a:prstGeom prst="rect">
+            <a:avLst/>
+          </a:prstGeom>
+          <a:noFill/>
+          <a:ln w="28575">
+            <a:solidFill>
+              <a:schemeClr val="accent1">
+                <a:lumMod val="75000"/>
+              </a:schemeClr>
+            </a:solidFill>
+          </a:ln>
+        </p:spPr>
+        <p:style>
+          <a:lnRef idx="2">
+            <a:schemeClr val="accent1">
+              <a:shade val="50000"/>
+            </a:schemeClr>
+          </a:lnRef>
+          <a:fillRef idx="1">
+            <a:schemeClr val="accent1"/>
+          </a:fillRef>
+          <a:effectRef idx="0">
+            <a:schemeClr val="accent1"/>
+          </a:effectRef>
+          <a:fontRef idx="minor">
+            <a:schemeClr val="lt1"/>
+          </a:fontRef>
+        </p:style>
+        <p:txBody>
+          <a:bodyPr rtlCol="0" anchor="ctr"/>
+          <a:lstStyle/>
+          <a:p>
+            <a:pPr algn="ctr"/>
+            <a:endParaRPr lang="en-US" dirty="0"/>
+          </a:p>
+        </p:txBody>
+      </p:sp>
+      <p:sp>
+        <p:nvSpPr>
+          <p:cNvPr id="149" name="Rectangle 148">
+            <a:extLst>
+              <a:ext uri="{FF2B5EF4-FFF2-40B4-BE49-F238E27FC236}">
+                <a16:creationId xmlns:a16="http://schemas.microsoft.com/office/drawing/2014/main" id="{F897FAA7-CC1A-4812-9F9C-4CF3F3EA4A6D}"/>
+              </a:ext>
+            </a:extLst>
+          </p:cNvPr>
+          <p:cNvSpPr/>
+          <p:nvPr/>
+        </p:nvSpPr>
+        <p:spPr>
+          <a:xfrm>
+            <a:off x="5456852" y="4215958"/>
+            <a:ext cx="2584688" cy="553997"/>
+          </a:xfrm>
+          <a:prstGeom prst="rect">
+            <a:avLst/>
+          </a:prstGeom>
+          <a:noFill/>
+          <a:ln w="28575">
+            <a:solidFill>
+              <a:schemeClr val="accent1">
+                <a:lumMod val="60000"/>
+                <a:lumOff val="40000"/>
+              </a:schemeClr>
+            </a:solidFill>
+          </a:ln>
+        </p:spPr>
+        <p:style>
+          <a:lnRef idx="2">
+            <a:schemeClr val="accent1">
+              <a:shade val="50000"/>
+            </a:schemeClr>
+          </a:lnRef>
+          <a:fillRef idx="1">
+            <a:schemeClr val="accent1"/>
+          </a:fillRef>
+          <a:effectRef idx="0">
+            <a:schemeClr val="accent1"/>
+          </a:effectRef>
+          <a:fontRef idx="minor">
+            <a:schemeClr val="lt1"/>
+          </a:fontRef>
+        </p:style>
+        <p:txBody>
+          <a:bodyPr rtlCol="0" anchor="ctr"/>
+          <a:lstStyle/>
+          <a:p>
+            <a:pPr algn="ctr"/>
+            <a:endParaRPr lang="en-US"/>
+          </a:p>
+        </p:txBody>
+      </p:sp>
+      <p:sp>
+        <p:nvSpPr>
+          <p:cNvPr id="150" name="TextBox 149">
+            <a:extLst>
+              <a:ext uri="{FF2B5EF4-FFF2-40B4-BE49-F238E27FC236}">
+                <a16:creationId xmlns:a16="http://schemas.microsoft.com/office/drawing/2014/main" id="{27AB9626-5490-403A-BFE2-E21D9D249FF3}"/>
+              </a:ext>
+            </a:extLst>
+          </p:cNvPr>
+          <p:cNvSpPr txBox="1"/>
+          <p:nvPr/>
+        </p:nvSpPr>
+        <p:spPr>
+          <a:xfrm>
+            <a:off x="5521492" y="4259988"/>
+            <a:ext cx="2455407" cy="477054"/>
+          </a:xfrm>
+          <a:prstGeom prst="rect">
+            <a:avLst/>
+          </a:prstGeom>
+          <a:noFill/>
+        </p:spPr>
+        <p:txBody>
+          <a:bodyPr wrap="square" rtlCol="0">
+            <a:spAutoFit/>
+          </a:bodyPr>
+          <a:lstStyle/>
+          <a:p>
+            <a:pPr algn="ctr"/>
+            <a:r>
+              <a:rPr lang="en-US" sz="2500" b="1" dirty="0">
+                <a:latin typeface="Roboto" pitchFamily="2" charset="0"/>
+                <a:ea typeface="Roboto" pitchFamily="2" charset="0"/>
+              </a:rPr>
+              <a:t>RESULTS</a:t>
+            </a:r>
+          </a:p>
+        </p:txBody>
+      </p:sp>
+      <p:sp>
+        <p:nvSpPr>
+          <p:cNvPr id="151" name="Rectangle 150">
+            <a:extLst>
+              <a:ext uri="{FF2B5EF4-FFF2-40B4-BE49-F238E27FC236}">
+                <a16:creationId xmlns:a16="http://schemas.microsoft.com/office/drawing/2014/main" id="{DFB19575-E94A-426C-A2C3-A009B54EBDED}"/>
+              </a:ext>
+            </a:extLst>
+          </p:cNvPr>
+          <p:cNvSpPr/>
+          <p:nvPr/>
+        </p:nvSpPr>
+        <p:spPr>
+          <a:xfrm>
+            <a:off x="4641441" y="4008583"/>
+            <a:ext cx="4275744" cy="2671735"/>
+          </a:xfrm>
+          <a:prstGeom prst="rect">
+            <a:avLst/>
+          </a:prstGeom>
+          <a:noFill/>
+          <a:ln w="28575">
+            <a:solidFill>
+              <a:schemeClr val="accent1">
+                <a:lumMod val="75000"/>
+              </a:schemeClr>
+            </a:solidFill>
+          </a:ln>
+        </p:spPr>
+        <p:style>
+          <a:lnRef idx="2">
+            <a:schemeClr val="accent1">
+              <a:shade val="50000"/>
+            </a:schemeClr>
+          </a:lnRef>
+          <a:fillRef idx="1">
+            <a:schemeClr val="accent1"/>
+          </a:fillRef>
+          <a:effectRef idx="0">
+            <a:schemeClr val="accent1"/>
+          </a:effectRef>
+          <a:fontRef idx="minor">
+            <a:schemeClr val="lt1"/>
+          </a:fontRef>
+        </p:style>
+        <p:txBody>
+          <a:bodyPr rtlCol="0" anchor="ctr"/>
+          <a:lstStyle/>
+          <a:p>
+            <a:pPr algn="ctr"/>
+            <a:endParaRPr lang="en-US" dirty="0"/>
+          </a:p>
+        </p:txBody>
+      </p:sp>
+      <p:sp>
+        <p:nvSpPr>
+          <p:cNvPr id="156" name="TextBox 155">
+            <a:extLst>
+              <a:ext uri="{FF2B5EF4-FFF2-40B4-BE49-F238E27FC236}">
+                <a16:creationId xmlns:a16="http://schemas.microsoft.com/office/drawing/2014/main" id="{BB26C999-5729-4D66-BBF5-EE5B43BAF72B}"/>
+              </a:ext>
+            </a:extLst>
+          </p:cNvPr>
+          <p:cNvSpPr txBox="1"/>
+          <p:nvPr/>
+        </p:nvSpPr>
+        <p:spPr>
+          <a:xfrm>
+            <a:off x="4998039" y="1964642"/>
+            <a:ext cx="3505981" cy="338554"/>
+          </a:xfrm>
+          <a:prstGeom prst="rect">
+            <a:avLst/>
+          </a:prstGeom>
+          <a:noFill/>
+        </p:spPr>
+        <p:txBody>
+          <a:bodyPr wrap="square" rtlCol="0">
+            <a:spAutoFit/>
+          </a:bodyPr>
+          <a:lstStyle/>
+          <a:p>
+            <a:pPr algn="ctr"/>
+            <a:r>
+              <a:rPr lang="en-US" sz="1600" dirty="0">
+                <a:latin typeface="Segoe UI Light" panose="020B0502040204020203" pitchFamily="34" charset="0"/>
+                <a:ea typeface="Roboto" pitchFamily="2" charset="0"/>
+                <a:cs typeface="Segoe UI Light" panose="020B0502040204020203" pitchFamily="34" charset="0"/>
+              </a:rPr>
+              <a:t>English Short Title Catalog (HathiTrust)</a:t>
+            </a:r>
+          </a:p>
+        </p:txBody>
+      </p:sp>
+      <p:sp>
+        <p:nvSpPr>
+          <p:cNvPr id="159" name="TextBox 158">
+            <a:extLst>
+              <a:ext uri="{FF2B5EF4-FFF2-40B4-BE49-F238E27FC236}">
+                <a16:creationId xmlns:a16="http://schemas.microsoft.com/office/drawing/2014/main" id="{0224AE67-5705-43CA-AB7F-9C10A641AD2E}"/>
+              </a:ext>
+            </a:extLst>
+          </p:cNvPr>
+          <p:cNvSpPr txBox="1"/>
+          <p:nvPr/>
+        </p:nvSpPr>
+        <p:spPr>
+          <a:xfrm>
+            <a:off x="476385" y="5566501"/>
+            <a:ext cx="1380517" cy="830997"/>
+          </a:xfrm>
+          <a:prstGeom prst="rect">
+            <a:avLst/>
+          </a:prstGeom>
+          <a:noFill/>
+        </p:spPr>
+        <p:txBody>
+          <a:bodyPr wrap="square" rtlCol="0">
+            <a:spAutoFit/>
+          </a:bodyPr>
+          <a:lstStyle/>
+          <a:p>
+            <a:r>
+              <a:rPr lang="en-US" sz="1600" dirty="0" err="1">
+                <a:latin typeface="Segoe UI Light" panose="020B0502040204020203" pitchFamily="34" charset="0"/>
+                <a:ea typeface="Roboto" pitchFamily="2" charset="0"/>
+                <a:cs typeface="Segoe UI Light" panose="020B0502040204020203" pitchFamily="34" charset="0"/>
+              </a:rPr>
+              <a:t>OpenRefine</a:t>
+            </a:r>
+            <a:endParaRPr lang="en-US" sz="1600" dirty="0">
+              <a:latin typeface="Segoe UI Light" panose="020B0502040204020203" pitchFamily="34" charset="0"/>
+              <a:ea typeface="Roboto" pitchFamily="2" charset="0"/>
+              <a:cs typeface="Segoe UI Light" panose="020B0502040204020203" pitchFamily="34" charset="0"/>
+            </a:endParaRPr>
+          </a:p>
+          <a:p>
+            <a:r>
+              <a:rPr lang="en-US" sz="1600" dirty="0">
+                <a:latin typeface="Segoe UI Light" panose="020B0502040204020203" pitchFamily="34" charset="0"/>
+                <a:ea typeface="Roboto" pitchFamily="2" charset="0"/>
+                <a:cs typeface="Segoe UI Light" panose="020B0502040204020203" pitchFamily="34" charset="0"/>
+              </a:rPr>
+              <a:t>Hand-editing</a:t>
+            </a:r>
+          </a:p>
+          <a:p>
+            <a:r>
+              <a:rPr lang="en-US" sz="1600" dirty="0">
+                <a:latin typeface="Segoe UI Light" panose="020B0502040204020203" pitchFamily="34" charset="0"/>
+                <a:ea typeface="Roboto" pitchFamily="2" charset="0"/>
+                <a:cs typeface="Segoe UI Light" panose="020B0502040204020203" pitchFamily="34" charset="0"/>
+              </a:rPr>
+              <a:t>XPATH</a:t>
+            </a:r>
+          </a:p>
+        </p:txBody>
+      </p:sp>
+      <p:sp>
+        <p:nvSpPr>
+          <p:cNvPr id="160" name="TextBox 159">
+            <a:extLst>
+              <a:ext uri="{FF2B5EF4-FFF2-40B4-BE49-F238E27FC236}">
+                <a16:creationId xmlns:a16="http://schemas.microsoft.com/office/drawing/2014/main" id="{5030580D-0CF3-4B16-8101-01021DFD776E}"/>
+              </a:ext>
+            </a:extLst>
+          </p:cNvPr>
+          <p:cNvSpPr txBox="1"/>
+          <p:nvPr/>
+        </p:nvSpPr>
+        <p:spPr>
+          <a:xfrm>
+            <a:off x="334692" y="4920157"/>
+            <a:ext cx="1663901" cy="646331"/>
+          </a:xfrm>
+          <a:prstGeom prst="rect">
+            <a:avLst/>
+          </a:prstGeom>
+          <a:noFill/>
+        </p:spPr>
+        <p:txBody>
+          <a:bodyPr wrap="square" rtlCol="0">
+            <a:spAutoFit/>
+          </a:bodyPr>
+          <a:lstStyle/>
+          <a:p>
+            <a:pPr algn="ctr"/>
+            <a:r>
+              <a:rPr lang="en-US" b="1" dirty="0">
+                <a:latin typeface="Roboto" pitchFamily="2" charset="0"/>
+                <a:ea typeface="Roboto" pitchFamily="2" charset="0"/>
+              </a:rPr>
+              <a:t>COLLECTION/CLEANING</a:t>
+            </a:r>
+          </a:p>
+        </p:txBody>
+      </p:sp>
+      <p:sp>
+        <p:nvSpPr>
+          <p:cNvPr id="161" name="TextBox 160">
+            <a:extLst>
+              <a:ext uri="{FF2B5EF4-FFF2-40B4-BE49-F238E27FC236}">
+                <a16:creationId xmlns:a16="http://schemas.microsoft.com/office/drawing/2014/main" id="{0DBF7084-E6D2-4CBA-AC28-50D8B133EBCD}"/>
+              </a:ext>
+            </a:extLst>
+          </p:cNvPr>
+          <p:cNvSpPr txBox="1"/>
+          <p:nvPr/>
+        </p:nvSpPr>
+        <p:spPr>
+          <a:xfrm>
+            <a:off x="2500870" y="4999067"/>
+            <a:ext cx="1663901" cy="369332"/>
+          </a:xfrm>
+          <a:prstGeom prst="rect">
+            <a:avLst/>
+          </a:prstGeom>
+          <a:noFill/>
+        </p:spPr>
+        <p:txBody>
+          <a:bodyPr wrap="square" rtlCol="0">
+            <a:spAutoFit/>
+          </a:bodyPr>
+          <a:lstStyle/>
+          <a:p>
+            <a:r>
+              <a:rPr lang="en-US" b="1" dirty="0">
+                <a:latin typeface="Roboto" pitchFamily="2" charset="0"/>
+                <a:ea typeface="Roboto" pitchFamily="2" charset="0"/>
+              </a:rPr>
+              <a:t>PROCESSING</a:t>
+            </a:r>
+          </a:p>
+        </p:txBody>
+      </p:sp>
+      <p:sp>
+        <p:nvSpPr>
+          <p:cNvPr id="162" name="TextBox 161">
+            <a:extLst>
+              <a:ext uri="{FF2B5EF4-FFF2-40B4-BE49-F238E27FC236}">
+                <a16:creationId xmlns:a16="http://schemas.microsoft.com/office/drawing/2014/main" id="{69A9D9AF-0C25-42E5-991F-C8AD653BB8EE}"/>
+              </a:ext>
+            </a:extLst>
+          </p:cNvPr>
+          <p:cNvSpPr txBox="1"/>
+          <p:nvPr/>
+        </p:nvSpPr>
+        <p:spPr>
+          <a:xfrm>
+            <a:off x="2383371" y="5565908"/>
+            <a:ext cx="1829627" cy="830997"/>
+          </a:xfrm>
+          <a:prstGeom prst="rect">
+            <a:avLst/>
+          </a:prstGeom>
+          <a:noFill/>
+        </p:spPr>
+        <p:txBody>
+          <a:bodyPr wrap="square" rtlCol="0">
+            <a:spAutoFit/>
+          </a:bodyPr>
+          <a:lstStyle/>
+          <a:p>
+            <a:r>
+              <a:rPr lang="en-US" sz="1600" dirty="0" err="1">
+                <a:latin typeface="Segoe UI Light" panose="020B0502040204020203" pitchFamily="34" charset="0"/>
+                <a:ea typeface="Roboto" pitchFamily="2" charset="0"/>
+                <a:cs typeface="Segoe UI Light" panose="020B0502040204020203" pitchFamily="34" charset="0"/>
+              </a:rPr>
+              <a:t>Jupyter</a:t>
+            </a:r>
+            <a:r>
+              <a:rPr lang="en-US" sz="1600" dirty="0">
+                <a:latin typeface="Segoe UI Light" panose="020B0502040204020203" pitchFamily="34" charset="0"/>
+                <a:ea typeface="Roboto" pitchFamily="2" charset="0"/>
+                <a:cs typeface="Segoe UI Light" panose="020B0502040204020203" pitchFamily="34" charset="0"/>
+              </a:rPr>
+              <a:t> Notebook</a:t>
+            </a:r>
+          </a:p>
+          <a:p>
+            <a:r>
+              <a:rPr lang="en-US" sz="1600" dirty="0">
+                <a:latin typeface="Segoe UI Light" panose="020B0502040204020203" pitchFamily="34" charset="0"/>
+                <a:ea typeface="Roboto" pitchFamily="2" charset="0"/>
+                <a:cs typeface="Segoe UI Light" panose="020B0502040204020203" pitchFamily="34" charset="0"/>
+              </a:rPr>
+              <a:t>Python</a:t>
+            </a:r>
+          </a:p>
+          <a:p>
+            <a:r>
+              <a:rPr lang="en-US" sz="1600" dirty="0">
+                <a:latin typeface="Segoe UI Light" panose="020B0502040204020203" pitchFamily="34" charset="0"/>
+                <a:ea typeface="Roboto" pitchFamily="2" charset="0"/>
+                <a:cs typeface="Segoe UI Light" panose="020B0502040204020203" pitchFamily="34" charset="0"/>
+              </a:rPr>
+              <a:t>Pandas</a:t>
+            </a:r>
+          </a:p>
+        </p:txBody>
+      </p:sp>
+      <p:sp>
+        <p:nvSpPr>
+          <p:cNvPr id="1030" name="Rectangle 1029">
+            <a:extLst>
+              <a:ext uri="{FF2B5EF4-FFF2-40B4-BE49-F238E27FC236}">
+                <a16:creationId xmlns:a16="http://schemas.microsoft.com/office/drawing/2014/main" id="{A0F3C838-57C9-4D90-A31D-493BF0CD18AB}"/>
+              </a:ext>
+            </a:extLst>
+          </p:cNvPr>
+          <p:cNvSpPr/>
+          <p:nvPr/>
+        </p:nvSpPr>
+        <p:spPr>
+          <a:xfrm>
+            <a:off x="4994690" y="2324324"/>
+            <a:ext cx="3512673" cy="338554"/>
+          </a:xfrm>
+          <a:prstGeom prst="rect">
+            <a:avLst/>
+          </a:prstGeom>
+        </p:spPr>
+        <p:txBody>
+          <a:bodyPr wrap="square">
+            <a:spAutoFit/>
+          </a:bodyPr>
+          <a:lstStyle/>
+          <a:p>
+            <a:pPr algn="ctr"/>
+            <a:r>
+              <a:rPr lang="en-US" sz="1600" dirty="0">
+                <a:latin typeface="Segoe UI Light" panose="020B0502040204020203" pitchFamily="34" charset="0"/>
+                <a:ea typeface="Roboto" pitchFamily="2" charset="0"/>
+                <a:cs typeface="Segoe UI Light" panose="020B0502040204020203" pitchFamily="34" charset="0"/>
+              </a:rPr>
+              <a:t>Early English Books Online (ProQuest)</a:t>
+            </a:r>
+          </a:p>
+        </p:txBody>
+      </p:sp>
+      <p:sp>
+        <p:nvSpPr>
+          <p:cNvPr id="165" name="Rectangle 164">
+            <a:extLst>
+              <a:ext uri="{FF2B5EF4-FFF2-40B4-BE49-F238E27FC236}">
+                <a16:creationId xmlns:a16="http://schemas.microsoft.com/office/drawing/2014/main" id="{46E355D5-5E8E-4CB1-ABE4-3EB2138EC25D}"/>
+              </a:ext>
+            </a:extLst>
+          </p:cNvPr>
+          <p:cNvSpPr/>
+          <p:nvPr/>
+        </p:nvSpPr>
+        <p:spPr>
+          <a:xfrm>
+            <a:off x="4984656" y="2683865"/>
+            <a:ext cx="3512673" cy="338554"/>
+          </a:xfrm>
+          <a:prstGeom prst="rect">
+            <a:avLst/>
+          </a:prstGeom>
+        </p:spPr>
+        <p:txBody>
+          <a:bodyPr wrap="square">
+            <a:spAutoFit/>
+          </a:bodyPr>
+          <a:lstStyle/>
+          <a:p>
+            <a:pPr algn="ctr"/>
+            <a:r>
+              <a:rPr lang="en-US" sz="1600" dirty="0">
+                <a:latin typeface="Segoe UI Light" panose="020B0502040204020203" pitchFamily="34" charset="0"/>
+                <a:ea typeface="Roboto" pitchFamily="2" charset="0"/>
+                <a:cs typeface="Segoe UI Light" panose="020B0502040204020203" pitchFamily="34" charset="0"/>
+              </a:rPr>
+              <a:t>Open Syllabus Project</a:t>
+            </a:r>
+          </a:p>
+        </p:txBody>
+      </p:sp>
+      <p:sp>
+        <p:nvSpPr>
+          <p:cNvPr id="166" name="Rectangle 165">
+            <a:extLst>
+              <a:ext uri="{FF2B5EF4-FFF2-40B4-BE49-F238E27FC236}">
+                <a16:creationId xmlns:a16="http://schemas.microsoft.com/office/drawing/2014/main" id="{891138A9-8148-47F7-BA02-3C0255213AE6}"/>
+              </a:ext>
+            </a:extLst>
+          </p:cNvPr>
+          <p:cNvSpPr/>
+          <p:nvPr/>
+        </p:nvSpPr>
+        <p:spPr>
+          <a:xfrm>
+            <a:off x="4998039" y="3041688"/>
+            <a:ext cx="3512673" cy="338554"/>
+          </a:xfrm>
+          <a:prstGeom prst="rect">
+            <a:avLst/>
+          </a:prstGeom>
+        </p:spPr>
+        <p:txBody>
+          <a:bodyPr wrap="square">
+            <a:spAutoFit/>
+          </a:bodyPr>
+          <a:lstStyle/>
+          <a:p>
+            <a:pPr algn="ctr"/>
+            <a:r>
+              <a:rPr lang="en-US" sz="1600" dirty="0">
+                <a:latin typeface="Segoe UI Light" panose="020B0502040204020203" pitchFamily="34" charset="0"/>
+                <a:ea typeface="Roboto" pitchFamily="2" charset="0"/>
+                <a:cs typeface="Segoe UI Light" panose="020B0502040204020203" pitchFamily="34" charset="0"/>
+              </a:rPr>
+              <a:t>Project Gutenberg</a:t>
+            </a:r>
+          </a:p>
+        </p:txBody>
+      </p:sp>
+      <p:sp>
+        <p:nvSpPr>
+          <p:cNvPr id="167" name="Rectangle 166">
+            <a:extLst>
+              <a:ext uri="{FF2B5EF4-FFF2-40B4-BE49-F238E27FC236}">
+                <a16:creationId xmlns:a16="http://schemas.microsoft.com/office/drawing/2014/main" id="{1B518CBF-1F34-44AD-8F06-65C2B938C723}"/>
+              </a:ext>
+            </a:extLst>
+          </p:cNvPr>
+          <p:cNvSpPr/>
+          <p:nvPr/>
+        </p:nvSpPr>
+        <p:spPr>
+          <a:xfrm>
+            <a:off x="4984656" y="3401229"/>
+            <a:ext cx="3512673" cy="338554"/>
+          </a:xfrm>
+          <a:prstGeom prst="rect">
+            <a:avLst/>
+          </a:prstGeom>
+        </p:spPr>
+        <p:txBody>
+          <a:bodyPr wrap="square">
+            <a:spAutoFit/>
+          </a:bodyPr>
+          <a:lstStyle/>
+          <a:p>
+            <a:pPr algn="ctr"/>
+            <a:r>
+              <a:rPr lang="en-US" sz="1600" dirty="0">
+                <a:latin typeface="Segoe UI Light" panose="020B0502040204020203" pitchFamily="34" charset="0"/>
+                <a:ea typeface="Roboto" pitchFamily="2" charset="0"/>
+                <a:cs typeface="Segoe UI Light" panose="020B0502040204020203" pitchFamily="34" charset="0"/>
+              </a:rPr>
+              <a:t>Oxford Text Archive</a:t>
+            </a:r>
+          </a:p>
+        </p:txBody>
+      </p:sp>
     </p:spTree>
     <p:extLst>
       <p:ext uri="{BB962C8B-B14F-4D97-AF65-F5344CB8AC3E}">

--- a/summary-slide.pptx
+++ b/summary-slide.pptx
@@ -259,7 +259,7 @@
           <a:p>
             <a:fld id="{79F0436B-DEA0-4EC0-AC16-6B83C9962F3E}" type="datetimeFigureOut">
               <a:rPr lang="en-US" smtClean="0"/>
-              <a:t>12/12/2019</a:t>
+              <a:t>12/13/2019</a:t>
             </a:fld>
             <a:endParaRPr lang="en-US"/>
           </a:p>
@@ -457,7 +457,7 @@
           <a:p>
             <a:fld id="{79F0436B-DEA0-4EC0-AC16-6B83C9962F3E}" type="datetimeFigureOut">
               <a:rPr lang="en-US" smtClean="0"/>
-              <a:t>12/12/2019</a:t>
+              <a:t>12/13/2019</a:t>
             </a:fld>
             <a:endParaRPr lang="en-US"/>
           </a:p>
@@ -665,7 +665,7 @@
           <a:p>
             <a:fld id="{79F0436B-DEA0-4EC0-AC16-6B83C9962F3E}" type="datetimeFigureOut">
               <a:rPr lang="en-US" smtClean="0"/>
-              <a:t>12/12/2019</a:t>
+              <a:t>12/13/2019</a:t>
             </a:fld>
             <a:endParaRPr lang="en-US"/>
           </a:p>
@@ -863,7 +863,7 @@
           <a:p>
             <a:fld id="{79F0436B-DEA0-4EC0-AC16-6B83C9962F3E}" type="datetimeFigureOut">
               <a:rPr lang="en-US" smtClean="0"/>
-              <a:t>12/12/2019</a:t>
+              <a:t>12/13/2019</a:t>
             </a:fld>
             <a:endParaRPr lang="en-US"/>
           </a:p>
@@ -1138,7 +1138,7 @@
           <a:p>
             <a:fld id="{79F0436B-DEA0-4EC0-AC16-6B83C9962F3E}" type="datetimeFigureOut">
               <a:rPr lang="en-US" smtClean="0"/>
-              <a:t>12/12/2019</a:t>
+              <a:t>12/13/2019</a:t>
             </a:fld>
             <a:endParaRPr lang="en-US"/>
           </a:p>
@@ -1403,7 +1403,7 @@
           <a:p>
             <a:fld id="{79F0436B-DEA0-4EC0-AC16-6B83C9962F3E}" type="datetimeFigureOut">
               <a:rPr lang="en-US" smtClean="0"/>
-              <a:t>12/12/2019</a:t>
+              <a:t>12/13/2019</a:t>
             </a:fld>
             <a:endParaRPr lang="en-US"/>
           </a:p>
@@ -1815,7 +1815,7 @@
           <a:p>
             <a:fld id="{79F0436B-DEA0-4EC0-AC16-6B83C9962F3E}" type="datetimeFigureOut">
               <a:rPr lang="en-US" smtClean="0"/>
-              <a:t>12/12/2019</a:t>
+              <a:t>12/13/2019</a:t>
             </a:fld>
             <a:endParaRPr lang="en-US"/>
           </a:p>
@@ -1956,7 +1956,7 @@
           <a:p>
             <a:fld id="{79F0436B-DEA0-4EC0-AC16-6B83C9962F3E}" type="datetimeFigureOut">
               <a:rPr lang="en-US" smtClean="0"/>
-              <a:t>12/12/2019</a:t>
+              <a:t>12/13/2019</a:t>
             </a:fld>
             <a:endParaRPr lang="en-US"/>
           </a:p>
@@ -2069,7 +2069,7 @@
           <a:p>
             <a:fld id="{79F0436B-DEA0-4EC0-AC16-6B83C9962F3E}" type="datetimeFigureOut">
               <a:rPr lang="en-US" smtClean="0"/>
-              <a:t>12/12/2019</a:t>
+              <a:t>12/13/2019</a:t>
             </a:fld>
             <a:endParaRPr lang="en-US"/>
           </a:p>
@@ -2380,7 +2380,7 @@
           <a:p>
             <a:fld id="{79F0436B-DEA0-4EC0-AC16-6B83C9962F3E}" type="datetimeFigureOut">
               <a:rPr lang="en-US" smtClean="0"/>
-              <a:t>12/12/2019</a:t>
+              <a:t>12/13/2019</a:t>
             </a:fld>
             <a:endParaRPr lang="en-US"/>
           </a:p>
@@ -2668,7 +2668,7 @@
           <a:p>
             <a:fld id="{79F0436B-DEA0-4EC0-AC16-6B83C9962F3E}" type="datetimeFigureOut">
               <a:rPr lang="en-US" smtClean="0"/>
-              <a:t>12/12/2019</a:t>
+              <a:t>12/13/2019</a:t>
             </a:fld>
             <a:endParaRPr lang="en-US"/>
           </a:p>
@@ -2909,7 +2909,7 @@
           <a:p>
             <a:fld id="{79F0436B-DEA0-4EC0-AC16-6B83C9962F3E}" type="datetimeFigureOut">
               <a:rPr lang="en-US" smtClean="0"/>
-              <a:t>12/12/2019</a:t>
+              <a:t>12/13/2019</a:t>
             </a:fld>
             <a:endParaRPr lang="en-US"/>
           </a:p>

--- a/summary-slide.pptx
+++ b/summary-slide.pptx
@@ -4,6 +4,9 @@
   <p:sldMasterIdLst>
     <p:sldMasterId id="2147483648" r:id="rId1"/>
   </p:sldMasterIdLst>
+  <p:notesMasterIdLst>
+    <p:notesMasterId r:id="rId3"/>
+  </p:notesMasterIdLst>
   <p:sldIdLst>
     <p:sldId id="256" r:id="rId2"/>
   </p:sldIdLst>
@@ -112,6 +115,439 @@
 </p:presentation>
 </file>
 
+<file path=ppt/notesMasters/notesMaster1.xml><?xml version="1.0" encoding="utf-8"?>
+<p:notesMaster xmlns:a="http://schemas.openxmlformats.org/drawingml/2006/main" xmlns:r="http://schemas.openxmlformats.org/officeDocument/2006/relationships" xmlns:p="http://schemas.openxmlformats.org/presentationml/2006/main">
+  <p:cSld>
+    <p:bg>
+      <p:bgRef idx="1001">
+        <a:schemeClr val="bg1"/>
+      </p:bgRef>
+    </p:bg>
+    <p:spTree>
+      <p:nvGrpSpPr>
+        <p:cNvPr id="1" name=""/>
+        <p:cNvGrpSpPr/>
+        <p:nvPr/>
+      </p:nvGrpSpPr>
+      <p:grpSpPr>
+        <a:xfrm>
+          <a:off x="0" y="0"/>
+          <a:ext cx="0" cy="0"/>
+          <a:chOff x="0" y="0"/>
+          <a:chExt cx="0" cy="0"/>
+        </a:xfrm>
+      </p:grpSpPr>
+      <p:sp>
+        <p:nvSpPr>
+          <p:cNvPr id="2" name="Header Placeholder 1"/>
+          <p:cNvSpPr>
+            <a:spLocks noGrp="1"/>
+          </p:cNvSpPr>
+          <p:nvPr>
+            <p:ph type="hdr" sz="quarter"/>
+          </p:nvPr>
+        </p:nvSpPr>
+        <p:spPr>
+          <a:xfrm>
+            <a:off x="0" y="0"/>
+            <a:ext cx="2971800" cy="458788"/>
+          </a:xfrm>
+          <a:prstGeom prst="rect">
+            <a:avLst/>
+          </a:prstGeom>
+        </p:spPr>
+        <p:txBody>
+          <a:bodyPr vert="horz" lIns="91440" tIns="45720" rIns="91440" bIns="45720" rtlCol="0"/>
+          <a:lstStyle>
+            <a:lvl1pPr algn="l">
+              <a:defRPr sz="1200"/>
+            </a:lvl1pPr>
+          </a:lstStyle>
+          <a:p>
+            <a:endParaRPr lang="en-US"/>
+          </a:p>
+        </p:txBody>
+      </p:sp>
+      <p:sp>
+        <p:nvSpPr>
+          <p:cNvPr id="3" name="Date Placeholder 2"/>
+          <p:cNvSpPr>
+            <a:spLocks noGrp="1"/>
+          </p:cNvSpPr>
+          <p:nvPr>
+            <p:ph type="dt" idx="1"/>
+          </p:nvPr>
+        </p:nvSpPr>
+        <p:spPr>
+          <a:xfrm>
+            <a:off x="3884613" y="0"/>
+            <a:ext cx="2971800" cy="458788"/>
+          </a:xfrm>
+          <a:prstGeom prst="rect">
+            <a:avLst/>
+          </a:prstGeom>
+        </p:spPr>
+        <p:txBody>
+          <a:bodyPr vert="horz" lIns="91440" tIns="45720" rIns="91440" bIns="45720" rtlCol="0"/>
+          <a:lstStyle>
+            <a:lvl1pPr algn="r">
+              <a:defRPr sz="1200"/>
+            </a:lvl1pPr>
+          </a:lstStyle>
+          <a:p>
+            <a:fld id="{77018880-1F34-4F6C-B508-D9C84C622E44}" type="datetimeFigureOut">
+              <a:rPr lang="en-US" smtClean="0"/>
+              <a:t>12/15/2019</a:t>
+            </a:fld>
+            <a:endParaRPr lang="en-US"/>
+          </a:p>
+        </p:txBody>
+      </p:sp>
+      <p:sp>
+        <p:nvSpPr>
+          <p:cNvPr id="4" name="Slide Image Placeholder 3"/>
+          <p:cNvSpPr>
+            <a:spLocks noGrp="1" noRot="1" noChangeAspect="1"/>
+          </p:cNvSpPr>
+          <p:nvPr>
+            <p:ph type="sldImg" idx="2"/>
+          </p:nvPr>
+        </p:nvSpPr>
+        <p:spPr>
+          <a:xfrm>
+            <a:off x="685800" y="1143000"/>
+            <a:ext cx="5486400" cy="3086100"/>
+          </a:xfrm>
+          <a:prstGeom prst="rect">
+            <a:avLst/>
+          </a:prstGeom>
+          <a:noFill/>
+          <a:ln w="12700">
+            <a:solidFill>
+              <a:prstClr val="black"/>
+            </a:solidFill>
+          </a:ln>
+        </p:spPr>
+        <p:txBody>
+          <a:bodyPr vert="horz" lIns="91440" tIns="45720" rIns="91440" bIns="45720" rtlCol="0" anchor="ctr"/>
+          <a:lstStyle/>
+          <a:p>
+            <a:endParaRPr lang="en-US"/>
+          </a:p>
+        </p:txBody>
+      </p:sp>
+      <p:sp>
+        <p:nvSpPr>
+          <p:cNvPr id="5" name="Notes Placeholder 4"/>
+          <p:cNvSpPr>
+            <a:spLocks noGrp="1"/>
+          </p:cNvSpPr>
+          <p:nvPr>
+            <p:ph type="body" sz="quarter" idx="3"/>
+          </p:nvPr>
+        </p:nvSpPr>
+        <p:spPr>
+          <a:xfrm>
+            <a:off x="685800" y="4400550"/>
+            <a:ext cx="5486400" cy="3600450"/>
+          </a:xfrm>
+          <a:prstGeom prst="rect">
+            <a:avLst/>
+          </a:prstGeom>
+        </p:spPr>
+        <p:txBody>
+          <a:bodyPr vert="horz" lIns="91440" tIns="45720" rIns="91440" bIns="45720" rtlCol="0"/>
+          <a:lstStyle/>
+          <a:p>
+            <a:pPr lvl="0"/>
+            <a:r>
+              <a:rPr lang="en-US"/>
+              <a:t>Click to edit Master text styles</a:t>
+            </a:r>
+          </a:p>
+          <a:p>
+            <a:pPr lvl="1"/>
+            <a:r>
+              <a:rPr lang="en-US"/>
+              <a:t>Second level</a:t>
+            </a:r>
+          </a:p>
+          <a:p>
+            <a:pPr lvl="2"/>
+            <a:r>
+              <a:rPr lang="en-US"/>
+              <a:t>Third level</a:t>
+            </a:r>
+          </a:p>
+          <a:p>
+            <a:pPr lvl="3"/>
+            <a:r>
+              <a:rPr lang="en-US"/>
+              <a:t>Fourth level</a:t>
+            </a:r>
+          </a:p>
+          <a:p>
+            <a:pPr lvl="4"/>
+            <a:r>
+              <a:rPr lang="en-US"/>
+              <a:t>Fifth level</a:t>
+            </a:r>
+          </a:p>
+        </p:txBody>
+      </p:sp>
+      <p:sp>
+        <p:nvSpPr>
+          <p:cNvPr id="6" name="Footer Placeholder 5"/>
+          <p:cNvSpPr>
+            <a:spLocks noGrp="1"/>
+          </p:cNvSpPr>
+          <p:nvPr>
+            <p:ph type="ftr" sz="quarter" idx="4"/>
+          </p:nvPr>
+        </p:nvSpPr>
+        <p:spPr>
+          <a:xfrm>
+            <a:off x="0" y="8685213"/>
+            <a:ext cx="2971800" cy="458787"/>
+          </a:xfrm>
+          <a:prstGeom prst="rect">
+            <a:avLst/>
+          </a:prstGeom>
+        </p:spPr>
+        <p:txBody>
+          <a:bodyPr vert="horz" lIns="91440" tIns="45720" rIns="91440" bIns="45720" rtlCol="0" anchor="b"/>
+          <a:lstStyle>
+            <a:lvl1pPr algn="l">
+              <a:defRPr sz="1200"/>
+            </a:lvl1pPr>
+          </a:lstStyle>
+          <a:p>
+            <a:endParaRPr lang="en-US"/>
+          </a:p>
+        </p:txBody>
+      </p:sp>
+      <p:sp>
+        <p:nvSpPr>
+          <p:cNvPr id="7" name="Slide Number Placeholder 6"/>
+          <p:cNvSpPr>
+            <a:spLocks noGrp="1"/>
+          </p:cNvSpPr>
+          <p:nvPr>
+            <p:ph type="sldNum" sz="quarter" idx="5"/>
+          </p:nvPr>
+        </p:nvSpPr>
+        <p:spPr>
+          <a:xfrm>
+            <a:off x="3884613" y="8685213"/>
+            <a:ext cx="2971800" cy="458787"/>
+          </a:xfrm>
+          <a:prstGeom prst="rect">
+            <a:avLst/>
+          </a:prstGeom>
+        </p:spPr>
+        <p:txBody>
+          <a:bodyPr vert="horz" lIns="91440" tIns="45720" rIns="91440" bIns="45720" rtlCol="0" anchor="b"/>
+          <a:lstStyle>
+            <a:lvl1pPr algn="r">
+              <a:defRPr sz="1200"/>
+            </a:lvl1pPr>
+          </a:lstStyle>
+          <a:p>
+            <a:fld id="{140CD5B1-EAB6-4416-B482-29E8D470123F}" type="slidenum">
+              <a:rPr lang="en-US" smtClean="0"/>
+              <a:t>‹#›</a:t>
+            </a:fld>
+            <a:endParaRPr lang="en-US"/>
+          </a:p>
+        </p:txBody>
+      </p:sp>
+    </p:spTree>
+    <p:extLst>
+      <p:ext uri="{BB962C8B-B14F-4D97-AF65-F5344CB8AC3E}">
+        <p14:creationId xmlns:p14="http://schemas.microsoft.com/office/powerpoint/2010/main" val="3126005094"/>
+      </p:ext>
+    </p:extLst>
+  </p:cSld>
+  <p:clrMap bg1="lt1" tx1="dk1" bg2="lt2" tx2="dk2" accent1="accent1" accent2="accent2" accent3="accent3" accent4="accent4" accent5="accent5" accent6="accent6" hlink="hlink" folHlink="folHlink"/>
+  <p:notesStyle>
+    <a:lvl1pPr marL="0" algn="l" defTabSz="914400" rtl="0" eaLnBrk="1" latinLnBrk="0" hangingPunct="1">
+      <a:defRPr sz="1200" kern="1200">
+        <a:solidFill>
+          <a:schemeClr val="tx1"/>
+        </a:solidFill>
+        <a:latin typeface="+mn-lt"/>
+        <a:ea typeface="+mn-ea"/>
+        <a:cs typeface="+mn-cs"/>
+      </a:defRPr>
+    </a:lvl1pPr>
+    <a:lvl2pPr marL="457200" algn="l" defTabSz="914400" rtl="0" eaLnBrk="1" latinLnBrk="0" hangingPunct="1">
+      <a:defRPr sz="1200" kern="1200">
+        <a:solidFill>
+          <a:schemeClr val="tx1"/>
+        </a:solidFill>
+        <a:latin typeface="+mn-lt"/>
+        <a:ea typeface="+mn-ea"/>
+        <a:cs typeface="+mn-cs"/>
+      </a:defRPr>
+    </a:lvl2pPr>
+    <a:lvl3pPr marL="914400" algn="l" defTabSz="914400" rtl="0" eaLnBrk="1" latinLnBrk="0" hangingPunct="1">
+      <a:defRPr sz="1200" kern="1200">
+        <a:solidFill>
+          <a:schemeClr val="tx1"/>
+        </a:solidFill>
+        <a:latin typeface="+mn-lt"/>
+        <a:ea typeface="+mn-ea"/>
+        <a:cs typeface="+mn-cs"/>
+      </a:defRPr>
+    </a:lvl3pPr>
+    <a:lvl4pPr marL="1371600" algn="l" defTabSz="914400" rtl="0" eaLnBrk="1" latinLnBrk="0" hangingPunct="1">
+      <a:defRPr sz="1200" kern="1200">
+        <a:solidFill>
+          <a:schemeClr val="tx1"/>
+        </a:solidFill>
+        <a:latin typeface="+mn-lt"/>
+        <a:ea typeface="+mn-ea"/>
+        <a:cs typeface="+mn-cs"/>
+      </a:defRPr>
+    </a:lvl4pPr>
+    <a:lvl5pPr marL="1828800" algn="l" defTabSz="914400" rtl="0" eaLnBrk="1" latinLnBrk="0" hangingPunct="1">
+      <a:defRPr sz="1200" kern="1200">
+        <a:solidFill>
+          <a:schemeClr val="tx1"/>
+        </a:solidFill>
+        <a:latin typeface="+mn-lt"/>
+        <a:ea typeface="+mn-ea"/>
+        <a:cs typeface="+mn-cs"/>
+      </a:defRPr>
+    </a:lvl5pPr>
+    <a:lvl6pPr marL="2286000" algn="l" defTabSz="914400" rtl="0" eaLnBrk="1" latinLnBrk="0" hangingPunct="1">
+      <a:defRPr sz="1200" kern="1200">
+        <a:solidFill>
+          <a:schemeClr val="tx1"/>
+        </a:solidFill>
+        <a:latin typeface="+mn-lt"/>
+        <a:ea typeface="+mn-ea"/>
+        <a:cs typeface="+mn-cs"/>
+      </a:defRPr>
+    </a:lvl6pPr>
+    <a:lvl7pPr marL="2743200" algn="l" defTabSz="914400" rtl="0" eaLnBrk="1" latinLnBrk="0" hangingPunct="1">
+      <a:defRPr sz="1200" kern="1200">
+        <a:solidFill>
+          <a:schemeClr val="tx1"/>
+        </a:solidFill>
+        <a:latin typeface="+mn-lt"/>
+        <a:ea typeface="+mn-ea"/>
+        <a:cs typeface="+mn-cs"/>
+      </a:defRPr>
+    </a:lvl7pPr>
+    <a:lvl8pPr marL="3200400" algn="l" defTabSz="914400" rtl="0" eaLnBrk="1" latinLnBrk="0" hangingPunct="1">
+      <a:defRPr sz="1200" kern="1200">
+        <a:solidFill>
+          <a:schemeClr val="tx1"/>
+        </a:solidFill>
+        <a:latin typeface="+mn-lt"/>
+        <a:ea typeface="+mn-ea"/>
+        <a:cs typeface="+mn-cs"/>
+      </a:defRPr>
+    </a:lvl8pPr>
+    <a:lvl9pPr marL="3657600" algn="l" defTabSz="914400" rtl="0" eaLnBrk="1" latinLnBrk="0" hangingPunct="1">
+      <a:defRPr sz="1200" kern="1200">
+        <a:solidFill>
+          <a:schemeClr val="tx1"/>
+        </a:solidFill>
+        <a:latin typeface="+mn-lt"/>
+        <a:ea typeface="+mn-ea"/>
+        <a:cs typeface="+mn-cs"/>
+      </a:defRPr>
+    </a:lvl9pPr>
+  </p:notesStyle>
+</p:notesMaster>
+</file>
+
+<file path=ppt/notesSlides/notesSlide1.xml><?xml version="1.0" encoding="utf-8"?>
+<p:notes xmlns:a="http://schemas.openxmlformats.org/drawingml/2006/main" xmlns:r="http://schemas.openxmlformats.org/officeDocument/2006/relationships" xmlns:p="http://schemas.openxmlformats.org/presentationml/2006/main">
+  <p:cSld>
+    <p:spTree>
+      <p:nvGrpSpPr>
+        <p:cNvPr id="1" name=""/>
+        <p:cNvGrpSpPr/>
+        <p:nvPr/>
+      </p:nvGrpSpPr>
+      <p:grpSpPr>
+        <a:xfrm>
+          <a:off x="0" y="0"/>
+          <a:ext cx="0" cy="0"/>
+          <a:chOff x="0" y="0"/>
+          <a:chExt cx="0" cy="0"/>
+        </a:xfrm>
+      </p:grpSpPr>
+      <p:sp>
+        <p:nvSpPr>
+          <p:cNvPr id="2" name="Slide Image Placeholder 1"/>
+          <p:cNvSpPr>
+            <a:spLocks noGrp="1" noRot="1" noChangeAspect="1"/>
+          </p:cNvSpPr>
+          <p:nvPr>
+            <p:ph type="sldImg"/>
+          </p:nvPr>
+        </p:nvSpPr>
+        <p:spPr/>
+      </p:sp>
+      <p:sp>
+        <p:nvSpPr>
+          <p:cNvPr id="3" name="Notes Placeholder 2"/>
+          <p:cNvSpPr>
+            <a:spLocks noGrp="1"/>
+          </p:cNvSpPr>
+          <p:nvPr>
+            <p:ph type="body" idx="1"/>
+          </p:nvPr>
+        </p:nvSpPr>
+        <p:spPr/>
+        <p:txBody>
+          <a:bodyPr/>
+          <a:lstStyle/>
+          <a:p>
+            <a:endParaRPr lang="en-US" dirty="0"/>
+          </a:p>
+        </p:txBody>
+      </p:sp>
+      <p:sp>
+        <p:nvSpPr>
+          <p:cNvPr id="4" name="Slide Number Placeholder 3"/>
+          <p:cNvSpPr>
+            <a:spLocks noGrp="1"/>
+          </p:cNvSpPr>
+          <p:nvPr>
+            <p:ph type="sldNum" sz="quarter" idx="5"/>
+          </p:nvPr>
+        </p:nvSpPr>
+        <p:spPr/>
+        <p:txBody>
+          <a:bodyPr/>
+          <a:lstStyle/>
+          <a:p>
+            <a:fld id="{140CD5B1-EAB6-4416-B482-29E8D470123F}" type="slidenum">
+              <a:rPr lang="en-US" smtClean="0"/>
+              <a:t>1</a:t>
+            </a:fld>
+            <a:endParaRPr lang="en-US"/>
+          </a:p>
+        </p:txBody>
+      </p:sp>
+    </p:spTree>
+    <p:extLst>
+      <p:ext uri="{BB962C8B-B14F-4D97-AF65-F5344CB8AC3E}">
+        <p14:creationId xmlns:p14="http://schemas.microsoft.com/office/powerpoint/2010/main" val="3738090960"/>
+      </p:ext>
+    </p:extLst>
+  </p:cSld>
+  <p:clrMapOvr>
+    <a:masterClrMapping/>
+  </p:clrMapOvr>
+</p:notes>
+</file>
+
 <file path=ppt/slideLayouts/slideLayout1.xml><?xml version="1.0" encoding="utf-8"?>
 <p:sldLayout xmlns:a="http://schemas.openxmlformats.org/drawingml/2006/main" xmlns:r="http://schemas.openxmlformats.org/officeDocument/2006/relationships" xmlns:p="http://schemas.openxmlformats.org/presentationml/2006/main" type="title" preserve="1">
   <p:cSld name="Title Slide">
@@ -259,7 +695,7 @@
           <a:p>
             <a:fld id="{79F0436B-DEA0-4EC0-AC16-6B83C9962F3E}" type="datetimeFigureOut">
               <a:rPr lang="en-US" smtClean="0"/>
-              <a:t>12/13/2019</a:t>
+              <a:t>12/15/2019</a:t>
             </a:fld>
             <a:endParaRPr lang="en-US"/>
           </a:p>
@@ -457,7 +893,7 @@
           <a:p>
             <a:fld id="{79F0436B-DEA0-4EC0-AC16-6B83C9962F3E}" type="datetimeFigureOut">
               <a:rPr lang="en-US" smtClean="0"/>
-              <a:t>12/13/2019</a:t>
+              <a:t>12/15/2019</a:t>
             </a:fld>
             <a:endParaRPr lang="en-US"/>
           </a:p>
@@ -665,7 +1101,7 @@
           <a:p>
             <a:fld id="{79F0436B-DEA0-4EC0-AC16-6B83C9962F3E}" type="datetimeFigureOut">
               <a:rPr lang="en-US" smtClean="0"/>
-              <a:t>12/13/2019</a:t>
+              <a:t>12/15/2019</a:t>
             </a:fld>
             <a:endParaRPr lang="en-US"/>
           </a:p>
@@ -863,7 +1299,7 @@
           <a:p>
             <a:fld id="{79F0436B-DEA0-4EC0-AC16-6B83C9962F3E}" type="datetimeFigureOut">
               <a:rPr lang="en-US" smtClean="0"/>
-              <a:t>12/13/2019</a:t>
+              <a:t>12/15/2019</a:t>
             </a:fld>
             <a:endParaRPr lang="en-US"/>
           </a:p>
@@ -1138,7 +1574,7 @@
           <a:p>
             <a:fld id="{79F0436B-DEA0-4EC0-AC16-6B83C9962F3E}" type="datetimeFigureOut">
               <a:rPr lang="en-US" smtClean="0"/>
-              <a:t>12/13/2019</a:t>
+              <a:t>12/15/2019</a:t>
             </a:fld>
             <a:endParaRPr lang="en-US"/>
           </a:p>
@@ -1403,7 +1839,7 @@
           <a:p>
             <a:fld id="{79F0436B-DEA0-4EC0-AC16-6B83C9962F3E}" type="datetimeFigureOut">
               <a:rPr lang="en-US" smtClean="0"/>
-              <a:t>12/13/2019</a:t>
+              <a:t>12/15/2019</a:t>
             </a:fld>
             <a:endParaRPr lang="en-US"/>
           </a:p>
@@ -1815,7 +2251,7 @@
           <a:p>
             <a:fld id="{79F0436B-DEA0-4EC0-AC16-6B83C9962F3E}" type="datetimeFigureOut">
               <a:rPr lang="en-US" smtClean="0"/>
-              <a:t>12/13/2019</a:t>
+              <a:t>12/15/2019</a:t>
             </a:fld>
             <a:endParaRPr lang="en-US"/>
           </a:p>
@@ -1956,7 +2392,7 @@
           <a:p>
             <a:fld id="{79F0436B-DEA0-4EC0-AC16-6B83C9962F3E}" type="datetimeFigureOut">
               <a:rPr lang="en-US" smtClean="0"/>
-              <a:t>12/13/2019</a:t>
+              <a:t>12/15/2019</a:t>
             </a:fld>
             <a:endParaRPr lang="en-US"/>
           </a:p>
@@ -2069,7 +2505,7 @@
           <a:p>
             <a:fld id="{79F0436B-DEA0-4EC0-AC16-6B83C9962F3E}" type="datetimeFigureOut">
               <a:rPr lang="en-US" smtClean="0"/>
-              <a:t>12/13/2019</a:t>
+              <a:t>12/15/2019</a:t>
             </a:fld>
             <a:endParaRPr lang="en-US"/>
           </a:p>
@@ -2380,7 +2816,7 @@
           <a:p>
             <a:fld id="{79F0436B-DEA0-4EC0-AC16-6B83C9962F3E}" type="datetimeFigureOut">
               <a:rPr lang="en-US" smtClean="0"/>
-              <a:t>12/13/2019</a:t>
+              <a:t>12/15/2019</a:t>
             </a:fld>
             <a:endParaRPr lang="en-US"/>
           </a:p>
@@ -2668,7 +3104,7 @@
           <a:p>
             <a:fld id="{79F0436B-DEA0-4EC0-AC16-6B83C9962F3E}" type="datetimeFigureOut">
               <a:rPr lang="en-US" smtClean="0"/>
-              <a:t>12/13/2019</a:t>
+              <a:t>12/15/2019</a:t>
             </a:fld>
             <a:endParaRPr lang="en-US"/>
           </a:p>
@@ -2909,7 +3345,7 @@
           <a:p>
             <a:fld id="{79F0436B-DEA0-4EC0-AC16-6B83C9962F3E}" type="datetimeFigureOut">
               <a:rPr lang="en-US" smtClean="0"/>
-              <a:t>12/13/2019</a:t>
+              <a:t>12/15/2019</a:t>
             </a:fld>
             <a:endParaRPr lang="en-US"/>
           </a:p>
@@ -3340,8 +3776,8 @@
         </p:nvSpPr>
         <p:spPr>
           <a:xfrm>
-            <a:off x="184955" y="196871"/>
-            <a:ext cx="6894094" cy="707886"/>
+            <a:off x="4132950" y="257026"/>
+            <a:ext cx="5377667" cy="661720"/>
           </a:xfrm>
           <a:prstGeom prst="rect">
             <a:avLst/>
@@ -3354,8 +3790,9 @@
           </a:bodyPr>
           <a:lstStyle/>
           <a:p>
-            <a:r>
-              <a:rPr lang="en-US" sz="4000" b="1" dirty="0">
+            <a:pPr algn="ctr"/>
+            <a:r>
+              <a:rPr lang="en-US" sz="3600" b="1" dirty="0">
                 <a:latin typeface="Roboto" pitchFamily="2" charset="0"/>
                 <a:ea typeface="Roboto" pitchFamily="2" charset="0"/>
               </a:rPr>
@@ -3366,10 +3803,10 @@
       </p:sp>
       <p:sp>
         <p:nvSpPr>
-          <p:cNvPr id="3" name="TextBox 2">
-            <a:extLst>
-              <a:ext uri="{FF2B5EF4-FFF2-40B4-BE49-F238E27FC236}">
-                <a16:creationId xmlns:a16="http://schemas.microsoft.com/office/drawing/2014/main" id="{DC7826B1-2E9F-45D1-A8BB-762BB970D5CB}"/>
+          <p:cNvPr id="6" name="TextBox 5">
+            <a:extLst>
+              <a:ext uri="{FF2B5EF4-FFF2-40B4-BE49-F238E27FC236}">
+                <a16:creationId xmlns:a16="http://schemas.microsoft.com/office/drawing/2014/main" id="{764FCEDE-1479-4785-8FFB-C27145335B90}"/>
               </a:ext>
             </a:extLst>
           </p:cNvPr>
@@ -3378,8 +3815,8 @@
         </p:nvSpPr>
         <p:spPr>
           <a:xfrm>
-            <a:off x="-4972398" y="1913555"/>
-            <a:ext cx="3224463" cy="2031325"/>
+            <a:off x="4971775" y="1528421"/>
+            <a:ext cx="3666332" cy="369332"/>
           </a:xfrm>
           <a:prstGeom prst="rect">
             <a:avLst/>
@@ -3392,19 +3829,23 @@
           </a:bodyPr>
           <a:lstStyle/>
           <a:p>
-            <a:r>
-              <a:rPr lang="en-US" dirty="0"/>
-              <a:t>A single summary slide of your project that can be used next semester as an example for other students. We might also use this for presentations with employers to talk about what our students do.</a:t>
-            </a:r>
-          </a:p>
-        </p:txBody>
-      </p:sp>
-      <p:sp>
-        <p:nvSpPr>
-          <p:cNvPr id="6" name="TextBox 5">
-            <a:extLst>
-              <a:ext uri="{FF2B5EF4-FFF2-40B4-BE49-F238E27FC236}">
-                <a16:creationId xmlns:a16="http://schemas.microsoft.com/office/drawing/2014/main" id="{764FCEDE-1479-4785-8FFB-C27145335B90}"/>
+            <a:pPr algn="ctr"/>
+            <a:r>
+              <a:rPr lang="en-US" dirty="0">
+                <a:latin typeface="Segoe UI Light" panose="020B0502040204020203" pitchFamily="34" charset="0"/>
+                <a:cs typeface="Segoe UI Light" panose="020B0502040204020203" pitchFamily="34" charset="0"/>
+              </a:rPr>
+              <a:t>IS590 Open Data Mashups, Fall 2019</a:t>
+            </a:r>
+          </a:p>
+        </p:txBody>
+      </p:sp>
+      <p:sp>
+        <p:nvSpPr>
+          <p:cNvPr id="8" name="TextBox 7">
+            <a:extLst>
+              <a:ext uri="{FF2B5EF4-FFF2-40B4-BE49-F238E27FC236}">
+                <a16:creationId xmlns:a16="http://schemas.microsoft.com/office/drawing/2014/main" id="{9F16AC41-D001-4D21-B2CA-9BB71A005AB7}"/>
               </a:ext>
             </a:extLst>
           </p:cNvPr>
@@ -3413,8 +3854,8 @@
         </p:nvSpPr>
         <p:spPr>
           <a:xfrm>
-            <a:off x="5250853" y="365745"/>
-            <a:ext cx="3666332" cy="369332"/>
+            <a:off x="9997643" y="306184"/>
+            <a:ext cx="1660495" cy="446276"/>
           </a:xfrm>
           <a:prstGeom prst="rect">
             <a:avLst/>
@@ -3427,19 +3868,23 @@
           </a:bodyPr>
           <a:lstStyle/>
           <a:p>
-            <a:r>
-              <a:rPr lang="en-US" dirty="0"/>
-              <a:t>IS590 Open Data Mashups, Fall 2019</a:t>
-            </a:r>
-          </a:p>
-        </p:txBody>
-      </p:sp>
-      <p:sp>
-        <p:nvSpPr>
-          <p:cNvPr id="8" name="TextBox 7">
-            <a:extLst>
-              <a:ext uri="{FF2B5EF4-FFF2-40B4-BE49-F238E27FC236}">
-                <a16:creationId xmlns:a16="http://schemas.microsoft.com/office/drawing/2014/main" id="{9F16AC41-D001-4D21-B2CA-9BB71A005AB7}"/>
+            <a:pPr algn="ctr"/>
+            <a:r>
+              <a:rPr lang="en-US" sz="2300" b="1" dirty="0">
+                <a:latin typeface="Roboto" pitchFamily="2" charset="0"/>
+                <a:ea typeface="Roboto" pitchFamily="2" charset="0"/>
+              </a:rPr>
+              <a:t>TIMELINE</a:t>
+            </a:r>
+          </a:p>
+        </p:txBody>
+      </p:sp>
+      <p:sp>
+        <p:nvSpPr>
+          <p:cNvPr id="9" name="TextBox 8">
+            <a:extLst>
+              <a:ext uri="{FF2B5EF4-FFF2-40B4-BE49-F238E27FC236}">
+                <a16:creationId xmlns:a16="http://schemas.microsoft.com/office/drawing/2014/main" id="{AA0639A8-1C23-4757-89A9-0E64F9F59FE2}"/>
               </a:ext>
             </a:extLst>
           </p:cNvPr>
@@ -3448,8 +3893,8 @@
         </p:nvSpPr>
         <p:spPr>
           <a:xfrm>
-            <a:off x="9247607" y="438164"/>
-            <a:ext cx="2675326" cy="477054"/>
+            <a:off x="1090258" y="308251"/>
+            <a:ext cx="2134621" cy="446276"/>
           </a:xfrm>
           <a:prstGeom prst="rect">
             <a:avLst/>
@@ -3464,21 +3909,21 @@
           <a:p>
             <a:pPr algn="ctr"/>
             <a:r>
-              <a:rPr lang="en-US" sz="2500" b="1" dirty="0">
+              <a:rPr lang="en-US" sz="2300" b="1" dirty="0">
                 <a:latin typeface="Roboto" pitchFamily="2" charset="0"/>
                 <a:ea typeface="Roboto" pitchFamily="2" charset="0"/>
               </a:rPr>
-              <a:t>TIMELINE</a:t>
-            </a:r>
-          </a:p>
-        </p:txBody>
-      </p:sp>
-      <p:sp>
-        <p:nvSpPr>
-          <p:cNvPr id="4" name="Rectangle 3">
-            <a:extLst>
-              <a:ext uri="{FF2B5EF4-FFF2-40B4-BE49-F238E27FC236}">
-                <a16:creationId xmlns:a16="http://schemas.microsoft.com/office/drawing/2014/main" id="{129358CA-03F8-4F82-8EE5-17F054D0FAEB}"/>
+              <a:t>OBJECTIVES</a:t>
+            </a:r>
+          </a:p>
+        </p:txBody>
+      </p:sp>
+      <p:sp>
+        <p:nvSpPr>
+          <p:cNvPr id="22" name="Rectangle 21">
+            <a:extLst>
+              <a:ext uri="{FF2B5EF4-FFF2-40B4-BE49-F238E27FC236}">
+                <a16:creationId xmlns:a16="http://schemas.microsoft.com/office/drawing/2014/main" id="{20B6E7E1-D11E-4A33-A3A3-B743C99606DD}"/>
               </a:ext>
             </a:extLst>
           </p:cNvPr>
@@ -3487,8 +3932,8 @@
         </p:nvSpPr>
         <p:spPr>
           <a:xfrm>
-            <a:off x="1000366" y="1291512"/>
-            <a:ext cx="2584688" cy="553997"/>
+            <a:off x="166559" y="151293"/>
+            <a:ext cx="3974981" cy="1928656"/>
           </a:xfrm>
           <a:prstGeom prst="rect">
             <a:avLst/>
@@ -3497,8 +3942,7 @@
           <a:ln w="28575">
             <a:solidFill>
               <a:schemeClr val="accent1">
-                <a:lumMod val="60000"/>
-                <a:lumOff val="40000"/>
+                <a:lumMod val="75000"/>
               </a:schemeClr>
             </a:solidFill>
           </a:ln>
@@ -3524,55 +3968,16 @@
           <a:lstStyle/>
           <a:p>
             <a:pPr algn="ctr"/>
-            <a:endParaRPr lang="en-US"/>
-          </a:p>
-        </p:txBody>
-      </p:sp>
-      <p:sp>
-        <p:nvSpPr>
-          <p:cNvPr id="9" name="TextBox 8">
-            <a:extLst>
-              <a:ext uri="{FF2B5EF4-FFF2-40B4-BE49-F238E27FC236}">
-                <a16:creationId xmlns:a16="http://schemas.microsoft.com/office/drawing/2014/main" id="{AA0639A8-1C23-4757-89A9-0E64F9F59FE2}"/>
-              </a:ext>
-            </a:extLst>
-          </p:cNvPr>
-          <p:cNvSpPr txBox="1"/>
-          <p:nvPr/>
-        </p:nvSpPr>
-        <p:spPr>
-          <a:xfrm>
-            <a:off x="1065006" y="1335542"/>
-            <a:ext cx="2455407" cy="477054"/>
-          </a:xfrm>
-          <a:prstGeom prst="rect">
-            <a:avLst/>
-          </a:prstGeom>
-          <a:noFill/>
-        </p:spPr>
-        <p:txBody>
-          <a:bodyPr wrap="square" rtlCol="0">
-            <a:spAutoFit/>
-          </a:bodyPr>
-          <a:lstStyle/>
-          <a:p>
-            <a:pPr algn="ctr"/>
-            <a:r>
-              <a:rPr lang="en-US" sz="2500" b="1" dirty="0">
-                <a:latin typeface="Roboto" pitchFamily="2" charset="0"/>
-                <a:ea typeface="Roboto" pitchFamily="2" charset="0"/>
-              </a:rPr>
-              <a:t>OBJECTIVES</a:t>
-            </a:r>
-          </a:p>
-        </p:txBody>
-      </p:sp>
-      <p:sp>
-        <p:nvSpPr>
-          <p:cNvPr id="22" name="Rectangle 21">
-            <a:extLst>
-              <a:ext uri="{FF2B5EF4-FFF2-40B4-BE49-F238E27FC236}">
-                <a16:creationId xmlns:a16="http://schemas.microsoft.com/office/drawing/2014/main" id="{20B6E7E1-D11E-4A33-A3A3-B743C99606DD}"/>
+            <a:endParaRPr lang="en-US" dirty="0"/>
+          </a:p>
+        </p:txBody>
+      </p:sp>
+      <p:sp>
+        <p:nvSpPr>
+          <p:cNvPr id="59" name="Rectangle 58">
+            <a:extLst>
+              <a:ext uri="{FF2B5EF4-FFF2-40B4-BE49-F238E27FC236}">
+                <a16:creationId xmlns:a16="http://schemas.microsoft.com/office/drawing/2014/main" id="{AC758952-FBC6-4341-A25F-78AF972296E8}"/>
               </a:ext>
             </a:extLst>
           </p:cNvPr>
@@ -3581,8 +3986,8 @@
         </p:nvSpPr>
         <p:spPr>
           <a:xfrm>
-            <a:off x="184955" y="1151476"/>
-            <a:ext cx="4275744" cy="2671735"/>
+            <a:off x="9510618" y="151292"/>
+            <a:ext cx="2538626" cy="6555416"/>
           </a:xfrm>
           <a:prstGeom prst="rect">
             <a:avLst/>
@@ -3623,10 +4028,10 @@
       </p:sp>
       <p:sp>
         <p:nvSpPr>
-          <p:cNvPr id="59" name="Rectangle 58">
-            <a:extLst>
-              <a:ext uri="{FF2B5EF4-FFF2-40B4-BE49-F238E27FC236}">
-                <a16:creationId xmlns:a16="http://schemas.microsoft.com/office/drawing/2014/main" id="{AC758952-FBC6-4341-A25F-78AF972296E8}"/>
+          <p:cNvPr id="61" name="Rectangle 60">
+            <a:extLst>
+              <a:ext uri="{FF2B5EF4-FFF2-40B4-BE49-F238E27FC236}">
+                <a16:creationId xmlns:a16="http://schemas.microsoft.com/office/drawing/2014/main" id="{2BFB38AF-109D-49DA-A40A-DB892F263D76}"/>
               </a:ext>
             </a:extLst>
           </p:cNvPr>
@@ -3635,8 +4040,8 @@
         </p:nvSpPr>
         <p:spPr>
           <a:xfrm>
-            <a:off x="9062596" y="209320"/>
-            <a:ext cx="2975075" cy="6470998"/>
+            <a:off x="9827600" y="267713"/>
+            <a:ext cx="2000583" cy="515525"/>
           </a:xfrm>
           <a:prstGeom prst="rect">
             <a:avLst/>
@@ -3645,7 +4050,8 @@
           <a:ln w="28575">
             <a:solidFill>
               <a:schemeClr val="accent1">
-                <a:lumMod val="75000"/>
+                <a:lumMod val="60000"/>
+                <a:lumOff val="40000"/>
               </a:schemeClr>
             </a:solidFill>
           </a:ln>
@@ -3671,16 +4077,174 @@
           <a:lstStyle/>
           <a:p>
             <a:pPr algn="ctr"/>
-            <a:endParaRPr lang="en-US" dirty="0"/>
-          </a:p>
-        </p:txBody>
-      </p:sp>
-      <p:sp>
-        <p:nvSpPr>
-          <p:cNvPr id="61" name="Rectangle 60">
-            <a:extLst>
-              <a:ext uri="{FF2B5EF4-FFF2-40B4-BE49-F238E27FC236}">
-                <a16:creationId xmlns:a16="http://schemas.microsoft.com/office/drawing/2014/main" id="{2BFB38AF-109D-49DA-A40A-DB892F263D76}"/>
+            <a:endParaRPr lang="en-US"/>
+          </a:p>
+        </p:txBody>
+      </p:sp>
+      <p:cxnSp>
+        <p:nvCxnSpPr>
+          <p:cNvPr id="62" name="Straight Connector 61">
+            <a:extLst>
+              <a:ext uri="{FF2B5EF4-FFF2-40B4-BE49-F238E27FC236}">
+                <a16:creationId xmlns:a16="http://schemas.microsoft.com/office/drawing/2014/main" id="{1B486E1F-E12D-4D05-9042-856BE12BBE1E}"/>
+              </a:ext>
+            </a:extLst>
+          </p:cNvPr>
+          <p:cNvCxnSpPr>
+            <a:cxnSpLocks/>
+          </p:cNvCxnSpPr>
+          <p:nvPr/>
+        </p:nvCxnSpPr>
+        <p:spPr>
+          <a:xfrm>
+            <a:off x="9729827" y="1011813"/>
+            <a:ext cx="0" cy="824177"/>
+          </a:xfrm>
+          <a:prstGeom prst="line">
+            <a:avLst/>
+          </a:prstGeom>
+          <a:ln w="57150">
+            <a:solidFill>
+              <a:srgbClr val="E68900"/>
+            </a:solidFill>
+          </a:ln>
+        </p:spPr>
+        <p:style>
+          <a:lnRef idx="1">
+            <a:schemeClr val="accent1"/>
+          </a:lnRef>
+          <a:fillRef idx="0">
+            <a:schemeClr val="accent1"/>
+          </a:fillRef>
+          <a:effectRef idx="0">
+            <a:schemeClr val="accent1"/>
+          </a:effectRef>
+          <a:fontRef idx="minor">
+            <a:schemeClr val="tx1"/>
+          </a:fontRef>
+        </p:style>
+      </p:cxnSp>
+      <p:sp>
+        <p:nvSpPr>
+          <p:cNvPr id="79" name="TextBox 78">
+            <a:extLst>
+              <a:ext uri="{FF2B5EF4-FFF2-40B4-BE49-F238E27FC236}">
+                <a16:creationId xmlns:a16="http://schemas.microsoft.com/office/drawing/2014/main" id="{DADABA61-C6FE-4BFD-9C77-AFD357208156}"/>
+              </a:ext>
+            </a:extLst>
+          </p:cNvPr>
+          <p:cNvSpPr txBox="1"/>
+          <p:nvPr/>
+        </p:nvSpPr>
+        <p:spPr>
+          <a:xfrm>
+            <a:off x="9827600" y="966247"/>
+            <a:ext cx="1663901" cy="369332"/>
+          </a:xfrm>
+          <a:prstGeom prst="rect">
+            <a:avLst/>
+          </a:prstGeom>
+          <a:noFill/>
+        </p:spPr>
+        <p:txBody>
+          <a:bodyPr wrap="square" rtlCol="0">
+            <a:spAutoFit/>
+          </a:bodyPr>
+          <a:lstStyle/>
+          <a:p>
+            <a:r>
+              <a:rPr lang="en-US" b="1" dirty="0">
+                <a:latin typeface="Roboto" pitchFamily="2" charset="0"/>
+                <a:ea typeface="Roboto" pitchFamily="2" charset="0"/>
+              </a:rPr>
+              <a:t>August</a:t>
+            </a:r>
+          </a:p>
+        </p:txBody>
+      </p:sp>
+      <p:sp>
+        <p:nvSpPr>
+          <p:cNvPr id="81" name="TextBox 80">
+            <a:extLst>
+              <a:ext uri="{FF2B5EF4-FFF2-40B4-BE49-F238E27FC236}">
+                <a16:creationId xmlns:a16="http://schemas.microsoft.com/office/drawing/2014/main" id="{B3B115E4-7D50-4A68-A6D8-771E41EEB214}"/>
+              </a:ext>
+            </a:extLst>
+          </p:cNvPr>
+          <p:cNvSpPr txBox="1"/>
+          <p:nvPr/>
+        </p:nvSpPr>
+        <p:spPr>
+          <a:xfrm>
+            <a:off x="9827600" y="1298983"/>
+            <a:ext cx="2303123" cy="584775"/>
+          </a:xfrm>
+          <a:prstGeom prst="rect">
+            <a:avLst/>
+          </a:prstGeom>
+          <a:noFill/>
+        </p:spPr>
+        <p:txBody>
+          <a:bodyPr wrap="square" rtlCol="0">
+            <a:spAutoFit/>
+          </a:bodyPr>
+          <a:lstStyle/>
+          <a:p>
+            <a:r>
+              <a:rPr lang="en-US" sz="1600" dirty="0">
+                <a:latin typeface="Segoe UI Light" panose="020B0502040204020203" pitchFamily="34" charset="0"/>
+                <a:cs typeface="Segoe UI Light" panose="020B0502040204020203" pitchFamily="34" charset="0"/>
+              </a:rPr>
+              <a:t>Project development and dataset exploration</a:t>
+            </a:r>
+          </a:p>
+        </p:txBody>
+      </p:sp>
+      <p:sp>
+        <p:nvSpPr>
+          <p:cNvPr id="102" name="TextBox 101">
+            <a:extLst>
+              <a:ext uri="{FF2B5EF4-FFF2-40B4-BE49-F238E27FC236}">
+                <a16:creationId xmlns:a16="http://schemas.microsoft.com/office/drawing/2014/main" id="{62A1919C-5ACC-4A3D-90D5-E62C69E4B346}"/>
+              </a:ext>
+            </a:extLst>
+          </p:cNvPr>
+          <p:cNvSpPr txBox="1"/>
+          <p:nvPr/>
+        </p:nvSpPr>
+        <p:spPr>
+          <a:xfrm>
+            <a:off x="1169933" y="2349070"/>
+            <a:ext cx="2000583" cy="446276"/>
+          </a:xfrm>
+          <a:prstGeom prst="rect">
+            <a:avLst/>
+          </a:prstGeom>
+          <a:noFill/>
+        </p:spPr>
+        <p:txBody>
+          <a:bodyPr wrap="square" rtlCol="0">
+            <a:spAutoFit/>
+          </a:bodyPr>
+          <a:lstStyle/>
+          <a:p>
+            <a:pPr algn="ctr"/>
+            <a:r>
+              <a:rPr lang="en-US" sz="2300" b="1" dirty="0">
+                <a:latin typeface="Roboto" pitchFamily="2" charset="0"/>
+                <a:ea typeface="Roboto" pitchFamily="2" charset="0"/>
+              </a:rPr>
+              <a:t>DATASETS</a:t>
+            </a:r>
+          </a:p>
+        </p:txBody>
+      </p:sp>
+      <p:sp>
+        <p:nvSpPr>
+          <p:cNvPr id="103" name="Rectangle 102">
+            <a:extLst>
+              <a:ext uri="{FF2B5EF4-FFF2-40B4-BE49-F238E27FC236}">
+                <a16:creationId xmlns:a16="http://schemas.microsoft.com/office/drawing/2014/main" id="{07846CCD-7144-485F-973A-2557B4D9B492}"/>
               </a:ext>
             </a:extLst>
           </p:cNvPr>
@@ -3689,8 +4253,8 @@
         </p:nvSpPr>
         <p:spPr>
           <a:xfrm>
-            <a:off x="9584979" y="378873"/>
-            <a:ext cx="2000583" cy="553997"/>
+            <a:off x="162635" y="2194566"/>
+            <a:ext cx="3974981" cy="2269912"/>
           </a:xfrm>
           <a:prstGeom prst="rect">
             <a:avLst/>
@@ -3699,8 +4263,7 @@
           <a:ln w="28575">
             <a:solidFill>
               <a:schemeClr val="accent1">
-                <a:lumMod val="60000"/>
-                <a:lumOff val="40000"/>
+                <a:lumMod val="75000"/>
               </a:schemeClr>
             </a:solidFill>
           </a:ln>
@@ -3726,16 +4289,16 @@
           <a:lstStyle/>
           <a:p>
             <a:pPr algn="ctr"/>
-            <a:endParaRPr lang="en-US"/>
+            <a:endParaRPr lang="en-US" dirty="0"/>
           </a:p>
         </p:txBody>
       </p:sp>
       <p:cxnSp>
         <p:nvCxnSpPr>
-          <p:cNvPr id="62" name="Straight Connector 61">
-            <a:extLst>
-              <a:ext uri="{FF2B5EF4-FFF2-40B4-BE49-F238E27FC236}">
-                <a16:creationId xmlns:a16="http://schemas.microsoft.com/office/drawing/2014/main" id="{1B486E1F-E12D-4D05-9042-856BE12BBE1E}"/>
+          <p:cNvPr id="121" name="Straight Connector 120">
+            <a:extLst>
+              <a:ext uri="{FF2B5EF4-FFF2-40B4-BE49-F238E27FC236}">
+                <a16:creationId xmlns:a16="http://schemas.microsoft.com/office/drawing/2014/main" id="{1C9D8D4F-AC52-4F6A-83A8-C5840D880C1D}"/>
               </a:ext>
             </a:extLst>
           </p:cNvPr>
@@ -3746,7 +4309,7 @@
         </p:nvCxnSpPr>
         <p:spPr>
           <a:xfrm>
-            <a:off x="9456508" y="1208004"/>
+            <a:off x="9729827" y="2179488"/>
             <a:ext cx="0" cy="824177"/>
           </a:xfrm>
           <a:prstGeom prst="line">
@@ -3775,10 +4338,10 @@
       </p:cxnSp>
       <p:sp>
         <p:nvSpPr>
-          <p:cNvPr id="65" name="TextBox 64">
-            <a:extLst>
-              <a:ext uri="{FF2B5EF4-FFF2-40B4-BE49-F238E27FC236}">
-                <a16:creationId xmlns:a16="http://schemas.microsoft.com/office/drawing/2014/main" id="{38F33915-71AE-4F21-9D98-B866E4F2B513}"/>
+          <p:cNvPr id="122" name="TextBox 121">
+            <a:extLst>
+              <a:ext uri="{FF2B5EF4-FFF2-40B4-BE49-F238E27FC236}">
+                <a16:creationId xmlns:a16="http://schemas.microsoft.com/office/drawing/2014/main" id="{149B1FCC-FD3E-4B58-8928-94E68225E7A0}"/>
               </a:ext>
             </a:extLst>
           </p:cNvPr>
@@ -3787,8 +4350,8 @@
         </p:nvSpPr>
         <p:spPr>
           <a:xfrm>
-            <a:off x="13371896" y="1791886"/>
-            <a:ext cx="3224463" cy="2031325"/>
+            <a:off x="9827600" y="2111386"/>
+            <a:ext cx="1663901" cy="369332"/>
           </a:xfrm>
           <a:prstGeom prst="rect">
             <a:avLst/>
@@ -3802,18 +4365,21 @@
           <a:lstStyle/>
           <a:p>
             <a:r>
-              <a:rPr lang="en-US" dirty="0"/>
-              <a:t>A single summary slide of your project that can be used next semester as an example for other students. We might also use this for presentations with employers to talk about what our students do.</a:t>
-            </a:r>
-          </a:p>
-        </p:txBody>
-      </p:sp>
-      <p:sp>
-        <p:nvSpPr>
-          <p:cNvPr id="79" name="TextBox 78">
-            <a:extLst>
-              <a:ext uri="{FF2B5EF4-FFF2-40B4-BE49-F238E27FC236}">
-                <a16:creationId xmlns:a16="http://schemas.microsoft.com/office/drawing/2014/main" id="{DADABA61-C6FE-4BFD-9C77-AFD357208156}"/>
+              <a:rPr lang="en-US" b="1" dirty="0">
+                <a:latin typeface="Roboto" pitchFamily="2" charset="0"/>
+                <a:ea typeface="Roboto" pitchFamily="2" charset="0"/>
+              </a:rPr>
+              <a:t>September</a:t>
+            </a:r>
+          </a:p>
+        </p:txBody>
+      </p:sp>
+      <p:sp>
+        <p:nvSpPr>
+          <p:cNvPr id="123" name="TextBox 122">
+            <a:extLst>
+              <a:ext uri="{FF2B5EF4-FFF2-40B4-BE49-F238E27FC236}">
+                <a16:creationId xmlns:a16="http://schemas.microsoft.com/office/drawing/2014/main" id="{01E4A3D8-9C8A-4D5E-A7DF-465261873CCD}"/>
               </a:ext>
             </a:extLst>
           </p:cNvPr>
@@ -3822,8 +4388,8 @@
         </p:nvSpPr>
         <p:spPr>
           <a:xfrm>
-            <a:off x="9674096" y="1162438"/>
-            <a:ext cx="1663901" cy="369332"/>
+            <a:off x="9827601" y="2444122"/>
+            <a:ext cx="2000580" cy="584775"/>
           </a:xfrm>
           <a:prstGeom prst="rect">
             <a:avLst/>
@@ -3837,21 +4403,102 @@
           <a:lstStyle/>
           <a:p>
             <a:r>
+              <a:rPr lang="en-US" sz="1600" dirty="0">
+                <a:latin typeface="Segoe UI Light" panose="020B0502040204020203" pitchFamily="34" charset="0"/>
+                <a:cs typeface="Segoe UI Light" panose="020B0502040204020203" pitchFamily="34" charset="0"/>
+              </a:rPr>
+              <a:t>Dataset selection and data extraction</a:t>
+            </a:r>
+          </a:p>
+        </p:txBody>
+      </p:sp>
+      <p:cxnSp>
+        <p:nvCxnSpPr>
+          <p:cNvPr id="124" name="Straight Connector 123">
+            <a:extLst>
+              <a:ext uri="{FF2B5EF4-FFF2-40B4-BE49-F238E27FC236}">
+                <a16:creationId xmlns:a16="http://schemas.microsoft.com/office/drawing/2014/main" id="{3BA15293-DB61-4D5E-946A-701CED6D3405}"/>
+              </a:ext>
+            </a:extLst>
+          </p:cNvPr>
+          <p:cNvCxnSpPr>
+            <a:cxnSpLocks/>
+          </p:cNvCxnSpPr>
+          <p:nvPr/>
+        </p:nvCxnSpPr>
+        <p:spPr>
+          <a:xfrm>
+            <a:off x="9729827" y="3336422"/>
+            <a:ext cx="0" cy="824177"/>
+          </a:xfrm>
+          <a:prstGeom prst="line">
+            <a:avLst/>
+          </a:prstGeom>
+          <a:ln w="57150">
+            <a:solidFill>
+              <a:srgbClr val="E68900"/>
+            </a:solidFill>
+          </a:ln>
+        </p:spPr>
+        <p:style>
+          <a:lnRef idx="1">
+            <a:schemeClr val="accent1"/>
+          </a:lnRef>
+          <a:fillRef idx="0">
+            <a:schemeClr val="accent1"/>
+          </a:fillRef>
+          <a:effectRef idx="0">
+            <a:schemeClr val="accent1"/>
+          </a:effectRef>
+          <a:fontRef idx="minor">
+            <a:schemeClr val="tx1"/>
+          </a:fontRef>
+        </p:style>
+      </p:cxnSp>
+      <p:sp>
+        <p:nvSpPr>
+          <p:cNvPr id="125" name="TextBox 124">
+            <a:extLst>
+              <a:ext uri="{FF2B5EF4-FFF2-40B4-BE49-F238E27FC236}">
+                <a16:creationId xmlns:a16="http://schemas.microsoft.com/office/drawing/2014/main" id="{9EBC804C-FE2B-4119-BE10-B4D6719F6806}"/>
+              </a:ext>
+            </a:extLst>
+          </p:cNvPr>
+          <p:cNvSpPr txBox="1"/>
+          <p:nvPr/>
+        </p:nvSpPr>
+        <p:spPr>
+          <a:xfrm>
+            <a:off x="9827600" y="3273818"/>
+            <a:ext cx="1663901" cy="369332"/>
+          </a:xfrm>
+          <a:prstGeom prst="rect">
+            <a:avLst/>
+          </a:prstGeom>
+          <a:noFill/>
+        </p:spPr>
+        <p:txBody>
+          <a:bodyPr wrap="square" rtlCol="0">
+            <a:spAutoFit/>
+          </a:bodyPr>
+          <a:lstStyle/>
+          <a:p>
+            <a:r>
               <a:rPr lang="en-US" b="1" dirty="0">
                 <a:latin typeface="Roboto" pitchFamily="2" charset="0"/>
                 <a:ea typeface="Roboto" pitchFamily="2" charset="0"/>
               </a:rPr>
-              <a:t>August</a:t>
-            </a:r>
-          </a:p>
-        </p:txBody>
-      </p:sp>
-      <p:sp>
-        <p:nvSpPr>
-          <p:cNvPr id="81" name="TextBox 80">
-            <a:extLst>
-              <a:ext uri="{FF2B5EF4-FFF2-40B4-BE49-F238E27FC236}">
-                <a16:creationId xmlns:a16="http://schemas.microsoft.com/office/drawing/2014/main" id="{B3B115E4-7D50-4A68-A6D8-771E41EEB214}"/>
+              <a:t>October</a:t>
+            </a:r>
+          </a:p>
+        </p:txBody>
+      </p:sp>
+      <p:sp>
+        <p:nvSpPr>
+          <p:cNvPr id="126" name="TextBox 125">
+            <a:extLst>
+              <a:ext uri="{FF2B5EF4-FFF2-40B4-BE49-F238E27FC236}">
+                <a16:creationId xmlns:a16="http://schemas.microsoft.com/office/drawing/2014/main" id="{C3B771DF-1405-427D-9F67-31EAF52C3198}"/>
               </a:ext>
             </a:extLst>
           </p:cNvPr>
@@ -3860,8 +4507,8 @@
         </p:nvSpPr>
         <p:spPr>
           <a:xfrm>
-            <a:off x="9674096" y="1495174"/>
-            <a:ext cx="2303123" cy="584775"/>
+            <a:off x="9827601" y="3606554"/>
+            <a:ext cx="2000580" cy="584775"/>
           </a:xfrm>
           <a:prstGeom prst="rect">
             <a:avLst/>
@@ -3879,17 +4526,372 @@
                 <a:latin typeface="Segoe UI Light" panose="020B0502040204020203" pitchFamily="34" charset="0"/>
                 <a:cs typeface="Segoe UI Light" panose="020B0502040204020203" pitchFamily="34" charset="0"/>
               </a:rPr>
-              <a:t>Project development and dataset exploration</a:t>
-            </a:r>
-          </a:p>
-        </p:txBody>
-      </p:sp>
-      <p:sp>
-        <p:nvSpPr>
-          <p:cNvPr id="101" name="Rectangle 100">
-            <a:extLst>
-              <a:ext uri="{FF2B5EF4-FFF2-40B4-BE49-F238E27FC236}">
-                <a16:creationId xmlns:a16="http://schemas.microsoft.com/office/drawing/2014/main" id="{7841F684-5403-49E9-8E53-5B1A1AC35CE8}"/>
+              <a:t>Dataset extraction and cleaning</a:t>
+            </a:r>
+          </a:p>
+        </p:txBody>
+      </p:sp>
+      <p:cxnSp>
+        <p:nvCxnSpPr>
+          <p:cNvPr id="127" name="Straight Connector 126">
+            <a:extLst>
+              <a:ext uri="{FF2B5EF4-FFF2-40B4-BE49-F238E27FC236}">
+                <a16:creationId xmlns:a16="http://schemas.microsoft.com/office/drawing/2014/main" id="{6D89ED7D-9D42-42B2-A9CA-DC1C83A3CF92}"/>
+              </a:ext>
+            </a:extLst>
+          </p:cNvPr>
+          <p:cNvCxnSpPr>
+            <a:cxnSpLocks/>
+          </p:cNvCxnSpPr>
+          <p:nvPr/>
+        </p:nvCxnSpPr>
+        <p:spPr>
+          <a:xfrm>
+            <a:off x="9729827" y="4492801"/>
+            <a:ext cx="0" cy="824177"/>
+          </a:xfrm>
+          <a:prstGeom prst="line">
+            <a:avLst/>
+          </a:prstGeom>
+          <a:ln w="57150">
+            <a:solidFill>
+              <a:srgbClr val="E68900"/>
+            </a:solidFill>
+          </a:ln>
+        </p:spPr>
+        <p:style>
+          <a:lnRef idx="1">
+            <a:schemeClr val="accent1"/>
+          </a:lnRef>
+          <a:fillRef idx="0">
+            <a:schemeClr val="accent1"/>
+          </a:fillRef>
+          <a:effectRef idx="0">
+            <a:schemeClr val="accent1"/>
+          </a:effectRef>
+          <a:fontRef idx="minor">
+            <a:schemeClr val="tx1"/>
+          </a:fontRef>
+        </p:style>
+      </p:cxnSp>
+      <p:sp>
+        <p:nvSpPr>
+          <p:cNvPr id="128" name="TextBox 127">
+            <a:extLst>
+              <a:ext uri="{FF2B5EF4-FFF2-40B4-BE49-F238E27FC236}">
+                <a16:creationId xmlns:a16="http://schemas.microsoft.com/office/drawing/2014/main" id="{DE02E68C-61F0-4D42-B16E-4E02DEC552D0}"/>
+              </a:ext>
+            </a:extLst>
+          </p:cNvPr>
+          <p:cNvSpPr txBox="1"/>
+          <p:nvPr/>
+        </p:nvSpPr>
+        <p:spPr>
+          <a:xfrm>
+            <a:off x="9827600" y="4424517"/>
+            <a:ext cx="1663901" cy="369332"/>
+          </a:xfrm>
+          <a:prstGeom prst="rect">
+            <a:avLst/>
+          </a:prstGeom>
+          <a:noFill/>
+        </p:spPr>
+        <p:txBody>
+          <a:bodyPr wrap="square" rtlCol="0">
+            <a:spAutoFit/>
+          </a:bodyPr>
+          <a:lstStyle/>
+          <a:p>
+            <a:r>
+              <a:rPr lang="en-US" b="1" dirty="0">
+                <a:latin typeface="Roboto" pitchFamily="2" charset="0"/>
+                <a:ea typeface="Roboto" pitchFamily="2" charset="0"/>
+              </a:rPr>
+              <a:t>November</a:t>
+            </a:r>
+          </a:p>
+        </p:txBody>
+      </p:sp>
+      <p:sp>
+        <p:nvSpPr>
+          <p:cNvPr id="129" name="TextBox 128">
+            <a:extLst>
+              <a:ext uri="{FF2B5EF4-FFF2-40B4-BE49-F238E27FC236}">
+                <a16:creationId xmlns:a16="http://schemas.microsoft.com/office/drawing/2014/main" id="{E7C7F7C4-9E5A-48BC-9EA4-AF80E77D6B44}"/>
+              </a:ext>
+            </a:extLst>
+          </p:cNvPr>
+          <p:cNvSpPr txBox="1"/>
+          <p:nvPr/>
+        </p:nvSpPr>
+        <p:spPr>
+          <a:xfrm>
+            <a:off x="9827601" y="4757253"/>
+            <a:ext cx="2000580" cy="584775"/>
+          </a:xfrm>
+          <a:prstGeom prst="rect">
+            <a:avLst/>
+          </a:prstGeom>
+          <a:noFill/>
+        </p:spPr>
+        <p:txBody>
+          <a:bodyPr wrap="square" rtlCol="0">
+            <a:spAutoFit/>
+          </a:bodyPr>
+          <a:lstStyle/>
+          <a:p>
+            <a:r>
+              <a:rPr lang="en-US" sz="1600" dirty="0">
+                <a:latin typeface="Segoe UI Light" panose="020B0502040204020203" pitchFamily="34" charset="0"/>
+                <a:cs typeface="Segoe UI Light" panose="020B0502040204020203" pitchFamily="34" charset="0"/>
+              </a:rPr>
+              <a:t>Data processing and analysis</a:t>
+            </a:r>
+          </a:p>
+        </p:txBody>
+      </p:sp>
+      <p:cxnSp>
+        <p:nvCxnSpPr>
+          <p:cNvPr id="130" name="Straight Connector 129">
+            <a:extLst>
+              <a:ext uri="{FF2B5EF4-FFF2-40B4-BE49-F238E27FC236}">
+                <a16:creationId xmlns:a16="http://schemas.microsoft.com/office/drawing/2014/main" id="{7A6A3ACE-75ED-4FB3-AD19-33ACDEB06F91}"/>
+              </a:ext>
+            </a:extLst>
+          </p:cNvPr>
+          <p:cNvCxnSpPr>
+            <a:cxnSpLocks/>
+          </p:cNvCxnSpPr>
+          <p:nvPr/>
+        </p:nvCxnSpPr>
+        <p:spPr>
+          <a:xfrm>
+            <a:off x="9729827" y="5640530"/>
+            <a:ext cx="0" cy="824177"/>
+          </a:xfrm>
+          <a:prstGeom prst="line">
+            <a:avLst/>
+          </a:prstGeom>
+          <a:ln w="57150">
+            <a:solidFill>
+              <a:srgbClr val="E68900"/>
+            </a:solidFill>
+          </a:ln>
+        </p:spPr>
+        <p:style>
+          <a:lnRef idx="1">
+            <a:schemeClr val="accent1"/>
+          </a:lnRef>
+          <a:fillRef idx="0">
+            <a:schemeClr val="accent1"/>
+          </a:fillRef>
+          <a:effectRef idx="0">
+            <a:schemeClr val="accent1"/>
+          </a:effectRef>
+          <a:fontRef idx="minor">
+            <a:schemeClr val="tx1"/>
+          </a:fontRef>
+        </p:style>
+      </p:cxnSp>
+      <p:sp>
+        <p:nvSpPr>
+          <p:cNvPr id="131" name="TextBox 130">
+            <a:extLst>
+              <a:ext uri="{FF2B5EF4-FFF2-40B4-BE49-F238E27FC236}">
+                <a16:creationId xmlns:a16="http://schemas.microsoft.com/office/drawing/2014/main" id="{1FE731A9-7A31-43F9-AA09-D079BD9FC67D}"/>
+              </a:ext>
+            </a:extLst>
+          </p:cNvPr>
+          <p:cNvSpPr txBox="1"/>
+          <p:nvPr/>
+        </p:nvSpPr>
+        <p:spPr>
+          <a:xfrm>
+            <a:off x="9827600" y="5577926"/>
+            <a:ext cx="1663901" cy="369332"/>
+          </a:xfrm>
+          <a:prstGeom prst="rect">
+            <a:avLst/>
+          </a:prstGeom>
+          <a:noFill/>
+        </p:spPr>
+        <p:txBody>
+          <a:bodyPr wrap="square" rtlCol="0">
+            <a:spAutoFit/>
+          </a:bodyPr>
+          <a:lstStyle/>
+          <a:p>
+            <a:r>
+              <a:rPr lang="en-US" b="1" dirty="0">
+                <a:latin typeface="Roboto" pitchFamily="2" charset="0"/>
+                <a:ea typeface="Roboto" pitchFamily="2" charset="0"/>
+              </a:rPr>
+              <a:t>December</a:t>
+            </a:r>
+          </a:p>
+        </p:txBody>
+      </p:sp>
+      <p:sp>
+        <p:nvSpPr>
+          <p:cNvPr id="132" name="TextBox 131">
+            <a:extLst>
+              <a:ext uri="{FF2B5EF4-FFF2-40B4-BE49-F238E27FC236}">
+                <a16:creationId xmlns:a16="http://schemas.microsoft.com/office/drawing/2014/main" id="{E203A156-CF94-4FB4-87D8-1CD983658513}"/>
+              </a:ext>
+            </a:extLst>
+          </p:cNvPr>
+          <p:cNvSpPr txBox="1"/>
+          <p:nvPr/>
+        </p:nvSpPr>
+        <p:spPr>
+          <a:xfrm>
+            <a:off x="9827601" y="5910662"/>
+            <a:ext cx="2000580" cy="584775"/>
+          </a:xfrm>
+          <a:prstGeom prst="rect">
+            <a:avLst/>
+          </a:prstGeom>
+          <a:noFill/>
+        </p:spPr>
+        <p:txBody>
+          <a:bodyPr wrap="square" rtlCol="0">
+            <a:spAutoFit/>
+          </a:bodyPr>
+          <a:lstStyle/>
+          <a:p>
+            <a:r>
+              <a:rPr lang="en-US" sz="1600" dirty="0">
+                <a:latin typeface="Segoe UI Light" panose="020B0502040204020203" pitchFamily="34" charset="0"/>
+                <a:cs typeface="Segoe UI Light" panose="020B0502040204020203" pitchFamily="34" charset="0"/>
+              </a:rPr>
+              <a:t>Final analysis and submission</a:t>
+            </a:r>
+          </a:p>
+        </p:txBody>
+      </p:sp>
+      <p:sp>
+        <p:nvSpPr>
+          <p:cNvPr id="120" name="TextBox 119">
+            <a:extLst>
+              <a:ext uri="{FF2B5EF4-FFF2-40B4-BE49-F238E27FC236}">
+                <a16:creationId xmlns:a16="http://schemas.microsoft.com/office/drawing/2014/main" id="{6D599FE6-630B-4942-BC17-8E5B98DC5DA1}"/>
+              </a:ext>
+            </a:extLst>
+          </p:cNvPr>
+          <p:cNvSpPr txBox="1"/>
+          <p:nvPr/>
+        </p:nvSpPr>
+        <p:spPr>
+          <a:xfrm>
+            <a:off x="283684" y="840345"/>
+            <a:ext cx="3765027" cy="584775"/>
+          </a:xfrm>
+          <a:prstGeom prst="rect">
+            <a:avLst/>
+          </a:prstGeom>
+          <a:noFill/>
+        </p:spPr>
+        <p:txBody>
+          <a:bodyPr wrap="square" rtlCol="0">
+            <a:spAutoFit/>
+          </a:bodyPr>
+          <a:lstStyle/>
+          <a:p>
+            <a:r>
+              <a:rPr lang="en-US" sz="1600" dirty="0">
+                <a:latin typeface="Segoe UI Light" panose="020B0502040204020203" pitchFamily="34" charset="0"/>
+                <a:ea typeface="Roboto" pitchFamily="2" charset="0"/>
+                <a:cs typeface="Segoe UI Light" panose="020B0502040204020203" pitchFamily="34" charset="0"/>
+              </a:rPr>
+              <a:t>Aggregate author citation metadata from literary databases to explore prevalence</a:t>
+            </a:r>
+          </a:p>
+        </p:txBody>
+      </p:sp>
+      <p:sp>
+        <p:nvSpPr>
+          <p:cNvPr id="137" name="TextBox 136">
+            <a:extLst>
+              <a:ext uri="{FF2B5EF4-FFF2-40B4-BE49-F238E27FC236}">
+                <a16:creationId xmlns:a16="http://schemas.microsoft.com/office/drawing/2014/main" id="{6057432F-3C75-42D7-9E66-BD95C2EE6D95}"/>
+              </a:ext>
+            </a:extLst>
+          </p:cNvPr>
+          <p:cNvSpPr txBox="1"/>
+          <p:nvPr/>
+        </p:nvSpPr>
+        <p:spPr>
+          <a:xfrm>
+            <a:off x="278776" y="1404420"/>
+            <a:ext cx="3765027" cy="584775"/>
+          </a:xfrm>
+          <a:prstGeom prst="rect">
+            <a:avLst/>
+          </a:prstGeom>
+          <a:noFill/>
+        </p:spPr>
+        <p:txBody>
+          <a:bodyPr wrap="square" rtlCol="0">
+            <a:spAutoFit/>
+          </a:bodyPr>
+          <a:lstStyle/>
+          <a:p>
+            <a:r>
+              <a:rPr lang="en-US" sz="1600" dirty="0">
+                <a:latin typeface="Segoe UI Light" panose="020B0502040204020203" pitchFamily="34" charset="0"/>
+                <a:ea typeface="Roboto" pitchFamily="2" charset="0"/>
+                <a:cs typeface="Segoe UI Light" panose="020B0502040204020203" pitchFamily="34" charset="0"/>
+              </a:rPr>
+              <a:t>Build a corpus of author citations for use in literary history research</a:t>
+            </a:r>
+          </a:p>
+        </p:txBody>
+      </p:sp>
+      <p:sp>
+        <p:nvSpPr>
+          <p:cNvPr id="145" name="TextBox 144">
+            <a:extLst>
+              <a:ext uri="{FF2B5EF4-FFF2-40B4-BE49-F238E27FC236}">
+                <a16:creationId xmlns:a16="http://schemas.microsoft.com/office/drawing/2014/main" id="{D7DD3369-E1E5-4BE3-B810-8A11677894DE}"/>
+              </a:ext>
+            </a:extLst>
+          </p:cNvPr>
+          <p:cNvSpPr txBox="1"/>
+          <p:nvPr/>
+        </p:nvSpPr>
+        <p:spPr>
+          <a:xfrm>
+            <a:off x="5821491" y="2327927"/>
+            <a:ext cx="2000584" cy="446276"/>
+          </a:xfrm>
+          <a:prstGeom prst="rect">
+            <a:avLst/>
+          </a:prstGeom>
+          <a:noFill/>
+        </p:spPr>
+        <p:txBody>
+          <a:bodyPr wrap="square" rtlCol="0">
+            <a:spAutoFit/>
+          </a:bodyPr>
+          <a:lstStyle/>
+          <a:p>
+            <a:pPr algn="ctr"/>
+            <a:r>
+              <a:rPr lang="en-US" sz="2300" b="1" dirty="0">
+                <a:latin typeface="Roboto" pitchFamily="2" charset="0"/>
+                <a:ea typeface="Roboto" pitchFamily="2" charset="0"/>
+              </a:rPr>
+              <a:t>METHODS</a:t>
+            </a:r>
+          </a:p>
+        </p:txBody>
+      </p:sp>
+      <p:sp>
+        <p:nvSpPr>
+          <p:cNvPr id="146" name="Rectangle 145">
+            <a:extLst>
+              <a:ext uri="{FF2B5EF4-FFF2-40B4-BE49-F238E27FC236}">
+                <a16:creationId xmlns:a16="http://schemas.microsoft.com/office/drawing/2014/main" id="{DB9A439B-A4C4-43E3-86F7-B92750FF7A9A}"/>
               </a:ext>
             </a:extLst>
           </p:cNvPr>
@@ -3898,8 +4900,8 @@
         </p:nvSpPr>
         <p:spPr>
           <a:xfrm>
-            <a:off x="5448649" y="1296667"/>
-            <a:ext cx="2584688" cy="553997"/>
+            <a:off x="4259755" y="2181020"/>
+            <a:ext cx="5133392" cy="4525688"/>
           </a:xfrm>
           <a:prstGeom prst="rect">
             <a:avLst/>
@@ -3908,8 +4910,7 @@
           <a:ln w="28575">
             <a:solidFill>
               <a:schemeClr val="accent1">
-                <a:lumMod val="60000"/>
-                <a:lumOff val="40000"/>
+                <a:lumMod val="75000"/>
               </a:schemeClr>
             </a:solidFill>
           </a:ln>
@@ -3935,16 +4936,16 @@
           <a:lstStyle/>
           <a:p>
             <a:pPr algn="ctr"/>
-            <a:endParaRPr lang="en-US"/>
-          </a:p>
-        </p:txBody>
-      </p:sp>
-      <p:sp>
-        <p:nvSpPr>
-          <p:cNvPr id="102" name="TextBox 101">
-            <a:extLst>
-              <a:ext uri="{FF2B5EF4-FFF2-40B4-BE49-F238E27FC236}">
-                <a16:creationId xmlns:a16="http://schemas.microsoft.com/office/drawing/2014/main" id="{62A1919C-5ACC-4A3D-90D5-E62C69E4B346}"/>
+            <a:endParaRPr lang="en-US" dirty="0"/>
+          </a:p>
+        </p:txBody>
+      </p:sp>
+      <p:sp>
+        <p:nvSpPr>
+          <p:cNvPr id="150" name="TextBox 149">
+            <a:extLst>
+              <a:ext uri="{FF2B5EF4-FFF2-40B4-BE49-F238E27FC236}">
+                <a16:creationId xmlns:a16="http://schemas.microsoft.com/office/drawing/2014/main" id="{27AB9626-5490-403A-BFE2-E21D9D249FF3}"/>
               </a:ext>
             </a:extLst>
           </p:cNvPr>
@@ -3953,8 +4954,8 @@
         </p:nvSpPr>
         <p:spPr>
           <a:xfrm>
-            <a:off x="5521492" y="1343639"/>
-            <a:ext cx="2455407" cy="477054"/>
+            <a:off x="1169933" y="4730432"/>
+            <a:ext cx="2000584" cy="446276"/>
           </a:xfrm>
           <a:prstGeom prst="rect">
             <a:avLst/>
@@ -3969,21 +4970,21 @@
           <a:p>
             <a:pPr algn="ctr"/>
             <a:r>
-              <a:rPr lang="en-US" sz="2500" b="1" dirty="0">
+              <a:rPr lang="en-US" sz="2300" b="1" dirty="0">
                 <a:latin typeface="Roboto" pitchFamily="2" charset="0"/>
                 <a:ea typeface="Roboto" pitchFamily="2" charset="0"/>
               </a:rPr>
-              <a:t>DATASETS</a:t>
-            </a:r>
-          </a:p>
-        </p:txBody>
-      </p:sp>
-      <p:sp>
-        <p:nvSpPr>
-          <p:cNvPr id="103" name="Rectangle 102">
-            <a:extLst>
-              <a:ext uri="{FF2B5EF4-FFF2-40B4-BE49-F238E27FC236}">
-                <a16:creationId xmlns:a16="http://schemas.microsoft.com/office/drawing/2014/main" id="{07846CCD-7144-485F-973A-2557B4D9B492}"/>
+              <a:t>RESULTS</a:t>
+            </a:r>
+          </a:p>
+        </p:txBody>
+      </p:sp>
+      <p:sp>
+        <p:nvSpPr>
+          <p:cNvPr id="151" name="Rectangle 150">
+            <a:extLst>
+              <a:ext uri="{FF2B5EF4-FFF2-40B4-BE49-F238E27FC236}">
+                <a16:creationId xmlns:a16="http://schemas.microsoft.com/office/drawing/2014/main" id="{DFB19575-E94A-426C-A2C3-A009B54EBDED}"/>
               </a:ext>
             </a:extLst>
           </p:cNvPr>
@@ -3992,8 +4993,8 @@
         </p:nvSpPr>
         <p:spPr>
           <a:xfrm>
-            <a:off x="4631424" y="1146584"/>
-            <a:ext cx="4275744" cy="2671735"/>
+            <a:off x="154329" y="4590699"/>
+            <a:ext cx="3983287" cy="2116009"/>
           </a:xfrm>
           <a:prstGeom prst="rect">
             <a:avLst/>
@@ -4032,55 +5033,12 @@
           </a:p>
         </p:txBody>
       </p:sp>
-      <p:cxnSp>
-        <p:nvCxnSpPr>
-          <p:cNvPr id="121" name="Straight Connector 120">
-            <a:extLst>
-              <a:ext uri="{FF2B5EF4-FFF2-40B4-BE49-F238E27FC236}">
-                <a16:creationId xmlns:a16="http://schemas.microsoft.com/office/drawing/2014/main" id="{1C9D8D4F-AC52-4F6A-83A8-C5840D880C1D}"/>
-              </a:ext>
-            </a:extLst>
-          </p:cNvPr>
-          <p:cNvCxnSpPr>
-            <a:cxnSpLocks/>
-          </p:cNvCxnSpPr>
-          <p:nvPr/>
-        </p:nvCxnSpPr>
-        <p:spPr>
-          <a:xfrm>
-            <a:off x="9456508" y="2279265"/>
-            <a:ext cx="0" cy="824177"/>
-          </a:xfrm>
-          <a:prstGeom prst="line">
-            <a:avLst/>
-          </a:prstGeom>
-          <a:ln w="57150">
-            <a:solidFill>
-              <a:srgbClr val="E68900"/>
-            </a:solidFill>
-          </a:ln>
-        </p:spPr>
-        <p:style>
-          <a:lnRef idx="1">
-            <a:schemeClr val="accent1"/>
-          </a:lnRef>
-          <a:fillRef idx="0">
-            <a:schemeClr val="accent1"/>
-          </a:fillRef>
-          <a:effectRef idx="0">
-            <a:schemeClr val="accent1"/>
-          </a:effectRef>
-          <a:fontRef idx="minor">
-            <a:schemeClr val="tx1"/>
-          </a:fontRef>
-        </p:style>
-      </p:cxnSp>
-      <p:sp>
-        <p:nvSpPr>
-          <p:cNvPr id="122" name="TextBox 121">
-            <a:extLst>
-              <a:ext uri="{FF2B5EF4-FFF2-40B4-BE49-F238E27FC236}">
-                <a16:creationId xmlns:a16="http://schemas.microsoft.com/office/drawing/2014/main" id="{149B1FCC-FD3E-4B58-8928-94E68225E7A0}"/>
+      <p:sp>
+        <p:nvSpPr>
+          <p:cNvPr id="156" name="TextBox 155">
+            <a:extLst>
+              <a:ext uri="{FF2B5EF4-FFF2-40B4-BE49-F238E27FC236}">
+                <a16:creationId xmlns:a16="http://schemas.microsoft.com/office/drawing/2014/main" id="{BB26C999-5729-4D66-BBF5-EE5B43BAF72B}"/>
               </a:ext>
             </a:extLst>
           </p:cNvPr>
@@ -4089,8 +5047,8 @@
         </p:nvSpPr>
         <p:spPr>
           <a:xfrm>
-            <a:off x="9674096" y="2228019"/>
-            <a:ext cx="1663901" cy="369332"/>
+            <a:off x="408298" y="2908458"/>
+            <a:ext cx="3505981" cy="1528624"/>
           </a:xfrm>
           <a:prstGeom prst="rect">
             <a:avLst/>
@@ -4103,495 +5061,200 @@
           </a:bodyPr>
           <a:lstStyle/>
           <a:p>
-            <a:r>
-              <a:rPr lang="en-US" b="1" dirty="0">
-                <a:latin typeface="Roboto" pitchFamily="2" charset="0"/>
-                <a:ea typeface="Roboto" pitchFamily="2" charset="0"/>
-              </a:rPr>
-              <a:t>September</a:t>
-            </a:r>
-          </a:p>
-        </p:txBody>
-      </p:sp>
-      <p:sp>
-        <p:nvSpPr>
-          <p:cNvPr id="123" name="TextBox 122">
-            <a:extLst>
-              <a:ext uri="{FF2B5EF4-FFF2-40B4-BE49-F238E27FC236}">
-                <a16:creationId xmlns:a16="http://schemas.microsoft.com/office/drawing/2014/main" id="{01E4A3D8-9C8A-4D5E-A7DF-465261873CCD}"/>
-              </a:ext>
-            </a:extLst>
-          </p:cNvPr>
-          <p:cNvSpPr txBox="1"/>
-          <p:nvPr/>
-        </p:nvSpPr>
-        <p:spPr>
-          <a:xfrm>
-            <a:off x="9674097" y="2560755"/>
-            <a:ext cx="2000580" cy="584775"/>
-          </a:xfrm>
-          <a:prstGeom prst="rect">
-            <a:avLst/>
-          </a:prstGeom>
-          <a:noFill/>
-        </p:spPr>
-        <p:txBody>
-          <a:bodyPr wrap="square" rtlCol="0">
-            <a:spAutoFit/>
-          </a:bodyPr>
-          <a:lstStyle/>
-          <a:p>
-            <a:r>
-              <a:rPr lang="en-US" sz="1600" dirty="0">
-                <a:latin typeface="Segoe UI Light" panose="020B0502040204020203" pitchFamily="34" charset="0"/>
-                <a:cs typeface="Segoe UI Light" panose="020B0502040204020203" pitchFamily="34" charset="0"/>
-              </a:rPr>
-              <a:t>Dataset selection and data extraction</a:t>
-            </a:r>
-          </a:p>
-        </p:txBody>
-      </p:sp>
-      <p:cxnSp>
-        <p:nvCxnSpPr>
-          <p:cNvPr id="124" name="Straight Connector 123">
-            <a:extLst>
-              <a:ext uri="{FF2B5EF4-FFF2-40B4-BE49-F238E27FC236}">
-                <a16:creationId xmlns:a16="http://schemas.microsoft.com/office/drawing/2014/main" id="{3BA15293-DB61-4D5E-946A-701CED6D3405}"/>
-              </a:ext>
-            </a:extLst>
-          </p:cNvPr>
-          <p:cNvCxnSpPr>
-            <a:cxnSpLocks/>
-          </p:cNvCxnSpPr>
-          <p:nvPr/>
-        </p:nvCxnSpPr>
-        <p:spPr>
-          <a:xfrm>
-            <a:off x="9456508" y="3382349"/>
-            <a:ext cx="0" cy="824177"/>
-          </a:xfrm>
-          <a:prstGeom prst="line">
-            <a:avLst/>
-          </a:prstGeom>
-          <a:ln w="57150">
-            <a:solidFill>
-              <a:srgbClr val="E68900"/>
-            </a:solidFill>
-          </a:ln>
-        </p:spPr>
-        <p:style>
-          <a:lnRef idx="1">
-            <a:schemeClr val="accent1"/>
-          </a:lnRef>
-          <a:fillRef idx="0">
-            <a:schemeClr val="accent1"/>
-          </a:fillRef>
-          <a:effectRef idx="0">
-            <a:schemeClr val="accent1"/>
-          </a:effectRef>
-          <a:fontRef idx="minor">
-            <a:schemeClr val="tx1"/>
-          </a:fontRef>
-        </p:style>
-      </p:cxnSp>
-      <p:sp>
-        <p:nvSpPr>
-          <p:cNvPr id="125" name="TextBox 124">
-            <a:extLst>
-              <a:ext uri="{FF2B5EF4-FFF2-40B4-BE49-F238E27FC236}">
-                <a16:creationId xmlns:a16="http://schemas.microsoft.com/office/drawing/2014/main" id="{9EBC804C-FE2B-4119-BE10-B4D6719F6806}"/>
-              </a:ext>
-            </a:extLst>
-          </p:cNvPr>
-          <p:cNvSpPr txBox="1"/>
-          <p:nvPr/>
-        </p:nvSpPr>
-        <p:spPr>
-          <a:xfrm>
-            <a:off x="9674096" y="3319745"/>
-            <a:ext cx="1663901" cy="369332"/>
-          </a:xfrm>
-          <a:prstGeom prst="rect">
-            <a:avLst/>
-          </a:prstGeom>
-          <a:noFill/>
-        </p:spPr>
-        <p:txBody>
-          <a:bodyPr wrap="square" rtlCol="0">
-            <a:spAutoFit/>
-          </a:bodyPr>
-          <a:lstStyle/>
-          <a:p>
-            <a:r>
-              <a:rPr lang="en-US" b="1" dirty="0">
-                <a:latin typeface="Roboto" pitchFamily="2" charset="0"/>
-                <a:ea typeface="Roboto" pitchFamily="2" charset="0"/>
-              </a:rPr>
-              <a:t>October</a:t>
-            </a:r>
-          </a:p>
-        </p:txBody>
-      </p:sp>
-      <p:sp>
-        <p:nvSpPr>
-          <p:cNvPr id="126" name="TextBox 125">
-            <a:extLst>
-              <a:ext uri="{FF2B5EF4-FFF2-40B4-BE49-F238E27FC236}">
-                <a16:creationId xmlns:a16="http://schemas.microsoft.com/office/drawing/2014/main" id="{C3B771DF-1405-427D-9F67-31EAF52C3198}"/>
-              </a:ext>
-            </a:extLst>
-          </p:cNvPr>
-          <p:cNvSpPr txBox="1"/>
-          <p:nvPr/>
-        </p:nvSpPr>
-        <p:spPr>
-          <a:xfrm>
-            <a:off x="9674097" y="3652481"/>
-            <a:ext cx="2000580" cy="584775"/>
-          </a:xfrm>
-          <a:prstGeom prst="rect">
-            <a:avLst/>
-          </a:prstGeom>
-          <a:noFill/>
-        </p:spPr>
-        <p:txBody>
-          <a:bodyPr wrap="square" rtlCol="0">
-            <a:spAutoFit/>
-          </a:bodyPr>
-          <a:lstStyle/>
-          <a:p>
-            <a:r>
-              <a:rPr lang="en-US" sz="1600" dirty="0">
-                <a:latin typeface="Segoe UI Light" panose="020B0502040204020203" pitchFamily="34" charset="0"/>
-                <a:cs typeface="Segoe UI Light" panose="020B0502040204020203" pitchFamily="34" charset="0"/>
-              </a:rPr>
-              <a:t>Dataset extraction and cleaning</a:t>
-            </a:r>
-          </a:p>
-        </p:txBody>
-      </p:sp>
-      <p:cxnSp>
-        <p:nvCxnSpPr>
-          <p:cNvPr id="127" name="Straight Connector 126">
-            <a:extLst>
-              <a:ext uri="{FF2B5EF4-FFF2-40B4-BE49-F238E27FC236}">
-                <a16:creationId xmlns:a16="http://schemas.microsoft.com/office/drawing/2014/main" id="{6D89ED7D-9D42-42B2-A9CA-DC1C83A3CF92}"/>
-              </a:ext>
-            </a:extLst>
-          </p:cNvPr>
-          <p:cNvCxnSpPr>
-            <a:cxnSpLocks/>
-          </p:cNvCxnSpPr>
-          <p:nvPr/>
-        </p:nvCxnSpPr>
-        <p:spPr>
-          <a:xfrm>
-            <a:off x="9456508" y="4508069"/>
-            <a:ext cx="0" cy="824177"/>
-          </a:xfrm>
-          <a:prstGeom prst="line">
-            <a:avLst/>
-          </a:prstGeom>
-          <a:ln w="57150">
-            <a:solidFill>
-              <a:srgbClr val="E68900"/>
-            </a:solidFill>
-          </a:ln>
-        </p:spPr>
-        <p:style>
-          <a:lnRef idx="1">
-            <a:schemeClr val="accent1"/>
-          </a:lnRef>
-          <a:fillRef idx="0">
-            <a:schemeClr val="accent1"/>
-          </a:fillRef>
-          <a:effectRef idx="0">
-            <a:schemeClr val="accent1"/>
-          </a:effectRef>
-          <a:fontRef idx="minor">
-            <a:schemeClr val="tx1"/>
-          </a:fontRef>
-        </p:style>
-      </p:cxnSp>
-      <p:sp>
-        <p:nvSpPr>
-          <p:cNvPr id="128" name="TextBox 127">
-            <a:extLst>
-              <a:ext uri="{FF2B5EF4-FFF2-40B4-BE49-F238E27FC236}">
-                <a16:creationId xmlns:a16="http://schemas.microsoft.com/office/drawing/2014/main" id="{DE02E68C-61F0-4D42-B16E-4E02DEC552D0}"/>
-              </a:ext>
-            </a:extLst>
-          </p:cNvPr>
-          <p:cNvSpPr txBox="1"/>
-          <p:nvPr/>
-        </p:nvSpPr>
-        <p:spPr>
-          <a:xfrm>
-            <a:off x="9674096" y="4439785"/>
-            <a:ext cx="1663901" cy="369332"/>
-          </a:xfrm>
-          <a:prstGeom prst="rect">
-            <a:avLst/>
-          </a:prstGeom>
-          <a:noFill/>
-        </p:spPr>
-        <p:txBody>
-          <a:bodyPr wrap="square" rtlCol="0">
-            <a:spAutoFit/>
-          </a:bodyPr>
-          <a:lstStyle/>
-          <a:p>
-            <a:r>
-              <a:rPr lang="en-US" b="1" dirty="0">
-                <a:latin typeface="Roboto" pitchFamily="2" charset="0"/>
-                <a:ea typeface="Roboto" pitchFamily="2" charset="0"/>
-              </a:rPr>
-              <a:t>November</a:t>
-            </a:r>
-          </a:p>
-        </p:txBody>
-      </p:sp>
-      <p:sp>
-        <p:nvSpPr>
-          <p:cNvPr id="129" name="TextBox 128">
-            <a:extLst>
-              <a:ext uri="{FF2B5EF4-FFF2-40B4-BE49-F238E27FC236}">
-                <a16:creationId xmlns:a16="http://schemas.microsoft.com/office/drawing/2014/main" id="{E7C7F7C4-9E5A-48BC-9EA4-AF80E77D6B44}"/>
-              </a:ext>
-            </a:extLst>
-          </p:cNvPr>
-          <p:cNvSpPr txBox="1"/>
-          <p:nvPr/>
-        </p:nvSpPr>
-        <p:spPr>
-          <a:xfrm>
-            <a:off x="9674097" y="4772521"/>
-            <a:ext cx="2000580" cy="584775"/>
-          </a:xfrm>
-          <a:prstGeom prst="rect">
-            <a:avLst/>
-          </a:prstGeom>
-          <a:noFill/>
-        </p:spPr>
-        <p:txBody>
-          <a:bodyPr wrap="square" rtlCol="0">
-            <a:spAutoFit/>
-          </a:bodyPr>
-          <a:lstStyle/>
-          <a:p>
-            <a:r>
-              <a:rPr lang="en-US" sz="1600" dirty="0">
-                <a:latin typeface="Segoe UI Light" panose="020B0502040204020203" pitchFamily="34" charset="0"/>
-                <a:cs typeface="Segoe UI Light" panose="020B0502040204020203" pitchFamily="34" charset="0"/>
-              </a:rPr>
-              <a:t>Data processing and analysis</a:t>
-            </a:r>
-          </a:p>
-        </p:txBody>
-      </p:sp>
-      <p:cxnSp>
-        <p:nvCxnSpPr>
-          <p:cNvPr id="130" name="Straight Connector 129">
-            <a:extLst>
-              <a:ext uri="{FF2B5EF4-FFF2-40B4-BE49-F238E27FC236}">
-                <a16:creationId xmlns:a16="http://schemas.microsoft.com/office/drawing/2014/main" id="{7A6A3ACE-75ED-4FB3-AD19-33ACDEB06F91}"/>
-              </a:ext>
-            </a:extLst>
-          </p:cNvPr>
-          <p:cNvCxnSpPr>
-            <a:cxnSpLocks/>
-          </p:cNvCxnSpPr>
-          <p:nvPr/>
-        </p:nvCxnSpPr>
-        <p:spPr>
-          <a:xfrm>
-            <a:off x="9456508" y="5588810"/>
-            <a:ext cx="0" cy="824177"/>
-          </a:xfrm>
-          <a:prstGeom prst="line">
-            <a:avLst/>
-          </a:prstGeom>
-          <a:ln w="57150">
-            <a:solidFill>
-              <a:srgbClr val="E68900"/>
-            </a:solidFill>
-          </a:ln>
-        </p:spPr>
-        <p:style>
-          <a:lnRef idx="1">
-            <a:schemeClr val="accent1"/>
-          </a:lnRef>
-          <a:fillRef idx="0">
-            <a:schemeClr val="accent1"/>
-          </a:fillRef>
-          <a:effectRef idx="0">
-            <a:schemeClr val="accent1"/>
-          </a:effectRef>
-          <a:fontRef idx="minor">
-            <a:schemeClr val="tx1"/>
-          </a:fontRef>
-        </p:style>
-      </p:cxnSp>
-      <p:sp>
-        <p:nvSpPr>
-          <p:cNvPr id="131" name="TextBox 130">
-            <a:extLst>
-              <a:ext uri="{FF2B5EF4-FFF2-40B4-BE49-F238E27FC236}">
-                <a16:creationId xmlns:a16="http://schemas.microsoft.com/office/drawing/2014/main" id="{1FE731A9-7A31-43F9-AA09-D079BD9FC67D}"/>
-              </a:ext>
-            </a:extLst>
-          </p:cNvPr>
-          <p:cNvSpPr txBox="1"/>
-          <p:nvPr/>
-        </p:nvSpPr>
-        <p:spPr>
-          <a:xfrm>
-            <a:off x="9674096" y="5526206"/>
-            <a:ext cx="1663901" cy="369332"/>
-          </a:xfrm>
-          <a:prstGeom prst="rect">
-            <a:avLst/>
-          </a:prstGeom>
-          <a:noFill/>
-        </p:spPr>
-        <p:txBody>
-          <a:bodyPr wrap="square" rtlCol="0">
-            <a:spAutoFit/>
-          </a:bodyPr>
-          <a:lstStyle/>
-          <a:p>
-            <a:r>
-              <a:rPr lang="en-US" b="1" dirty="0">
-                <a:latin typeface="Roboto" pitchFamily="2" charset="0"/>
-                <a:ea typeface="Roboto" pitchFamily="2" charset="0"/>
-              </a:rPr>
-              <a:t>December</a:t>
-            </a:r>
-          </a:p>
-        </p:txBody>
-      </p:sp>
-      <p:sp>
-        <p:nvSpPr>
-          <p:cNvPr id="132" name="TextBox 131">
-            <a:extLst>
-              <a:ext uri="{FF2B5EF4-FFF2-40B4-BE49-F238E27FC236}">
-                <a16:creationId xmlns:a16="http://schemas.microsoft.com/office/drawing/2014/main" id="{E203A156-CF94-4FB4-87D8-1CD983658513}"/>
-              </a:ext>
-            </a:extLst>
-          </p:cNvPr>
-          <p:cNvSpPr txBox="1"/>
-          <p:nvPr/>
-        </p:nvSpPr>
-        <p:spPr>
-          <a:xfrm>
-            <a:off x="9674097" y="5858942"/>
-            <a:ext cx="2000580" cy="584775"/>
-          </a:xfrm>
-          <a:prstGeom prst="rect">
-            <a:avLst/>
-          </a:prstGeom>
-          <a:noFill/>
-        </p:spPr>
-        <p:txBody>
-          <a:bodyPr wrap="square" rtlCol="0">
-            <a:spAutoFit/>
-          </a:bodyPr>
-          <a:lstStyle/>
-          <a:p>
-            <a:r>
-              <a:rPr lang="en-US" sz="1600" dirty="0">
-                <a:latin typeface="Segoe UI Light" panose="020B0502040204020203" pitchFamily="34" charset="0"/>
-                <a:cs typeface="Segoe UI Light" panose="020B0502040204020203" pitchFamily="34" charset="0"/>
-              </a:rPr>
-              <a:t>Final analysis and submission</a:t>
-            </a:r>
-          </a:p>
-        </p:txBody>
-      </p:sp>
-      <p:sp>
-        <p:nvSpPr>
-          <p:cNvPr id="120" name="TextBox 119">
-            <a:extLst>
-              <a:ext uri="{FF2B5EF4-FFF2-40B4-BE49-F238E27FC236}">
-                <a16:creationId xmlns:a16="http://schemas.microsoft.com/office/drawing/2014/main" id="{6D599FE6-630B-4942-BC17-8E5B98DC5DA1}"/>
-              </a:ext>
-            </a:extLst>
-          </p:cNvPr>
-          <p:cNvSpPr txBox="1"/>
-          <p:nvPr/>
-        </p:nvSpPr>
-        <p:spPr>
-          <a:xfrm>
-            <a:off x="504976" y="2047762"/>
-            <a:ext cx="3575465" cy="830997"/>
-          </a:xfrm>
-          <a:prstGeom prst="rect">
-            <a:avLst/>
-          </a:prstGeom>
-          <a:noFill/>
-        </p:spPr>
-        <p:txBody>
-          <a:bodyPr wrap="square" rtlCol="0">
-            <a:spAutoFit/>
-          </a:bodyPr>
-          <a:lstStyle/>
-          <a:p>
+            <a:pPr algn="ctr">
+              <a:spcBef>
+                <a:spcPts val="400"/>
+              </a:spcBef>
+            </a:pPr>
             <a:r>
               <a:rPr lang="en-US" sz="1600" dirty="0">
                 <a:latin typeface="Segoe UI Light" panose="020B0502040204020203" pitchFamily="34" charset="0"/>
                 <a:ea typeface="Roboto" pitchFamily="2" charset="0"/>
                 <a:cs typeface="Segoe UI Light" panose="020B0502040204020203" pitchFamily="34" charset="0"/>
               </a:rPr>
-              <a:t>Aggregate bibliographic metadata from literary databases to explore patterns in author citation</a:t>
-            </a:r>
-          </a:p>
-        </p:txBody>
-      </p:sp>
-      <p:sp>
-        <p:nvSpPr>
-          <p:cNvPr id="137" name="TextBox 136">
-            <a:extLst>
-              <a:ext uri="{FF2B5EF4-FFF2-40B4-BE49-F238E27FC236}">
-                <a16:creationId xmlns:a16="http://schemas.microsoft.com/office/drawing/2014/main" id="{6057432F-3C75-42D7-9E66-BD95C2EE6D95}"/>
-              </a:ext>
-            </a:extLst>
-          </p:cNvPr>
-          <p:cNvSpPr txBox="1"/>
-          <p:nvPr/>
-        </p:nvSpPr>
-        <p:spPr>
-          <a:xfrm>
-            <a:off x="504977" y="3047955"/>
-            <a:ext cx="3679398" cy="584775"/>
-          </a:xfrm>
-          <a:prstGeom prst="rect">
-            <a:avLst/>
-          </a:prstGeom>
-          <a:noFill/>
-        </p:spPr>
-        <p:txBody>
-          <a:bodyPr wrap="square" rtlCol="0">
-            <a:spAutoFit/>
-          </a:bodyPr>
-          <a:lstStyle/>
-          <a:p>
+              <a:t>English Short Title Catalog (HathiTrust)</a:t>
+            </a:r>
+          </a:p>
+          <a:p>
+            <a:pPr algn="ctr">
+              <a:spcBef>
+                <a:spcPts val="400"/>
+              </a:spcBef>
+            </a:pPr>
             <a:r>
               <a:rPr lang="en-US" sz="1600" dirty="0">
                 <a:latin typeface="Segoe UI Light" panose="020B0502040204020203" pitchFamily="34" charset="0"/>
                 <a:ea typeface="Roboto" pitchFamily="2" charset="0"/>
                 <a:cs typeface="Segoe UI Light" panose="020B0502040204020203" pitchFamily="34" charset="0"/>
               </a:rPr>
-              <a:t>Build a corpus of author citations for use in canon studies research</a:t>
-            </a:r>
-          </a:p>
-        </p:txBody>
-      </p:sp>
-      <p:sp>
-        <p:nvSpPr>
-          <p:cNvPr id="144" name="Rectangle 143">
-            <a:extLst>
-              <a:ext uri="{FF2B5EF4-FFF2-40B4-BE49-F238E27FC236}">
-                <a16:creationId xmlns:a16="http://schemas.microsoft.com/office/drawing/2014/main" id="{D38D9DC3-C3C3-4787-ACE4-9E707BAFA31D}"/>
+              <a:t>Early English Books Online (ProQuest)</a:t>
+            </a:r>
+          </a:p>
+          <a:p>
+            <a:pPr algn="ctr">
+              <a:spcBef>
+                <a:spcPts val="400"/>
+              </a:spcBef>
+            </a:pPr>
+            <a:r>
+              <a:rPr lang="en-US" sz="1600" dirty="0">
+                <a:latin typeface="Segoe UI Light" panose="020B0502040204020203" pitchFamily="34" charset="0"/>
+                <a:ea typeface="Roboto" pitchFamily="2" charset="0"/>
+                <a:cs typeface="Segoe UI Light" panose="020B0502040204020203" pitchFamily="34" charset="0"/>
+              </a:rPr>
+              <a:t>Open Syllabus Project</a:t>
+            </a:r>
+          </a:p>
+          <a:p>
+            <a:pPr algn="ctr">
+              <a:spcBef>
+                <a:spcPts val="400"/>
+              </a:spcBef>
+            </a:pPr>
+            <a:r>
+              <a:rPr lang="en-US" sz="1600" dirty="0">
+                <a:latin typeface="Segoe UI Light" panose="020B0502040204020203" pitchFamily="34" charset="0"/>
+                <a:ea typeface="Roboto" pitchFamily="2" charset="0"/>
+                <a:cs typeface="Segoe UI Light" panose="020B0502040204020203" pitchFamily="34" charset="0"/>
+              </a:rPr>
+              <a:t>Project Gutenberg</a:t>
+            </a:r>
+          </a:p>
+          <a:p>
+            <a:pPr algn="ctr">
+              <a:spcBef>
+                <a:spcPts val="400"/>
+              </a:spcBef>
+            </a:pPr>
+            <a:r>
+              <a:rPr lang="en-US" sz="1600" dirty="0">
+                <a:latin typeface="Segoe UI Light" panose="020B0502040204020203" pitchFamily="34" charset="0"/>
+                <a:ea typeface="Roboto" pitchFamily="2" charset="0"/>
+                <a:cs typeface="Segoe UI Light" panose="020B0502040204020203" pitchFamily="34" charset="0"/>
+              </a:rPr>
+              <a:t>Oxford Text Archive</a:t>
+            </a:r>
+          </a:p>
+        </p:txBody>
+      </p:sp>
+      <p:sp>
+        <p:nvSpPr>
+          <p:cNvPr id="159" name="TextBox 158">
+            <a:extLst>
+              <a:ext uri="{FF2B5EF4-FFF2-40B4-BE49-F238E27FC236}">
+                <a16:creationId xmlns:a16="http://schemas.microsoft.com/office/drawing/2014/main" id="{0224AE67-5705-43CA-AB7F-9C10A641AD2E}"/>
+              </a:ext>
+            </a:extLst>
+          </p:cNvPr>
+          <p:cNvSpPr txBox="1"/>
+          <p:nvPr/>
+        </p:nvSpPr>
+        <p:spPr>
+          <a:xfrm>
+            <a:off x="4339989" y="5446546"/>
+            <a:ext cx="5002794" cy="1087477"/>
+          </a:xfrm>
+          <a:prstGeom prst="rect">
+            <a:avLst/>
+          </a:prstGeom>
+          <a:noFill/>
+        </p:spPr>
+        <p:txBody>
+          <a:bodyPr wrap="square" rtlCol="0">
+            <a:spAutoFit/>
+          </a:bodyPr>
+          <a:lstStyle/>
+          <a:p>
+            <a:pPr>
+              <a:spcBef>
+                <a:spcPts val="1000"/>
+              </a:spcBef>
+            </a:pPr>
+            <a:r>
+              <a:rPr lang="en-US" sz="1600" dirty="0">
+                <a:latin typeface="Segoe UI Light" panose="020B0502040204020203" pitchFamily="34" charset="0"/>
+                <a:ea typeface="Roboto" pitchFamily="2" charset="0"/>
+                <a:cs typeface="Segoe UI Light" panose="020B0502040204020203" pitchFamily="34" charset="0"/>
+              </a:rPr>
+              <a:t>Combine datasets using Python Pandas</a:t>
+            </a:r>
+          </a:p>
+          <a:p>
+            <a:pPr>
+              <a:spcBef>
+                <a:spcPts val="1000"/>
+              </a:spcBef>
+            </a:pPr>
+            <a:r>
+              <a:rPr lang="en-US" sz="1600" dirty="0">
+                <a:latin typeface="Segoe UI Light" panose="020B0502040204020203" pitchFamily="34" charset="0"/>
+                <a:ea typeface="Roboto" pitchFamily="2" charset="0"/>
+                <a:cs typeface="Segoe UI Light" panose="020B0502040204020203" pitchFamily="34" charset="0"/>
+              </a:rPr>
+              <a:t>Consolidate matching author records across datasets</a:t>
+            </a:r>
+          </a:p>
+          <a:p>
+            <a:pPr>
+              <a:spcBef>
+                <a:spcPts val="1000"/>
+              </a:spcBef>
+            </a:pPr>
+            <a:r>
+              <a:rPr lang="en-US" sz="1600" dirty="0">
+                <a:latin typeface="Segoe UI Light" panose="020B0502040204020203" pitchFamily="34" charset="0"/>
+                <a:ea typeface="Roboto" pitchFamily="2" charset="0"/>
+                <a:cs typeface="Segoe UI Light" panose="020B0502040204020203" pitchFamily="34" charset="0"/>
+              </a:rPr>
+              <a:t>Calculate relative frequency of each author in full corpus</a:t>
+            </a:r>
+          </a:p>
+        </p:txBody>
+      </p:sp>
+      <p:sp>
+        <p:nvSpPr>
+          <p:cNvPr id="160" name="TextBox 159">
+            <a:extLst>
+              <a:ext uri="{FF2B5EF4-FFF2-40B4-BE49-F238E27FC236}">
+                <a16:creationId xmlns:a16="http://schemas.microsoft.com/office/drawing/2014/main" id="{5030580D-0CF3-4B16-8101-01021DFD776E}"/>
+              </a:ext>
+            </a:extLst>
+          </p:cNvPr>
+          <p:cNvSpPr txBox="1"/>
+          <p:nvPr/>
+        </p:nvSpPr>
+        <p:spPr>
+          <a:xfrm>
+            <a:off x="4340391" y="3034422"/>
+            <a:ext cx="2080428" cy="369332"/>
+          </a:xfrm>
+          <a:prstGeom prst="rect">
+            <a:avLst/>
+          </a:prstGeom>
+          <a:noFill/>
+        </p:spPr>
+        <p:txBody>
+          <a:bodyPr wrap="square" rtlCol="0" anchor="ctr">
+            <a:spAutoFit/>
+          </a:bodyPr>
+          <a:lstStyle/>
+          <a:p>
+            <a:r>
+              <a:rPr lang="en-US" b="1" dirty="0">
+                <a:latin typeface="Roboto" pitchFamily="2" charset="0"/>
+                <a:ea typeface="Roboto" pitchFamily="2" charset="0"/>
+              </a:rPr>
+              <a:t>COLLECTION</a:t>
+            </a:r>
+          </a:p>
+        </p:txBody>
+      </p:sp>
+      <p:sp>
+        <p:nvSpPr>
+          <p:cNvPr id="43" name="Rectangle 42">
+            <a:extLst>
+              <a:ext uri="{FF2B5EF4-FFF2-40B4-BE49-F238E27FC236}">
+                <a16:creationId xmlns:a16="http://schemas.microsoft.com/office/drawing/2014/main" id="{A10A9C7C-E2BF-48AA-AEDF-0520FAFB8BBA}"/>
               </a:ext>
             </a:extLst>
           </p:cNvPr>
@@ -4600,8 +5263,8 @@
         </p:nvSpPr>
         <p:spPr>
           <a:xfrm>
-            <a:off x="1000366" y="4215958"/>
-            <a:ext cx="2584688" cy="553997"/>
+            <a:off x="1090260" y="265652"/>
+            <a:ext cx="2134620" cy="515525"/>
           </a:xfrm>
           <a:prstGeom prst="rect">
             <a:avLst/>
@@ -4643,49 +5306,10 @@
       </p:sp>
       <p:sp>
         <p:nvSpPr>
-          <p:cNvPr id="145" name="TextBox 144">
-            <a:extLst>
-              <a:ext uri="{FF2B5EF4-FFF2-40B4-BE49-F238E27FC236}">
-                <a16:creationId xmlns:a16="http://schemas.microsoft.com/office/drawing/2014/main" id="{D7DD3369-E1E5-4BE3-B810-8A11677894DE}"/>
-              </a:ext>
-            </a:extLst>
-          </p:cNvPr>
-          <p:cNvSpPr txBox="1"/>
-          <p:nvPr/>
-        </p:nvSpPr>
-        <p:spPr>
-          <a:xfrm>
-            <a:off x="1065006" y="4259988"/>
-            <a:ext cx="2455407" cy="477054"/>
-          </a:xfrm>
-          <a:prstGeom prst="rect">
-            <a:avLst/>
-          </a:prstGeom>
-          <a:noFill/>
-        </p:spPr>
-        <p:txBody>
-          <a:bodyPr wrap="square" rtlCol="0">
-            <a:spAutoFit/>
-          </a:bodyPr>
-          <a:lstStyle/>
-          <a:p>
-            <a:pPr algn="ctr"/>
-            <a:r>
-              <a:rPr lang="en-US" sz="2500" b="1" dirty="0">
-                <a:latin typeface="Roboto" pitchFamily="2" charset="0"/>
-                <a:ea typeface="Roboto" pitchFamily="2" charset="0"/>
-              </a:rPr>
-              <a:t>METHODS</a:t>
-            </a:r>
-          </a:p>
-        </p:txBody>
-      </p:sp>
-      <p:sp>
-        <p:nvSpPr>
-          <p:cNvPr id="146" name="Rectangle 145">
-            <a:extLst>
-              <a:ext uri="{FF2B5EF4-FFF2-40B4-BE49-F238E27FC236}">
-                <a16:creationId xmlns:a16="http://schemas.microsoft.com/office/drawing/2014/main" id="{DB9A439B-A4C4-43E3-86F7-B92750FF7A9A}"/>
+          <p:cNvPr id="44" name="Rectangle 43">
+            <a:extLst>
+              <a:ext uri="{FF2B5EF4-FFF2-40B4-BE49-F238E27FC236}">
+                <a16:creationId xmlns:a16="http://schemas.microsoft.com/office/drawing/2014/main" id="{13AA8E1A-2D58-4A6E-8E18-3CCD7A4AD8E6}"/>
               </a:ext>
             </a:extLst>
           </p:cNvPr>
@@ -4694,8 +5318,8 @@
         </p:nvSpPr>
         <p:spPr>
           <a:xfrm>
-            <a:off x="184955" y="4008583"/>
-            <a:ext cx="4275744" cy="2671735"/>
+            <a:off x="1169933" y="4695807"/>
+            <a:ext cx="2000583" cy="515525"/>
           </a:xfrm>
           <a:prstGeom prst="rect">
             <a:avLst/>
@@ -4704,7 +5328,8 @@
           <a:ln w="28575">
             <a:solidFill>
               <a:schemeClr val="accent1">
-                <a:lumMod val="75000"/>
+                <a:lumMod val="60000"/>
+                <a:lumOff val="40000"/>
               </a:schemeClr>
             </a:solidFill>
           </a:ln>
@@ -4730,16 +5355,16 @@
           <a:lstStyle/>
           <a:p>
             <a:pPr algn="ctr"/>
-            <a:endParaRPr lang="en-US" dirty="0"/>
-          </a:p>
-        </p:txBody>
-      </p:sp>
-      <p:sp>
-        <p:nvSpPr>
-          <p:cNvPr id="149" name="Rectangle 148">
-            <a:extLst>
-              <a:ext uri="{FF2B5EF4-FFF2-40B4-BE49-F238E27FC236}">
-                <a16:creationId xmlns:a16="http://schemas.microsoft.com/office/drawing/2014/main" id="{F897FAA7-CC1A-4812-9F9C-4CF3F3EA4A6D}"/>
+            <a:endParaRPr lang="en-US"/>
+          </a:p>
+        </p:txBody>
+      </p:sp>
+      <p:sp>
+        <p:nvSpPr>
+          <p:cNvPr id="45" name="Rectangle 44">
+            <a:extLst>
+              <a:ext uri="{FF2B5EF4-FFF2-40B4-BE49-F238E27FC236}">
+                <a16:creationId xmlns:a16="http://schemas.microsoft.com/office/drawing/2014/main" id="{7C5FD872-B99A-4DCA-B24C-0538556E63A7}"/>
               </a:ext>
             </a:extLst>
           </p:cNvPr>
@@ -4748,8 +5373,8 @@
         </p:nvSpPr>
         <p:spPr>
           <a:xfrm>
-            <a:off x="5456852" y="4215958"/>
-            <a:ext cx="2584688" cy="553997"/>
+            <a:off x="5821491" y="2289630"/>
+            <a:ext cx="2000583" cy="515525"/>
           </a:xfrm>
           <a:prstGeom prst="rect">
             <a:avLst/>
@@ -4791,49 +5416,10 @@
       </p:sp>
       <p:sp>
         <p:nvSpPr>
-          <p:cNvPr id="150" name="TextBox 149">
-            <a:extLst>
-              <a:ext uri="{FF2B5EF4-FFF2-40B4-BE49-F238E27FC236}">
-                <a16:creationId xmlns:a16="http://schemas.microsoft.com/office/drawing/2014/main" id="{27AB9626-5490-403A-BFE2-E21D9D249FF3}"/>
-              </a:ext>
-            </a:extLst>
-          </p:cNvPr>
-          <p:cNvSpPr txBox="1"/>
-          <p:nvPr/>
-        </p:nvSpPr>
-        <p:spPr>
-          <a:xfrm>
-            <a:off x="5521492" y="4259988"/>
-            <a:ext cx="2455407" cy="477054"/>
-          </a:xfrm>
-          <a:prstGeom prst="rect">
-            <a:avLst/>
-          </a:prstGeom>
-          <a:noFill/>
-        </p:spPr>
-        <p:txBody>
-          <a:bodyPr wrap="square" rtlCol="0">
-            <a:spAutoFit/>
-          </a:bodyPr>
-          <a:lstStyle/>
-          <a:p>
-            <a:pPr algn="ctr"/>
-            <a:r>
-              <a:rPr lang="en-US" sz="2500" b="1" dirty="0">
-                <a:latin typeface="Roboto" pitchFamily="2" charset="0"/>
-                <a:ea typeface="Roboto" pitchFamily="2" charset="0"/>
-              </a:rPr>
-              <a:t>RESULTS</a:t>
-            </a:r>
-          </a:p>
-        </p:txBody>
-      </p:sp>
-      <p:sp>
-        <p:nvSpPr>
-          <p:cNvPr id="151" name="Rectangle 150">
-            <a:extLst>
-              <a:ext uri="{FF2B5EF4-FFF2-40B4-BE49-F238E27FC236}">
-                <a16:creationId xmlns:a16="http://schemas.microsoft.com/office/drawing/2014/main" id="{DFB19575-E94A-426C-A2C3-A009B54EBDED}"/>
+          <p:cNvPr id="46" name="Rectangle 45">
+            <a:extLst>
+              <a:ext uri="{FF2B5EF4-FFF2-40B4-BE49-F238E27FC236}">
+                <a16:creationId xmlns:a16="http://schemas.microsoft.com/office/drawing/2014/main" id="{2FF7621B-91D9-4C24-A64A-50B1BD02B3EF}"/>
               </a:ext>
             </a:extLst>
           </p:cNvPr>
@@ -4842,8 +5428,8 @@
         </p:nvSpPr>
         <p:spPr>
           <a:xfrm>
-            <a:off x="4641441" y="4008583"/>
-            <a:ext cx="4275744" cy="2671735"/>
+            <a:off x="1169933" y="2308421"/>
+            <a:ext cx="2000583" cy="515525"/>
           </a:xfrm>
           <a:prstGeom prst="rect">
             <a:avLst/>
@@ -4852,7 +5438,8 @@
           <a:ln w="28575">
             <a:solidFill>
               <a:schemeClr val="accent1">
-                <a:lumMod val="75000"/>
+                <a:lumMod val="60000"/>
+                <a:lumOff val="40000"/>
               </a:schemeClr>
             </a:solidFill>
           </a:ln>
@@ -4878,16 +5465,16 @@
           <a:lstStyle/>
           <a:p>
             <a:pPr algn="ctr"/>
-            <a:endParaRPr lang="en-US" dirty="0"/>
-          </a:p>
-        </p:txBody>
-      </p:sp>
-      <p:sp>
-        <p:nvSpPr>
-          <p:cNvPr id="156" name="TextBox 155">
-            <a:extLst>
-              <a:ext uri="{FF2B5EF4-FFF2-40B4-BE49-F238E27FC236}">
-                <a16:creationId xmlns:a16="http://schemas.microsoft.com/office/drawing/2014/main" id="{BB26C999-5729-4D66-BBF5-EE5B43BAF72B}"/>
+            <a:endParaRPr lang="en-US"/>
+          </a:p>
+        </p:txBody>
+      </p:sp>
+      <p:sp>
+        <p:nvSpPr>
+          <p:cNvPr id="47" name="TextBox 46">
+            <a:extLst>
+              <a:ext uri="{FF2B5EF4-FFF2-40B4-BE49-F238E27FC236}">
+                <a16:creationId xmlns:a16="http://schemas.microsoft.com/office/drawing/2014/main" id="{0D467C71-64C5-43A9-A3C2-C62FB838940F}"/>
               </a:ext>
             </a:extLst>
           </p:cNvPr>
@@ -4896,8 +5483,8 @@
         </p:nvSpPr>
         <p:spPr>
           <a:xfrm>
-            <a:off x="4998039" y="1964642"/>
-            <a:ext cx="3505981" cy="338554"/>
+            <a:off x="4971775" y="1038536"/>
+            <a:ext cx="3666332" cy="369332"/>
           </a:xfrm>
           <a:prstGeom prst="rect">
             <a:avLst/>
@@ -4912,22 +5499,35 @@
           <a:p>
             <a:pPr algn="ctr"/>
             <a:r>
-              <a:rPr lang="en-US" sz="1600" dirty="0">
+              <a:rPr lang="en-US" dirty="0">
                 <a:latin typeface="Segoe UI Light" panose="020B0502040204020203" pitchFamily="34" charset="0"/>
-                <a:ea typeface="Roboto" pitchFamily="2" charset="0"/>
                 <a:cs typeface="Segoe UI Light" panose="020B0502040204020203" pitchFamily="34" charset="0"/>
               </a:rPr>
-              <a:t>English Short Title Catalog (HathiTrust)</a:t>
-            </a:r>
-          </a:p>
-        </p:txBody>
-      </p:sp>
-      <p:sp>
-        <p:nvSpPr>
-          <p:cNvPr id="159" name="TextBox 158">
-            <a:extLst>
-              <a:ext uri="{FF2B5EF4-FFF2-40B4-BE49-F238E27FC236}">
-                <a16:creationId xmlns:a16="http://schemas.microsoft.com/office/drawing/2014/main" id="{0224AE67-5705-43CA-AB7F-9C10A641AD2E}"/>
+              <a:t>Jasmine Wong, </a:t>
+            </a:r>
+            <a:r>
+              <a:rPr lang="en-US" dirty="0" err="1">
+                <a:latin typeface="Segoe UI Light" panose="020B0502040204020203" pitchFamily="34" charset="0"/>
+                <a:cs typeface="Segoe UI Light" panose="020B0502040204020203" pitchFamily="34" charset="0"/>
+              </a:rPr>
+              <a:t>MSLIS</a:t>
+            </a:r>
+            <a:r>
+              <a:rPr lang="en-US" dirty="0">
+                <a:latin typeface="Segoe UI Light" panose="020B0502040204020203" pitchFamily="34" charset="0"/>
+                <a:cs typeface="Segoe UI Light" panose="020B0502040204020203" pitchFamily="34" charset="0"/>
+              </a:rPr>
+              <a:t> ‘20</a:t>
+            </a:r>
+          </a:p>
+        </p:txBody>
+      </p:sp>
+      <p:sp>
+        <p:nvSpPr>
+          <p:cNvPr id="48" name="TextBox 47">
+            <a:extLst>
+              <a:ext uri="{FF2B5EF4-FFF2-40B4-BE49-F238E27FC236}">
+                <a16:creationId xmlns:a16="http://schemas.microsoft.com/office/drawing/2014/main" id="{92D5D64F-580E-44D6-8D80-A57C54BEB572}"/>
               </a:ext>
             </a:extLst>
           </p:cNvPr>
@@ -4936,8 +5536,8 @@
         </p:nvSpPr>
         <p:spPr>
           <a:xfrm>
-            <a:off x="476385" y="5566501"/>
-            <a:ext cx="1380517" cy="830997"/>
+            <a:off x="4340391" y="4993061"/>
+            <a:ext cx="4538886" cy="369332"/>
           </a:xfrm>
           <a:prstGeom prst="rect">
             <a:avLst/>
@@ -4951,47 +5551,21 @@
           <a:lstStyle/>
           <a:p>
             <a:r>
-              <a:rPr lang="en-US" sz="1600" dirty="0" err="1">
-                <a:latin typeface="Segoe UI Light" panose="020B0502040204020203" pitchFamily="34" charset="0"/>
+              <a:rPr lang="en-US" b="1" dirty="0">
+                <a:latin typeface="Roboto" pitchFamily="2" charset="0"/>
                 <a:ea typeface="Roboto" pitchFamily="2" charset="0"/>
-                <a:cs typeface="Segoe UI Light" panose="020B0502040204020203" pitchFamily="34" charset="0"/>
               </a:rPr>
-              <a:t>OpenRefine</a:t>
-            </a:r>
-            <a:endParaRPr lang="en-US" sz="1600" dirty="0">
-              <a:latin typeface="Segoe UI Light" panose="020B0502040204020203" pitchFamily="34" charset="0"/>
-              <a:ea typeface="Roboto" pitchFamily="2" charset="0"/>
-              <a:cs typeface="Segoe UI Light" panose="020B0502040204020203" pitchFamily="34" charset="0"/>
-            </a:endParaRPr>
-          </a:p>
-          <a:p>
-            <a:r>
-              <a:rPr lang="en-US" sz="1600" dirty="0">
-                <a:latin typeface="Segoe UI Light" panose="020B0502040204020203" pitchFamily="34" charset="0"/>
-                <a:ea typeface="Roboto" pitchFamily="2" charset="0"/>
-                <a:cs typeface="Segoe UI Light" panose="020B0502040204020203" pitchFamily="34" charset="0"/>
-              </a:rPr>
-              <a:t>Hand-editing</a:t>
-            </a:r>
-          </a:p>
-          <a:p>
-            <a:r>
-              <a:rPr lang="en-US" sz="1600" dirty="0">
-                <a:latin typeface="Segoe UI Light" panose="020B0502040204020203" pitchFamily="34" charset="0"/>
-                <a:ea typeface="Roboto" pitchFamily="2" charset="0"/>
-                <a:cs typeface="Segoe UI Light" panose="020B0502040204020203" pitchFamily="34" charset="0"/>
-              </a:rPr>
-              <a:t>XPATH</a:t>
-            </a:r>
-          </a:p>
-        </p:txBody>
-      </p:sp>
-      <p:sp>
-        <p:nvSpPr>
-          <p:cNvPr id="160" name="TextBox 159">
-            <a:extLst>
-              <a:ext uri="{FF2B5EF4-FFF2-40B4-BE49-F238E27FC236}">
-                <a16:creationId xmlns:a16="http://schemas.microsoft.com/office/drawing/2014/main" id="{5030580D-0CF3-4B16-8101-01021DFD776E}"/>
+              <a:t>TRANSFORMATION &amp; PROCESSING</a:t>
+            </a:r>
+          </a:p>
+        </p:txBody>
+      </p:sp>
+      <p:sp>
+        <p:nvSpPr>
+          <p:cNvPr id="52" name="TextBox 51">
+            <a:extLst>
+              <a:ext uri="{FF2B5EF4-FFF2-40B4-BE49-F238E27FC236}">
+                <a16:creationId xmlns:a16="http://schemas.microsoft.com/office/drawing/2014/main" id="{EEAA6C11-CAE6-4F9D-9C99-6E200433FF5A}"/>
               </a:ext>
             </a:extLst>
           </p:cNvPr>
@@ -5000,8 +5574,8 @@
         </p:nvSpPr>
         <p:spPr>
           <a:xfrm>
-            <a:off x="334692" y="4920157"/>
-            <a:ext cx="1663901" cy="646331"/>
+            <a:off x="142756" y="5321355"/>
+            <a:ext cx="1999576" cy="369332"/>
           </a:xfrm>
           <a:prstGeom prst="rect">
             <a:avLst/>
@@ -5020,17 +5594,17 @@
                 <a:latin typeface="Roboto" pitchFamily="2" charset="0"/>
                 <a:ea typeface="Roboto" pitchFamily="2" charset="0"/>
               </a:rPr>
-              <a:t>COLLECTION/CLEANING</a:t>
-            </a:r>
-          </a:p>
-        </p:txBody>
-      </p:sp>
-      <p:sp>
-        <p:nvSpPr>
-          <p:cNvPr id="161" name="TextBox 160">
-            <a:extLst>
-              <a:ext uri="{FF2B5EF4-FFF2-40B4-BE49-F238E27FC236}">
-                <a16:creationId xmlns:a16="http://schemas.microsoft.com/office/drawing/2014/main" id="{0DBF7084-E6D2-4CBA-AC28-50D8B133EBCD}"/>
+              <a:t>CORPUS SIZE</a:t>
+            </a:r>
+          </a:p>
+        </p:txBody>
+      </p:sp>
+      <p:sp>
+        <p:nvSpPr>
+          <p:cNvPr id="53" name="TextBox 52">
+            <a:extLst>
+              <a:ext uri="{FF2B5EF4-FFF2-40B4-BE49-F238E27FC236}">
+                <a16:creationId xmlns:a16="http://schemas.microsoft.com/office/drawing/2014/main" id="{A356F0E9-B5D7-4346-BB38-5D7677A09D12}"/>
               </a:ext>
             </a:extLst>
           </p:cNvPr>
@@ -5039,8 +5613,8 @@
         </p:nvSpPr>
         <p:spPr>
           <a:xfrm>
-            <a:off x="2500870" y="4999067"/>
-            <a:ext cx="1663901" cy="369332"/>
+            <a:off x="2156733" y="5328026"/>
+            <a:ext cx="1899278" cy="369332"/>
           </a:xfrm>
           <a:prstGeom prst="rect">
             <a:avLst/>
@@ -5053,22 +5627,23 @@
           </a:bodyPr>
           <a:lstStyle/>
           <a:p>
+            <a:pPr algn="ctr"/>
             <a:r>
               <a:rPr lang="en-US" b="1" dirty="0">
                 <a:latin typeface="Roboto" pitchFamily="2" charset="0"/>
                 <a:ea typeface="Roboto" pitchFamily="2" charset="0"/>
               </a:rPr>
-              <a:t>PROCESSING</a:t>
-            </a:r>
-          </a:p>
-        </p:txBody>
-      </p:sp>
-      <p:sp>
-        <p:nvSpPr>
-          <p:cNvPr id="162" name="TextBox 161">
-            <a:extLst>
-              <a:ext uri="{FF2B5EF4-FFF2-40B4-BE49-F238E27FC236}">
-                <a16:creationId xmlns:a16="http://schemas.microsoft.com/office/drawing/2014/main" id="{69A9D9AF-0C25-42E5-991F-C8AD653BB8EE}"/>
+              <a:t>TOP AUTHORS</a:t>
+            </a:r>
+          </a:p>
+        </p:txBody>
+      </p:sp>
+      <p:sp>
+        <p:nvSpPr>
+          <p:cNvPr id="54" name="TextBox 53">
+            <a:extLst>
+              <a:ext uri="{FF2B5EF4-FFF2-40B4-BE49-F238E27FC236}">
+                <a16:creationId xmlns:a16="http://schemas.microsoft.com/office/drawing/2014/main" id="{E2C281DD-9188-4262-ACFD-C627918F5968}"/>
               </a:ext>
             </a:extLst>
           </p:cNvPr>
@@ -5077,8 +5652,8 @@
         </p:nvSpPr>
         <p:spPr>
           <a:xfrm>
-            <a:off x="2383371" y="5565908"/>
-            <a:ext cx="1829627" cy="830997"/>
+            <a:off x="142756" y="5819789"/>
+            <a:ext cx="1999576" cy="338554"/>
           </a:xfrm>
           <a:prstGeom prst="rect">
             <a:avLst/>
@@ -5091,201 +5666,369 @@
           </a:bodyPr>
           <a:lstStyle/>
           <a:p>
-            <a:r>
-              <a:rPr lang="en-US" sz="1600" dirty="0" err="1">
+            <a:pPr algn="ctr"/>
+            <a:r>
+              <a:rPr lang="en-US" sz="1600" dirty="0">
                 <a:latin typeface="Segoe UI Light" panose="020B0502040204020203" pitchFamily="34" charset="0"/>
-                <a:ea typeface="Roboto" pitchFamily="2" charset="0"/>
                 <a:cs typeface="Segoe UI Light" panose="020B0502040204020203" pitchFamily="34" charset="0"/>
               </a:rPr>
-              <a:t>Jupyter</a:t>
-            </a:r>
-            <a:r>
-              <a:rPr lang="en-US" sz="1600" dirty="0">
-                <a:latin typeface="Segoe UI Light" panose="020B0502040204020203" pitchFamily="34" charset="0"/>
-                <a:ea typeface="Roboto" pitchFamily="2" charset="0"/>
-                <a:cs typeface="Segoe UI Light" panose="020B0502040204020203" pitchFamily="34" charset="0"/>
-              </a:rPr>
-              <a:t> Notebook</a:t>
-            </a:r>
-          </a:p>
-          <a:p>
-            <a:r>
-              <a:rPr lang="en-US" sz="1600" dirty="0">
-                <a:latin typeface="Segoe UI Light" panose="020B0502040204020203" pitchFamily="34" charset="0"/>
-                <a:ea typeface="Roboto" pitchFamily="2" charset="0"/>
-                <a:cs typeface="Segoe UI Light" panose="020B0502040204020203" pitchFamily="34" charset="0"/>
-              </a:rPr>
-              <a:t>Python</a:t>
-            </a:r>
-          </a:p>
-          <a:p>
-            <a:r>
-              <a:rPr lang="en-US" sz="1600" dirty="0">
-                <a:latin typeface="Segoe UI Light" panose="020B0502040204020203" pitchFamily="34" charset="0"/>
-                <a:ea typeface="Roboto" pitchFamily="2" charset="0"/>
-                <a:cs typeface="Segoe UI Light" panose="020B0502040204020203" pitchFamily="34" charset="0"/>
-              </a:rPr>
-              <a:t>Pandas</a:t>
-            </a:r>
-          </a:p>
-        </p:txBody>
-      </p:sp>
-      <p:sp>
-        <p:nvSpPr>
-          <p:cNvPr id="1030" name="Rectangle 1029">
-            <a:extLst>
-              <a:ext uri="{FF2B5EF4-FFF2-40B4-BE49-F238E27FC236}">
-                <a16:creationId xmlns:a16="http://schemas.microsoft.com/office/drawing/2014/main" id="{A0F3C838-57C9-4D90-A31D-493BF0CD18AB}"/>
-              </a:ext>
-            </a:extLst>
-          </p:cNvPr>
-          <p:cNvSpPr/>
+              <a:t>1,427 authors</a:t>
+            </a:r>
+          </a:p>
+        </p:txBody>
+      </p:sp>
+      <p:sp>
+        <p:nvSpPr>
+          <p:cNvPr id="57" name="TextBox 56">
+            <a:extLst>
+              <a:ext uri="{FF2B5EF4-FFF2-40B4-BE49-F238E27FC236}">
+                <a16:creationId xmlns:a16="http://schemas.microsoft.com/office/drawing/2014/main" id="{66D41520-C731-405C-B7F6-6DC987B2B348}"/>
+              </a:ext>
+            </a:extLst>
+          </p:cNvPr>
+          <p:cNvSpPr txBox="1"/>
           <p:nvPr/>
         </p:nvSpPr>
         <p:spPr>
           <a:xfrm>
-            <a:off x="4994690" y="2324324"/>
-            <a:ext cx="3512673" cy="338554"/>
+            <a:off x="2142332" y="5704028"/>
+            <a:ext cx="1946550" cy="907941"/>
           </a:xfrm>
           <a:prstGeom prst="rect">
             <a:avLst/>
           </a:prstGeom>
-        </p:spPr>
-        <p:txBody>
-          <a:bodyPr wrap="square">
+          <a:noFill/>
+        </p:spPr>
+        <p:txBody>
+          <a:bodyPr wrap="square" rtlCol="0">
             <a:spAutoFit/>
           </a:bodyPr>
           <a:lstStyle/>
           <a:p>
-            <a:pPr algn="ctr"/>
+            <a:pPr algn="ctr">
+              <a:spcBef>
+                <a:spcPts val="300"/>
+              </a:spcBef>
+            </a:pPr>
             <a:r>
               <a:rPr lang="en-US" sz="1600" dirty="0">
                 <a:latin typeface="Segoe UI Light" panose="020B0502040204020203" pitchFamily="34" charset="0"/>
-                <a:ea typeface="Roboto" pitchFamily="2" charset="0"/>
                 <a:cs typeface="Segoe UI Light" panose="020B0502040204020203" pitchFamily="34" charset="0"/>
               </a:rPr>
-              <a:t>Early English Books Online (ProQuest)</a:t>
-            </a:r>
-          </a:p>
-        </p:txBody>
-      </p:sp>
-      <p:sp>
-        <p:nvSpPr>
-          <p:cNvPr id="165" name="Rectangle 164">
-            <a:extLst>
-              <a:ext uri="{FF2B5EF4-FFF2-40B4-BE49-F238E27FC236}">
-                <a16:creationId xmlns:a16="http://schemas.microsoft.com/office/drawing/2014/main" id="{46E355D5-5E8E-4CB1-ABE4-3EB2138EC25D}"/>
-              </a:ext>
-            </a:extLst>
-          </p:cNvPr>
-          <p:cNvSpPr/>
+              <a:t>Daniel Defoe</a:t>
+            </a:r>
+          </a:p>
+          <a:p>
+            <a:pPr algn="ctr">
+              <a:spcBef>
+                <a:spcPts val="300"/>
+              </a:spcBef>
+            </a:pPr>
+            <a:r>
+              <a:rPr lang="en-US" sz="1600" dirty="0">
+                <a:latin typeface="Segoe UI Light" panose="020B0502040204020203" pitchFamily="34" charset="0"/>
+                <a:cs typeface="Segoe UI Light" panose="020B0502040204020203" pitchFamily="34" charset="0"/>
+              </a:rPr>
+              <a:t>William Shakespeare</a:t>
+            </a:r>
+          </a:p>
+          <a:p>
+            <a:pPr algn="ctr">
+              <a:spcBef>
+                <a:spcPts val="300"/>
+              </a:spcBef>
+            </a:pPr>
+            <a:r>
+              <a:rPr lang="en-US" sz="1600" dirty="0">
+                <a:latin typeface="Segoe UI Light" panose="020B0502040204020203" pitchFamily="34" charset="0"/>
+                <a:cs typeface="Segoe UI Light" panose="020B0502040204020203" pitchFamily="34" charset="0"/>
+              </a:rPr>
+              <a:t>Jonathan Swift</a:t>
+            </a:r>
+          </a:p>
+        </p:txBody>
+      </p:sp>
+      <p:sp>
+        <p:nvSpPr>
+          <p:cNvPr id="66" name="TextBox 65">
+            <a:extLst>
+              <a:ext uri="{FF2B5EF4-FFF2-40B4-BE49-F238E27FC236}">
+                <a16:creationId xmlns:a16="http://schemas.microsoft.com/office/drawing/2014/main" id="{AC372A29-579A-40E7-BD84-17B2455F251C}"/>
+              </a:ext>
+            </a:extLst>
+          </p:cNvPr>
+          <p:cNvSpPr txBox="1"/>
           <p:nvPr/>
         </p:nvSpPr>
         <p:spPr>
           <a:xfrm>
-            <a:off x="4984656" y="2683865"/>
-            <a:ext cx="3512673" cy="338554"/>
+            <a:off x="6937836" y="3029012"/>
+            <a:ext cx="1741153" cy="369332"/>
           </a:xfrm>
           <a:prstGeom prst="rect">
             <a:avLst/>
           </a:prstGeom>
-        </p:spPr>
-        <p:txBody>
-          <a:bodyPr wrap="square">
+          <a:noFill/>
+        </p:spPr>
+        <p:txBody>
+          <a:bodyPr wrap="square" rtlCol="0" anchor="ctr">
             <a:spAutoFit/>
           </a:bodyPr>
           <a:lstStyle/>
           <a:p>
-            <a:pPr algn="ctr"/>
-            <a:r>
-              <a:rPr lang="en-US" sz="1600" dirty="0">
-                <a:latin typeface="Segoe UI Light" panose="020B0502040204020203" pitchFamily="34" charset="0"/>
+            <a:r>
+              <a:rPr lang="en-US" b="1" dirty="0">
+                <a:latin typeface="Roboto" pitchFamily="2" charset="0"/>
                 <a:ea typeface="Roboto" pitchFamily="2" charset="0"/>
-                <a:cs typeface="Segoe UI Light" panose="020B0502040204020203" pitchFamily="34" charset="0"/>
               </a:rPr>
-              <a:t>Open Syllabus Project</a:t>
-            </a:r>
-          </a:p>
-        </p:txBody>
-      </p:sp>
-      <p:sp>
-        <p:nvSpPr>
-          <p:cNvPr id="166" name="Rectangle 165">
-            <a:extLst>
-              <a:ext uri="{FF2B5EF4-FFF2-40B4-BE49-F238E27FC236}">
-                <a16:creationId xmlns:a16="http://schemas.microsoft.com/office/drawing/2014/main" id="{891138A9-8148-47F7-BA02-3C0255213AE6}"/>
-              </a:ext>
-            </a:extLst>
-          </p:cNvPr>
-          <p:cNvSpPr/>
+              <a:t>CLEANING</a:t>
+            </a:r>
+          </a:p>
+        </p:txBody>
+      </p:sp>
+      <p:sp>
+        <p:nvSpPr>
+          <p:cNvPr id="78" name="TextBox 77">
+            <a:extLst>
+              <a:ext uri="{FF2B5EF4-FFF2-40B4-BE49-F238E27FC236}">
+                <a16:creationId xmlns:a16="http://schemas.microsoft.com/office/drawing/2014/main" id="{FE472CA7-2DB3-4114-902C-9965BAEA44B3}"/>
+              </a:ext>
+            </a:extLst>
+          </p:cNvPr>
+          <p:cNvSpPr txBox="1"/>
           <p:nvPr/>
         </p:nvSpPr>
         <p:spPr>
           <a:xfrm>
-            <a:off x="4998039" y="3041688"/>
-            <a:ext cx="3512673" cy="338554"/>
+            <a:off x="6970965" y="3474118"/>
+            <a:ext cx="2422181" cy="1205458"/>
           </a:xfrm>
           <a:prstGeom prst="rect">
             <a:avLst/>
           </a:prstGeom>
-        </p:spPr>
-        <p:txBody>
-          <a:bodyPr wrap="square">
+          <a:noFill/>
+        </p:spPr>
+        <p:txBody>
+          <a:bodyPr wrap="square" rtlCol="0">
             <a:spAutoFit/>
           </a:bodyPr>
           <a:lstStyle/>
           <a:p>
-            <a:pPr algn="ctr"/>
+            <a:pPr>
+              <a:spcBef>
+                <a:spcPts val="1000"/>
+              </a:spcBef>
+            </a:pPr>
             <a:r>
               <a:rPr lang="en-US" sz="1600" dirty="0">
                 <a:latin typeface="Segoe UI Light" panose="020B0502040204020203" pitchFamily="34" charset="0"/>
-                <a:ea typeface="Roboto" pitchFamily="2" charset="0"/>
                 <a:cs typeface="Segoe UI Light" panose="020B0502040204020203" pitchFamily="34" charset="0"/>
               </a:rPr>
-              <a:t>Project Gutenberg</a:t>
-            </a:r>
-          </a:p>
-        </p:txBody>
-      </p:sp>
-      <p:sp>
-        <p:nvSpPr>
-          <p:cNvPr id="167" name="Rectangle 166">
-            <a:extLst>
-              <a:ext uri="{FF2B5EF4-FFF2-40B4-BE49-F238E27FC236}">
-                <a16:creationId xmlns:a16="http://schemas.microsoft.com/office/drawing/2014/main" id="{1B518CBF-1F34-44AD-8F06-65C2B938C723}"/>
-              </a:ext>
-            </a:extLst>
-          </p:cNvPr>
-          <p:cNvSpPr/>
+              <a:t>Hand-edit character encoding errors</a:t>
+            </a:r>
+          </a:p>
+          <a:p>
+            <a:pPr>
+              <a:spcBef>
+                <a:spcPts val="1000"/>
+              </a:spcBef>
+            </a:pPr>
+            <a:r>
+              <a:rPr lang="en-US" sz="1600" dirty="0">
+                <a:latin typeface="Segoe UI Light" panose="020B0502040204020203" pitchFamily="34" charset="0"/>
+                <a:cs typeface="Segoe UI Light" panose="020B0502040204020203" pitchFamily="34" charset="0"/>
+              </a:rPr>
+              <a:t>Standardize dataset structure</a:t>
+            </a:r>
+          </a:p>
+        </p:txBody>
+      </p:sp>
+      <p:sp>
+        <p:nvSpPr>
+          <p:cNvPr id="80" name="TextBox 79">
+            <a:extLst>
+              <a:ext uri="{FF2B5EF4-FFF2-40B4-BE49-F238E27FC236}">
+                <a16:creationId xmlns:a16="http://schemas.microsoft.com/office/drawing/2014/main" id="{802483F1-B960-44FC-A31B-C3423B545EE6}"/>
+              </a:ext>
+            </a:extLst>
+          </p:cNvPr>
+          <p:cNvSpPr txBox="1"/>
           <p:nvPr/>
         </p:nvSpPr>
         <p:spPr>
           <a:xfrm>
-            <a:off x="4984656" y="3401229"/>
-            <a:ext cx="3512673" cy="338554"/>
+            <a:off x="4364360" y="3476524"/>
+            <a:ext cx="2293576" cy="959237"/>
           </a:xfrm>
           <a:prstGeom prst="rect">
             <a:avLst/>
           </a:prstGeom>
-        </p:spPr>
-        <p:txBody>
-          <a:bodyPr wrap="square">
+          <a:noFill/>
+        </p:spPr>
+        <p:txBody>
+          <a:bodyPr wrap="square" rtlCol="0">
             <a:spAutoFit/>
           </a:bodyPr>
           <a:lstStyle/>
           <a:p>
-            <a:pPr algn="ctr"/>
+            <a:pPr>
+              <a:spcBef>
+                <a:spcPts val="1000"/>
+              </a:spcBef>
+            </a:pPr>
             <a:r>
               <a:rPr lang="en-US" sz="1600" dirty="0">
                 <a:latin typeface="Segoe UI Light" panose="020B0502040204020203" pitchFamily="34" charset="0"/>
-                <a:ea typeface="Roboto" pitchFamily="2" charset="0"/>
                 <a:cs typeface="Segoe UI Light" panose="020B0502040204020203" pitchFamily="34" charset="0"/>
               </a:rPr>
-              <a:t>Oxford Text Archive</a:t>
-            </a:r>
-          </a:p>
-        </p:txBody>
-      </p:sp>
+              <a:t>Identify viable datasets</a:t>
+            </a:r>
+          </a:p>
+          <a:p>
+            <a:pPr>
+              <a:spcBef>
+                <a:spcPts val="1000"/>
+              </a:spcBef>
+            </a:pPr>
+            <a:r>
+              <a:rPr lang="en-US" sz="1600" dirty="0">
+                <a:latin typeface="Segoe UI Light" panose="020B0502040204020203" pitchFamily="34" charset="0"/>
+                <a:cs typeface="Segoe UI Light" panose="020B0502040204020203" pitchFamily="34" charset="0"/>
+              </a:rPr>
+              <a:t>Extract data in machine-readable form</a:t>
+            </a:r>
+          </a:p>
+        </p:txBody>
+      </p:sp>
+      <p:cxnSp>
+        <p:nvCxnSpPr>
+          <p:cNvPr id="85" name="Straight Connector 84">
+            <a:extLst>
+              <a:ext uri="{FF2B5EF4-FFF2-40B4-BE49-F238E27FC236}">
+                <a16:creationId xmlns:a16="http://schemas.microsoft.com/office/drawing/2014/main" id="{376357E0-CE2B-4E65-B74B-32B415970EFD}"/>
+              </a:ext>
+            </a:extLst>
+          </p:cNvPr>
+          <p:cNvCxnSpPr>
+            <a:cxnSpLocks/>
+          </p:cNvCxnSpPr>
+          <p:nvPr/>
+        </p:nvCxnSpPr>
+        <p:spPr>
+          <a:xfrm flipV="1">
+            <a:off x="4415298" y="5355405"/>
+            <a:ext cx="4800609" cy="29166"/>
+          </a:xfrm>
+          <a:prstGeom prst="line">
+            <a:avLst/>
+          </a:prstGeom>
+          <a:ln w="19050">
+            <a:solidFill>
+              <a:srgbClr val="E68900"/>
+            </a:solidFill>
+          </a:ln>
+        </p:spPr>
+        <p:style>
+          <a:lnRef idx="1">
+            <a:schemeClr val="accent1"/>
+          </a:lnRef>
+          <a:fillRef idx="0">
+            <a:schemeClr val="accent1"/>
+          </a:fillRef>
+          <a:effectRef idx="0">
+            <a:schemeClr val="accent1"/>
+          </a:effectRef>
+          <a:fontRef idx="minor">
+            <a:schemeClr val="tx1"/>
+          </a:fontRef>
+        </p:style>
+      </p:cxnSp>
+      <p:cxnSp>
+        <p:nvCxnSpPr>
+          <p:cNvPr id="91" name="Straight Connector 90">
+            <a:extLst>
+              <a:ext uri="{FF2B5EF4-FFF2-40B4-BE49-F238E27FC236}">
+                <a16:creationId xmlns:a16="http://schemas.microsoft.com/office/drawing/2014/main" id="{2B2E696A-2E28-4713-8DCA-F6AD2A6D4243}"/>
+              </a:ext>
+            </a:extLst>
+          </p:cNvPr>
+          <p:cNvCxnSpPr>
+            <a:cxnSpLocks/>
+          </p:cNvCxnSpPr>
+          <p:nvPr/>
+        </p:nvCxnSpPr>
+        <p:spPr>
+          <a:xfrm flipV="1">
+            <a:off x="4418135" y="3407875"/>
+            <a:ext cx="2196256" cy="13343"/>
+          </a:xfrm>
+          <a:prstGeom prst="line">
+            <a:avLst/>
+          </a:prstGeom>
+          <a:ln w="19050">
+            <a:solidFill>
+              <a:srgbClr val="E68900"/>
+            </a:solidFill>
+          </a:ln>
+        </p:spPr>
+        <p:style>
+          <a:lnRef idx="1">
+            <a:schemeClr val="accent1"/>
+          </a:lnRef>
+          <a:fillRef idx="0">
+            <a:schemeClr val="accent1"/>
+          </a:fillRef>
+          <a:effectRef idx="0">
+            <a:schemeClr val="accent1"/>
+          </a:effectRef>
+          <a:fontRef idx="minor">
+            <a:schemeClr val="tx1"/>
+          </a:fontRef>
+        </p:style>
+      </p:cxnSp>
+      <p:cxnSp>
+        <p:nvCxnSpPr>
+          <p:cNvPr id="92" name="Straight Connector 91">
+            <a:extLst>
+              <a:ext uri="{FF2B5EF4-FFF2-40B4-BE49-F238E27FC236}">
+                <a16:creationId xmlns:a16="http://schemas.microsoft.com/office/drawing/2014/main" id="{A5AB0A52-F360-4BA4-889C-CDD43B8CE09F}"/>
+              </a:ext>
+            </a:extLst>
+          </p:cNvPr>
+          <p:cNvCxnSpPr>
+            <a:cxnSpLocks/>
+          </p:cNvCxnSpPr>
+          <p:nvPr/>
+        </p:nvCxnSpPr>
+        <p:spPr>
+          <a:xfrm flipV="1">
+            <a:off x="7019651" y="3393887"/>
+            <a:ext cx="2196256" cy="13343"/>
+          </a:xfrm>
+          <a:prstGeom prst="line">
+            <a:avLst/>
+          </a:prstGeom>
+          <a:ln w="19050">
+            <a:solidFill>
+              <a:srgbClr val="E68900"/>
+            </a:solidFill>
+          </a:ln>
+        </p:spPr>
+        <p:style>
+          <a:lnRef idx="1">
+            <a:schemeClr val="accent1"/>
+          </a:lnRef>
+          <a:fillRef idx="0">
+            <a:schemeClr val="accent1"/>
+          </a:fillRef>
+          <a:effectRef idx="0">
+            <a:schemeClr val="accent1"/>
+          </a:effectRef>
+          <a:fontRef idx="minor">
+            <a:schemeClr val="tx1"/>
+          </a:fontRef>
+        </p:style>
+      </p:cxnSp>
     </p:spTree>
     <p:extLst>
       <p:ext uri="{BB962C8B-B14F-4D97-AF65-F5344CB8AC3E}">
@@ -5592,4 +6335,299 @@
     </a:ext>
   </a:extLst>
 </a:theme>
+</file>
+
+<file path=ppt/theme/theme2.xml><?xml version="1.0" encoding="utf-8"?>
+<a:theme xmlns:a="http://schemas.openxmlformats.org/drawingml/2006/main" name="Office Theme">
+  <a:themeElements>
+    <a:clrScheme name="Office">
+      <a:dk1>
+        <a:sysClr val="windowText" lastClr="000000"/>
+      </a:dk1>
+      <a:lt1>
+        <a:sysClr val="window" lastClr="FFFFFF"/>
+      </a:lt1>
+      <a:dk2>
+        <a:srgbClr val="44546A"/>
+      </a:dk2>
+      <a:lt2>
+        <a:srgbClr val="E7E6E6"/>
+      </a:lt2>
+      <a:accent1>
+        <a:srgbClr val="4472C4"/>
+      </a:accent1>
+      <a:accent2>
+        <a:srgbClr val="ED7D31"/>
+      </a:accent2>
+      <a:accent3>
+        <a:srgbClr val="A5A5A5"/>
+      </a:accent3>
+      <a:accent4>
+        <a:srgbClr val="FFC000"/>
+      </a:accent4>
+      <a:accent5>
+        <a:srgbClr val="5B9BD5"/>
+      </a:accent5>
+      <a:accent6>
+        <a:srgbClr val="70AD47"/>
+      </a:accent6>
+      <a:hlink>
+        <a:srgbClr val="0563C1"/>
+      </a:hlink>
+      <a:folHlink>
+        <a:srgbClr val="954F72"/>
+      </a:folHlink>
+    </a:clrScheme>
+    <a:fontScheme name="Office">
+      <a:majorFont>
+        <a:latin typeface="Calibri Light" panose="020F0302020204030204"/>
+        <a:ea typeface=""/>
+        <a:cs typeface=""/>
+        <a:font script="Jpan" typeface="游ゴシック Light"/>
+        <a:font script="Hang" typeface="맑은 고딕"/>
+        <a:font script="Hans" typeface="等线 Light"/>
+        <a:font script="Hant" typeface="新細明體"/>
+        <a:font script="Arab" typeface="Times New Roman"/>
+        <a:font script="Hebr" typeface="Times New Roman"/>
+        <a:font script="Thai" typeface="Angsana New"/>
+        <a:font script="Ethi" typeface="Nyala"/>
+        <a:font script="Beng" typeface="Vrinda"/>
+        <a:font script="Gujr" typeface="Shruti"/>
+        <a:font script="Khmr" typeface="MoolBoran"/>
+        <a:font script="Knda" typeface="Tunga"/>
+        <a:font script="Guru" typeface="Raavi"/>
+        <a:font script="Cans" typeface="Euphemia"/>
+        <a:font script="Cher" typeface="Plantagenet Cherokee"/>
+        <a:font script="Yiii" typeface="Microsoft Yi Baiti"/>
+        <a:font script="Tibt" typeface="Microsoft Himalaya"/>
+        <a:font script="Thaa" typeface="MV Boli"/>
+        <a:font script="Deva" typeface="Mangal"/>
+        <a:font script="Telu" typeface="Gautami"/>
+        <a:font script="Taml" typeface="Latha"/>
+        <a:font script="Syrc" typeface="Estrangelo Edessa"/>
+        <a:font script="Orya" typeface="Kalinga"/>
+        <a:font script="Mlym" typeface="Kartika"/>
+        <a:font script="Laoo" typeface="DokChampa"/>
+        <a:font script="Sinh" typeface="Iskoola Pota"/>
+        <a:font script="Mong" typeface="Mongolian Baiti"/>
+        <a:font script="Viet" typeface="Times New Roman"/>
+        <a:font script="Uigh" typeface="Microsoft Uighur"/>
+        <a:font script="Geor" typeface="Sylfaen"/>
+        <a:font script="Armn" typeface="Arial"/>
+        <a:font script="Bugi" typeface="Leelawadee UI"/>
+        <a:font script="Bopo" typeface="Microsoft JhengHei"/>
+        <a:font script="Java" typeface="Javanese Text"/>
+        <a:font script="Lisu" typeface="Segoe UI"/>
+        <a:font script="Mymr" typeface="Myanmar Text"/>
+        <a:font script="Nkoo" typeface="Ebrima"/>
+        <a:font script="Olck" typeface="Nirmala UI"/>
+        <a:font script="Osma" typeface="Ebrima"/>
+        <a:font script="Phag" typeface="Phagspa"/>
+        <a:font script="Syrn" typeface="Estrangelo Edessa"/>
+        <a:font script="Syrj" typeface="Estrangelo Edessa"/>
+        <a:font script="Syre" typeface="Estrangelo Edessa"/>
+        <a:font script="Sora" typeface="Nirmala UI"/>
+        <a:font script="Tale" typeface="Microsoft Tai Le"/>
+        <a:font script="Talu" typeface="Microsoft New Tai Lue"/>
+        <a:font script="Tfng" typeface="Ebrima"/>
+      </a:majorFont>
+      <a:minorFont>
+        <a:latin typeface="Calibri" panose="020F0502020204030204"/>
+        <a:ea typeface=""/>
+        <a:cs typeface=""/>
+        <a:font script="Jpan" typeface="游ゴシック"/>
+        <a:font script="Hang" typeface="맑은 고딕"/>
+        <a:font script="Hans" typeface="等线"/>
+        <a:font script="Hant" typeface="新細明體"/>
+        <a:font script="Arab" typeface="Arial"/>
+        <a:font script="Hebr" typeface="Arial"/>
+        <a:font script="Thai" typeface="Cordia New"/>
+        <a:font script="Ethi" typeface="Nyala"/>
+        <a:font script="Beng" typeface="Vrinda"/>
+        <a:font script="Gujr" typeface="Shruti"/>
+        <a:font script="Khmr" typeface="DaunPenh"/>
+        <a:font script="Knda" typeface="Tunga"/>
+        <a:font script="Guru" typeface="Raavi"/>
+        <a:font script="Cans" typeface="Euphemia"/>
+        <a:font script="Cher" typeface="Plantagenet Cherokee"/>
+        <a:font script="Yiii" typeface="Microsoft Yi Baiti"/>
+        <a:font script="Tibt" typeface="Microsoft Himalaya"/>
+        <a:font script="Thaa" typeface="MV Boli"/>
+        <a:font script="Deva" typeface="Mangal"/>
+        <a:font script="Telu" typeface="Gautami"/>
+        <a:font script="Taml" typeface="Latha"/>
+        <a:font script="Syrc" typeface="Estrangelo Edessa"/>
+        <a:font script="Orya" typeface="Kalinga"/>
+        <a:font script="Mlym" typeface="Kartika"/>
+        <a:font script="Laoo" typeface="DokChampa"/>
+        <a:font script="Sinh" typeface="Iskoola Pota"/>
+        <a:font script="Mong" typeface="Mongolian Baiti"/>
+        <a:font script="Viet" typeface="Arial"/>
+        <a:font script="Uigh" typeface="Microsoft Uighur"/>
+        <a:font script="Geor" typeface="Sylfaen"/>
+        <a:font script="Armn" typeface="Arial"/>
+        <a:font script="Bugi" typeface="Leelawadee UI"/>
+        <a:font script="Bopo" typeface="Microsoft JhengHei"/>
+        <a:font script="Java" typeface="Javanese Text"/>
+        <a:font script="Lisu" typeface="Segoe UI"/>
+        <a:font script="Mymr" typeface="Myanmar Text"/>
+        <a:font script="Nkoo" typeface="Ebrima"/>
+        <a:font script="Olck" typeface="Nirmala UI"/>
+        <a:font script="Osma" typeface="Ebrima"/>
+        <a:font script="Phag" typeface="Phagspa"/>
+        <a:font script="Syrn" typeface="Estrangelo Edessa"/>
+        <a:font script="Syrj" typeface="Estrangelo Edessa"/>
+        <a:font script="Syre" typeface="Estrangelo Edessa"/>
+        <a:font script="Sora" typeface="Nirmala UI"/>
+        <a:font script="Tale" typeface="Microsoft Tai Le"/>
+        <a:font script="Talu" typeface="Microsoft New Tai Lue"/>
+        <a:font script="Tfng" typeface="Ebrima"/>
+      </a:minorFont>
+    </a:fontScheme>
+    <a:fmtScheme name="Office">
+      <a:fillStyleLst>
+        <a:solidFill>
+          <a:schemeClr val="phClr"/>
+        </a:solidFill>
+        <a:gradFill rotWithShape="1">
+          <a:gsLst>
+            <a:gs pos="0">
+              <a:schemeClr val="phClr">
+                <a:lumMod val="110000"/>
+                <a:satMod val="105000"/>
+                <a:tint val="67000"/>
+              </a:schemeClr>
+            </a:gs>
+            <a:gs pos="50000">
+              <a:schemeClr val="phClr">
+                <a:lumMod val="105000"/>
+                <a:satMod val="103000"/>
+                <a:tint val="73000"/>
+              </a:schemeClr>
+            </a:gs>
+            <a:gs pos="100000">
+              <a:schemeClr val="phClr">
+                <a:lumMod val="105000"/>
+                <a:satMod val="109000"/>
+                <a:tint val="81000"/>
+              </a:schemeClr>
+            </a:gs>
+          </a:gsLst>
+          <a:lin ang="5400000" scaled="0"/>
+        </a:gradFill>
+        <a:gradFill rotWithShape="1">
+          <a:gsLst>
+            <a:gs pos="0">
+              <a:schemeClr val="phClr">
+                <a:satMod val="103000"/>
+                <a:lumMod val="102000"/>
+                <a:tint val="94000"/>
+              </a:schemeClr>
+            </a:gs>
+            <a:gs pos="50000">
+              <a:schemeClr val="phClr">
+                <a:satMod val="110000"/>
+                <a:lumMod val="100000"/>
+                <a:shade val="100000"/>
+              </a:schemeClr>
+            </a:gs>
+            <a:gs pos="100000">
+              <a:schemeClr val="phClr">
+                <a:lumMod val="99000"/>
+                <a:satMod val="120000"/>
+                <a:shade val="78000"/>
+              </a:schemeClr>
+            </a:gs>
+          </a:gsLst>
+          <a:lin ang="5400000" scaled="0"/>
+        </a:gradFill>
+      </a:fillStyleLst>
+      <a:lnStyleLst>
+        <a:ln w="6350" cap="flat" cmpd="sng" algn="ctr">
+          <a:solidFill>
+            <a:schemeClr val="phClr"/>
+          </a:solidFill>
+          <a:prstDash val="solid"/>
+          <a:miter lim="800000"/>
+        </a:ln>
+        <a:ln w="12700" cap="flat" cmpd="sng" algn="ctr">
+          <a:solidFill>
+            <a:schemeClr val="phClr"/>
+          </a:solidFill>
+          <a:prstDash val="solid"/>
+          <a:miter lim="800000"/>
+        </a:ln>
+        <a:ln w="19050" cap="flat" cmpd="sng" algn="ctr">
+          <a:solidFill>
+            <a:schemeClr val="phClr"/>
+          </a:solidFill>
+          <a:prstDash val="solid"/>
+          <a:miter lim="800000"/>
+        </a:ln>
+      </a:lnStyleLst>
+      <a:effectStyleLst>
+        <a:effectStyle>
+          <a:effectLst/>
+        </a:effectStyle>
+        <a:effectStyle>
+          <a:effectLst/>
+        </a:effectStyle>
+        <a:effectStyle>
+          <a:effectLst>
+            <a:outerShdw blurRad="57150" dist="19050" dir="5400000" algn="ctr" rotWithShape="0">
+              <a:srgbClr val="000000">
+                <a:alpha val="63000"/>
+              </a:srgbClr>
+            </a:outerShdw>
+          </a:effectLst>
+        </a:effectStyle>
+      </a:effectStyleLst>
+      <a:bgFillStyleLst>
+        <a:solidFill>
+          <a:schemeClr val="phClr"/>
+        </a:solidFill>
+        <a:solidFill>
+          <a:schemeClr val="phClr">
+            <a:tint val="95000"/>
+            <a:satMod val="170000"/>
+          </a:schemeClr>
+        </a:solidFill>
+        <a:gradFill rotWithShape="1">
+          <a:gsLst>
+            <a:gs pos="0">
+              <a:schemeClr val="phClr">
+                <a:tint val="93000"/>
+                <a:satMod val="150000"/>
+                <a:shade val="98000"/>
+                <a:lumMod val="102000"/>
+              </a:schemeClr>
+            </a:gs>
+            <a:gs pos="50000">
+              <a:schemeClr val="phClr">
+                <a:tint val="98000"/>
+                <a:satMod val="130000"/>
+                <a:shade val="90000"/>
+                <a:lumMod val="103000"/>
+              </a:schemeClr>
+            </a:gs>
+            <a:gs pos="100000">
+              <a:schemeClr val="phClr">
+                <a:shade val="63000"/>
+                <a:satMod val="120000"/>
+              </a:schemeClr>
+            </a:gs>
+          </a:gsLst>
+          <a:lin ang="5400000" scaled="0"/>
+        </a:gradFill>
+      </a:bgFillStyleLst>
+    </a:fmtScheme>
+  </a:themeElements>
+  <a:objectDefaults/>
+  <a:extraClrSchemeLst/>
+  <a:extLst>
+    <a:ext uri="{05A4C25C-085E-4340-85A3-A5531E510DB2}">
+      <thm15:themeFamily xmlns:thm15="http://schemas.microsoft.com/office/thememl/2012/main" name="Office Theme" id="{62F939B6-93AF-4DB8-9C6B-D6C7DFDC589F}" vid="{4A3C46E8-61CC-4603-A589-7422A47A8E4A}"/>
+    </a:ext>
+  </a:extLst>
+</a:theme>
 </file>